--- a/Introducing PyCaret 2.0 - July 28 2020.pptx
+++ b/Introducing PyCaret 2.0 - July 28 2020.pptx
@@ -5,7 +5,7 @@
     <p:sldMasterId id="2147483659" r:id="rId1"/>
   </p:sldMasterIdLst>
   <p:notesMasterIdLst>
-    <p:notesMasterId r:id="rId21"/>
+    <p:notesMasterId r:id="rId30"/>
   </p:notesMasterIdLst>
   <p:sldIdLst>
     <p:sldId id="256" r:id="rId2"/>
@@ -18,15 +18,24 @@
     <p:sldId id="289" r:id="rId9"/>
     <p:sldId id="282" r:id="rId10"/>
     <p:sldId id="290" r:id="rId11"/>
-    <p:sldId id="266" r:id="rId12"/>
-    <p:sldId id="292" r:id="rId13"/>
-    <p:sldId id="293" r:id="rId14"/>
-    <p:sldId id="294" r:id="rId15"/>
-    <p:sldId id="295" r:id="rId16"/>
-    <p:sldId id="296" r:id="rId17"/>
-    <p:sldId id="297" r:id="rId18"/>
-    <p:sldId id="298" r:id="rId19"/>
-    <p:sldId id="274" r:id="rId20"/>
+    <p:sldId id="303" r:id="rId12"/>
+    <p:sldId id="300" r:id="rId13"/>
+    <p:sldId id="301" r:id="rId14"/>
+    <p:sldId id="302" r:id="rId15"/>
+    <p:sldId id="308" r:id="rId16"/>
+    <p:sldId id="266" r:id="rId17"/>
+    <p:sldId id="292" r:id="rId18"/>
+    <p:sldId id="304" r:id="rId19"/>
+    <p:sldId id="293" r:id="rId20"/>
+    <p:sldId id="294" r:id="rId21"/>
+    <p:sldId id="295" r:id="rId22"/>
+    <p:sldId id="296" r:id="rId23"/>
+    <p:sldId id="297" r:id="rId24"/>
+    <p:sldId id="298" r:id="rId25"/>
+    <p:sldId id="305" r:id="rId26"/>
+    <p:sldId id="306" r:id="rId27"/>
+    <p:sldId id="307" r:id="rId28"/>
+    <p:sldId id="274" r:id="rId29"/>
   </p:sldIdLst>
   <p:sldSz cx="9144000" cy="5143500" type="screen16x9"/>
   <p:notesSz cx="6858000" cy="9144000"/>
@@ -6254,6 +6263,4689 @@
   <p:cSld>
     <p:spTree>
       <p:nvGrpSpPr>
+        <p:cNvPr id="1" name=""/>
+        <p:cNvGrpSpPr/>
+        <p:nvPr/>
+      </p:nvGrpSpPr>
+      <p:grpSpPr>
+        <a:xfrm>
+          <a:off x="0" y="0"/>
+          <a:ext cx="0" cy="0"/>
+          <a:chOff x="0" y="0"/>
+          <a:chExt cx="0" cy="0"/>
+        </a:xfrm>
+      </p:grpSpPr>
+      <p:sp>
+        <p:nvSpPr>
+          <p:cNvPr id="2" name="Title 1">
+            <a:extLst>
+              <a:ext uri="{FF2B5EF4-FFF2-40B4-BE49-F238E27FC236}">
+                <a16:creationId xmlns:a16="http://schemas.microsoft.com/office/drawing/2014/main" id="{92985BE0-7587-409C-9D1A-724DC541C453}"/>
+              </a:ext>
+            </a:extLst>
+          </p:cNvPr>
+          <p:cNvSpPr>
+            <a:spLocks noGrp="1"/>
+          </p:cNvSpPr>
+          <p:nvPr>
+            <p:ph type="title"/>
+          </p:nvPr>
+        </p:nvSpPr>
+        <p:spPr>
+          <a:xfrm>
+            <a:off x="3109087" y="1971459"/>
+            <a:ext cx="2763393" cy="649821"/>
+          </a:xfrm>
+        </p:spPr>
+        <p:txBody>
+          <a:bodyPr/>
+          <a:lstStyle/>
+          <a:p>
+            <a:r>
+              <a:rPr lang="en-CA" dirty="0"/>
+              <a:t>Let’s get started</a:t>
+            </a:r>
+          </a:p>
+        </p:txBody>
+      </p:sp>
+      <p:pic>
+        <p:nvPicPr>
+          <p:cNvPr id="4" name="Google Shape;150;p23">
+            <a:extLst>
+              <a:ext uri="{FF2B5EF4-FFF2-40B4-BE49-F238E27FC236}">
+                <a16:creationId xmlns:a16="http://schemas.microsoft.com/office/drawing/2014/main" id="{4636B985-9DEF-48C0-B618-F9501A95E3FF}"/>
+              </a:ext>
+            </a:extLst>
+          </p:cNvPr>
+          <p:cNvPicPr preferRelativeResize="0"/>
+          <p:nvPr/>
+        </p:nvPicPr>
+        <p:blipFill>
+          <a:blip r:embed="rId2">
+            <a:alphaModFix/>
+          </a:blip>
+          <a:stretch>
+            <a:fillRect/>
+          </a:stretch>
+        </p:blipFill>
+        <p:spPr>
+          <a:xfrm>
+            <a:off x="7585712" y="127725"/>
+            <a:ext cx="1415413" cy="172500"/>
+          </a:xfrm>
+          <a:prstGeom prst="rect">
+            <a:avLst/>
+          </a:prstGeom>
+          <a:noFill/>
+          <a:ln>
+            <a:noFill/>
+          </a:ln>
+        </p:spPr>
+      </p:pic>
+    </p:spTree>
+    <p:extLst>
+      <p:ext uri="{BB962C8B-B14F-4D97-AF65-F5344CB8AC3E}">
+        <p14:creationId xmlns:p14="http://schemas.microsoft.com/office/powerpoint/2010/main" val="937102663"/>
+      </p:ext>
+    </p:extLst>
+  </p:cSld>
+  <p:clrMapOvr>
+    <a:masterClrMapping/>
+  </p:clrMapOvr>
+</p:sld>
+</file>
+
+<file path=ppt/slides/slide12.xml><?xml version="1.0" encoding="utf-8"?>
+<p:sld xmlns:a="http://schemas.openxmlformats.org/drawingml/2006/main" xmlns:r="http://schemas.openxmlformats.org/officeDocument/2006/relationships" xmlns:p="http://schemas.openxmlformats.org/presentationml/2006/main">
+  <p:cSld>
+    <p:spTree>
+      <p:nvGrpSpPr>
+        <p:cNvPr id="1" name=""/>
+        <p:cNvGrpSpPr/>
+        <p:nvPr/>
+      </p:nvGrpSpPr>
+      <p:grpSpPr>
+        <a:xfrm>
+          <a:off x="0" y="0"/>
+          <a:ext cx="0" cy="0"/>
+          <a:chOff x="0" y="0"/>
+          <a:chExt cx="0" cy="0"/>
+        </a:xfrm>
+      </p:grpSpPr>
+      <p:pic>
+        <p:nvPicPr>
+          <p:cNvPr id="5" name="Picture 4" descr="A screenshot of a cell phone&#10;&#10;Description automatically generated">
+            <a:extLst>
+              <a:ext uri="{FF2B5EF4-FFF2-40B4-BE49-F238E27FC236}">
+                <a16:creationId xmlns:a16="http://schemas.microsoft.com/office/drawing/2014/main" id="{937DE340-9B9A-4CE2-93B7-F640CC1DF895}"/>
+              </a:ext>
+            </a:extLst>
+          </p:cNvPr>
+          <p:cNvPicPr>
+            <a:picLocks noChangeAspect="1"/>
+          </p:cNvPicPr>
+          <p:nvPr/>
+        </p:nvPicPr>
+        <p:blipFill>
+          <a:blip r:embed="rId2"/>
+          <a:stretch>
+            <a:fillRect/>
+          </a:stretch>
+        </p:blipFill>
+        <p:spPr>
+          <a:xfrm>
+            <a:off x="414794" y="429861"/>
+            <a:ext cx="8143418" cy="4283777"/>
+          </a:xfrm>
+          <a:prstGeom prst="rect">
+            <a:avLst/>
+          </a:prstGeom>
+        </p:spPr>
+      </p:pic>
+      <p:sp>
+        <p:nvSpPr>
+          <p:cNvPr id="8" name="Rectangle 7">
+            <a:extLst>
+              <a:ext uri="{FF2B5EF4-FFF2-40B4-BE49-F238E27FC236}">
+                <a16:creationId xmlns:a16="http://schemas.microsoft.com/office/drawing/2014/main" id="{BC289786-3C03-4706-AB46-3346677AB865}"/>
+              </a:ext>
+            </a:extLst>
+          </p:cNvPr>
+          <p:cNvSpPr/>
+          <p:nvPr/>
+        </p:nvSpPr>
+        <p:spPr>
+          <a:xfrm>
+            <a:off x="135730" y="4669455"/>
+            <a:ext cx="8872537" cy="215444"/>
+          </a:xfrm>
+          <a:prstGeom prst="rect">
+            <a:avLst/>
+          </a:prstGeom>
+        </p:spPr>
+        <p:txBody>
+          <a:bodyPr wrap="square">
+            <a:spAutoFit/>
+          </a:bodyPr>
+          <a:lstStyle/>
+          <a:p>
+            <a:r>
+              <a:rPr lang="en-CA" sz="800" dirty="0">
+                <a:hlinkClick r:id="rId3"/>
+              </a:rPr>
+              <a:t>https://cloudxlab.com/blog/things-to-consider-while-managing-machine-learning-projects/machine-learning-and-project-management-life-cycle-2/</a:t>
+            </a:r>
+            <a:endParaRPr lang="en-CA" sz="800" dirty="0"/>
+          </a:p>
+        </p:txBody>
+      </p:sp>
+      <p:sp>
+        <p:nvSpPr>
+          <p:cNvPr id="14" name="Rectangle 13">
+            <a:extLst>
+              <a:ext uri="{FF2B5EF4-FFF2-40B4-BE49-F238E27FC236}">
+                <a16:creationId xmlns:a16="http://schemas.microsoft.com/office/drawing/2014/main" id="{E95B127D-CE7A-4A7B-906A-521877574EEA}"/>
+              </a:ext>
+            </a:extLst>
+          </p:cNvPr>
+          <p:cNvSpPr/>
+          <p:nvPr/>
+        </p:nvSpPr>
+        <p:spPr>
+          <a:xfrm>
+            <a:off x="4486503" y="814387"/>
+            <a:ext cx="4157207" cy="2407444"/>
+          </a:xfrm>
+          <a:prstGeom prst="rect">
+            <a:avLst/>
+          </a:prstGeom>
+          <a:noFill/>
+          <a:ln>
+            <a:solidFill>
+              <a:srgbClr val="FF0000"/>
+            </a:solidFill>
+          </a:ln>
+        </p:spPr>
+        <p:style>
+          <a:lnRef idx="2">
+            <a:schemeClr val="accent1">
+              <a:shade val="50000"/>
+            </a:schemeClr>
+          </a:lnRef>
+          <a:fillRef idx="1">
+            <a:schemeClr val="accent1"/>
+          </a:fillRef>
+          <a:effectRef idx="0">
+            <a:schemeClr val="accent1"/>
+          </a:effectRef>
+          <a:fontRef idx="minor">
+            <a:schemeClr val="lt1"/>
+          </a:fontRef>
+        </p:style>
+        <p:txBody>
+          <a:bodyPr rtlCol="0" anchor="ctr"/>
+          <a:lstStyle/>
+          <a:p>
+            <a:pPr algn="ctr"/>
+            <a:endParaRPr lang="en-CA"/>
+          </a:p>
+        </p:txBody>
+      </p:sp>
+      <p:pic>
+        <p:nvPicPr>
+          <p:cNvPr id="16" name="Picture 15" descr="A person holding a necklace&#10;&#10;Description automatically generated">
+            <a:extLst>
+              <a:ext uri="{FF2B5EF4-FFF2-40B4-BE49-F238E27FC236}">
+                <a16:creationId xmlns:a16="http://schemas.microsoft.com/office/drawing/2014/main" id="{7D0BC7DF-CA6F-4DC6-8469-16362D135B7B}"/>
+              </a:ext>
+            </a:extLst>
+          </p:cNvPr>
+          <p:cNvPicPr>
+            <a:picLocks noChangeAspect="1"/>
+          </p:cNvPicPr>
+          <p:nvPr/>
+        </p:nvPicPr>
+        <p:blipFill>
+          <a:blip r:embed="rId4">
+            <a:extLst>
+              <a:ext uri="{837473B0-CC2E-450A-ABE3-18F120FF3D39}">
+                <a1611:picAttrSrcUrl xmlns:a1611="http://schemas.microsoft.com/office/drawing/2016/11/main" r:id="rId5"/>
+              </a:ext>
+            </a:extLst>
+          </a:blip>
+          <a:stretch>
+            <a:fillRect/>
+          </a:stretch>
+        </p:blipFill>
+        <p:spPr>
+          <a:xfrm>
+            <a:off x="6415087" y="252721"/>
+            <a:ext cx="492919" cy="492919"/>
+          </a:xfrm>
+          <a:prstGeom prst="rect">
+            <a:avLst/>
+          </a:prstGeom>
+        </p:spPr>
+      </p:pic>
+      <p:pic>
+        <p:nvPicPr>
+          <p:cNvPr id="6" name="Google Shape;150;p23">
+            <a:extLst>
+              <a:ext uri="{FF2B5EF4-FFF2-40B4-BE49-F238E27FC236}">
+                <a16:creationId xmlns:a16="http://schemas.microsoft.com/office/drawing/2014/main" id="{938905A5-6EAA-49FE-B23B-47FA290507F8}"/>
+              </a:ext>
+            </a:extLst>
+          </p:cNvPr>
+          <p:cNvPicPr preferRelativeResize="0"/>
+          <p:nvPr/>
+        </p:nvPicPr>
+        <p:blipFill>
+          <a:blip r:embed="rId6">
+            <a:alphaModFix/>
+          </a:blip>
+          <a:stretch>
+            <a:fillRect/>
+          </a:stretch>
+        </p:blipFill>
+        <p:spPr>
+          <a:xfrm>
+            <a:off x="7585712" y="127725"/>
+            <a:ext cx="1415413" cy="172500"/>
+          </a:xfrm>
+          <a:prstGeom prst="rect">
+            <a:avLst/>
+          </a:prstGeom>
+          <a:noFill/>
+          <a:ln>
+            <a:noFill/>
+          </a:ln>
+        </p:spPr>
+      </p:pic>
+    </p:spTree>
+    <p:extLst>
+      <p:ext uri="{BB962C8B-B14F-4D97-AF65-F5344CB8AC3E}">
+        <p14:creationId xmlns:p14="http://schemas.microsoft.com/office/powerpoint/2010/main" val="413006765"/>
+      </p:ext>
+    </p:extLst>
+  </p:cSld>
+  <p:clrMapOvr>
+    <a:masterClrMapping/>
+  </p:clrMapOvr>
+  <p:timing>
+    <p:tnLst>
+      <p:par>
+        <p:cTn id="1" dur="indefinite" restart="never" nodeType="tmRoot">
+          <p:childTnLst>
+            <p:seq concurrent="1" nextAc="seek">
+              <p:cTn id="2" dur="indefinite" nodeType="mainSeq">
+                <p:childTnLst>
+                  <p:par>
+                    <p:cTn id="3" fill="hold">
+                      <p:stCondLst>
+                        <p:cond delay="indefinite"/>
+                      </p:stCondLst>
+                      <p:childTnLst>
+                        <p:par>
+                          <p:cTn id="4" fill="hold">
+                            <p:stCondLst>
+                              <p:cond delay="0"/>
+                            </p:stCondLst>
+                            <p:childTnLst>
+                              <p:par>
+                                <p:cTn id="5" presetID="1" presetClass="entr" presetSubtype="0" fill="hold" grpId="0" nodeType="clickEffect">
+                                  <p:stCondLst>
+                                    <p:cond delay="0"/>
+                                  </p:stCondLst>
+                                  <p:childTnLst>
+                                    <p:set>
+                                      <p:cBhvr>
+                                        <p:cTn id="6" dur="1" fill="hold">
+                                          <p:stCondLst>
+                                            <p:cond delay="0"/>
+                                          </p:stCondLst>
+                                        </p:cTn>
+                                        <p:tgtEl>
+                                          <p:spTgt spid="14"/>
+                                        </p:tgtEl>
+                                        <p:attrNameLst>
+                                          <p:attrName>style.visibility</p:attrName>
+                                        </p:attrNameLst>
+                                      </p:cBhvr>
+                                      <p:to>
+                                        <p:strVal val="visible"/>
+                                      </p:to>
+                                    </p:set>
+                                  </p:childTnLst>
+                                </p:cTn>
+                              </p:par>
+                              <p:par>
+                                <p:cTn id="7" presetID="1" presetClass="entr" presetSubtype="0" fill="hold" nodeType="withEffect">
+                                  <p:stCondLst>
+                                    <p:cond delay="0"/>
+                                  </p:stCondLst>
+                                  <p:childTnLst>
+                                    <p:set>
+                                      <p:cBhvr>
+                                        <p:cTn id="8" dur="1" fill="hold">
+                                          <p:stCondLst>
+                                            <p:cond delay="0"/>
+                                          </p:stCondLst>
+                                        </p:cTn>
+                                        <p:tgtEl>
+                                          <p:spTgt spid="16"/>
+                                        </p:tgtEl>
+                                        <p:attrNameLst>
+                                          <p:attrName>style.visibility</p:attrName>
+                                        </p:attrNameLst>
+                                      </p:cBhvr>
+                                      <p:to>
+                                        <p:strVal val="visible"/>
+                                      </p:to>
+                                    </p:set>
+                                  </p:childTnLst>
+                                </p:cTn>
+                              </p:par>
+                            </p:childTnLst>
+                          </p:cTn>
+                        </p:par>
+                      </p:childTnLst>
+                    </p:cTn>
+                  </p:par>
+                </p:childTnLst>
+              </p:cTn>
+              <p:prevCondLst>
+                <p:cond evt="onPrev" delay="0">
+                  <p:tgtEl>
+                    <p:sldTgt/>
+                  </p:tgtEl>
+                </p:cond>
+              </p:prevCondLst>
+              <p:nextCondLst>
+                <p:cond evt="onNext" delay="0">
+                  <p:tgtEl>
+                    <p:sldTgt/>
+                  </p:tgtEl>
+                </p:cond>
+              </p:nextCondLst>
+            </p:seq>
+          </p:childTnLst>
+        </p:cTn>
+      </p:par>
+    </p:tnLst>
+    <p:bldLst>
+      <p:bldP spid="14" grpId="0" animBg="1"/>
+    </p:bldLst>
+  </p:timing>
+</p:sld>
+</file>
+
+<file path=ppt/slides/slide13.xml><?xml version="1.0" encoding="utf-8"?>
+<p:sld xmlns:a="http://schemas.openxmlformats.org/drawingml/2006/main" xmlns:r="http://schemas.openxmlformats.org/officeDocument/2006/relationships" xmlns:p="http://schemas.openxmlformats.org/presentationml/2006/main">
+  <p:cSld>
+    <p:spTree>
+      <p:nvGrpSpPr>
+        <p:cNvPr id="1" name=""/>
+        <p:cNvGrpSpPr/>
+        <p:nvPr/>
+      </p:nvGrpSpPr>
+      <p:grpSpPr>
+        <a:xfrm>
+          <a:off x="0" y="0"/>
+          <a:ext cx="0" cy="0"/>
+          <a:chOff x="0" y="0"/>
+          <a:chExt cx="0" cy="0"/>
+        </a:xfrm>
+      </p:grpSpPr>
+      <p:sp>
+        <p:nvSpPr>
+          <p:cNvPr id="7" name="Title 1">
+            <a:extLst>
+              <a:ext uri="{FF2B5EF4-FFF2-40B4-BE49-F238E27FC236}">
+                <a16:creationId xmlns:a16="http://schemas.microsoft.com/office/drawing/2014/main" id="{37DE65A0-3C86-469F-B889-AFED54D99C51}"/>
+              </a:ext>
+            </a:extLst>
+          </p:cNvPr>
+          <p:cNvSpPr>
+            <a:spLocks noGrp="1"/>
+          </p:cNvSpPr>
+          <p:nvPr>
+            <p:ph type="title"/>
+          </p:nvPr>
+        </p:nvSpPr>
+        <p:spPr>
+          <a:xfrm>
+            <a:off x="311700" y="490508"/>
+            <a:ext cx="8520600" cy="572700"/>
+          </a:xfrm>
+        </p:spPr>
+        <p:txBody>
+          <a:bodyPr/>
+          <a:lstStyle/>
+          <a:p>
+            <a:r>
+              <a:rPr lang="en-CA" dirty="0"/>
+              <a:t>Granular ML Life Cycle</a:t>
+            </a:r>
+          </a:p>
+        </p:txBody>
+      </p:sp>
+      <p:grpSp>
+        <p:nvGrpSpPr>
+          <p:cNvPr id="69" name="Group 68">
+            <a:extLst>
+              <a:ext uri="{FF2B5EF4-FFF2-40B4-BE49-F238E27FC236}">
+                <a16:creationId xmlns:a16="http://schemas.microsoft.com/office/drawing/2014/main" id="{71EB188B-EB91-4216-80FB-AB2C2EDF4D9C}"/>
+              </a:ext>
+            </a:extLst>
+          </p:cNvPr>
+          <p:cNvGrpSpPr/>
+          <p:nvPr/>
+        </p:nvGrpSpPr>
+        <p:grpSpPr>
+          <a:xfrm>
+            <a:off x="378619" y="1485900"/>
+            <a:ext cx="8147456" cy="572700"/>
+            <a:chOff x="378619" y="1485900"/>
+            <a:chExt cx="8147456" cy="572700"/>
+          </a:xfrm>
+        </p:grpSpPr>
+        <p:sp>
+          <p:nvSpPr>
+            <p:cNvPr id="2" name="Rectangle 1">
+              <a:extLst>
+                <a:ext uri="{FF2B5EF4-FFF2-40B4-BE49-F238E27FC236}">
+                  <a16:creationId xmlns:a16="http://schemas.microsoft.com/office/drawing/2014/main" id="{5B62BCC7-6A22-4799-8DC5-DEFC31A59E17}"/>
+                </a:ext>
+              </a:extLst>
+            </p:cNvPr>
+            <p:cNvSpPr/>
+            <p:nvPr/>
+          </p:nvSpPr>
+          <p:spPr>
+            <a:xfrm>
+              <a:off x="378619" y="1485900"/>
+              <a:ext cx="978693" cy="572700"/>
+            </a:xfrm>
+            <a:prstGeom prst="rect">
+              <a:avLst/>
+            </a:prstGeom>
+            <a:solidFill>
+              <a:schemeClr val="accent5">
+                <a:lumMod val="20000"/>
+                <a:lumOff val="80000"/>
+              </a:schemeClr>
+            </a:solidFill>
+            <a:ln w="12700">
+              <a:solidFill>
+                <a:srgbClr val="0070C0"/>
+              </a:solidFill>
+            </a:ln>
+          </p:spPr>
+          <p:style>
+            <a:lnRef idx="2">
+              <a:schemeClr val="accent1">
+                <a:shade val="50000"/>
+              </a:schemeClr>
+            </a:lnRef>
+            <a:fillRef idx="1">
+              <a:schemeClr val="accent1"/>
+            </a:fillRef>
+            <a:effectRef idx="0">
+              <a:schemeClr val="accent1"/>
+            </a:effectRef>
+            <a:fontRef idx="minor">
+              <a:schemeClr val="lt1"/>
+            </a:fontRef>
+          </p:style>
+          <p:txBody>
+            <a:bodyPr rtlCol="0" anchor="ctr"/>
+            <a:lstStyle/>
+            <a:p>
+              <a:pPr algn="ctr"/>
+              <a:r>
+                <a:rPr lang="en-CA" sz="1200" dirty="0">
+                  <a:solidFill>
+                    <a:schemeClr val="tx1"/>
+                  </a:solidFill>
+                </a:rPr>
+                <a:t>Business Problem</a:t>
+              </a:r>
+            </a:p>
+          </p:txBody>
+        </p:sp>
+        <p:sp>
+          <p:nvSpPr>
+            <p:cNvPr id="9" name="Rectangle 8">
+              <a:extLst>
+                <a:ext uri="{FF2B5EF4-FFF2-40B4-BE49-F238E27FC236}">
+                  <a16:creationId xmlns:a16="http://schemas.microsoft.com/office/drawing/2014/main" id="{1E419E4D-59A1-41F2-86A3-3B2245774953}"/>
+                </a:ext>
+              </a:extLst>
+            </p:cNvPr>
+            <p:cNvSpPr/>
+            <p:nvPr/>
+          </p:nvSpPr>
+          <p:spPr>
+            <a:xfrm>
+              <a:off x="1566860" y="1485900"/>
+              <a:ext cx="978693" cy="572700"/>
+            </a:xfrm>
+            <a:prstGeom prst="rect">
+              <a:avLst/>
+            </a:prstGeom>
+            <a:noFill/>
+            <a:ln w="12700">
+              <a:solidFill>
+                <a:srgbClr val="0070C0"/>
+              </a:solidFill>
+            </a:ln>
+          </p:spPr>
+          <p:style>
+            <a:lnRef idx="2">
+              <a:schemeClr val="accent1">
+                <a:shade val="50000"/>
+              </a:schemeClr>
+            </a:lnRef>
+            <a:fillRef idx="1">
+              <a:schemeClr val="accent1"/>
+            </a:fillRef>
+            <a:effectRef idx="0">
+              <a:schemeClr val="accent1"/>
+            </a:effectRef>
+            <a:fontRef idx="minor">
+              <a:schemeClr val="lt1"/>
+            </a:fontRef>
+          </p:style>
+          <p:txBody>
+            <a:bodyPr rtlCol="0" anchor="ctr"/>
+            <a:lstStyle/>
+            <a:p>
+              <a:pPr algn="ctr"/>
+              <a:r>
+                <a:rPr lang="en-CA" sz="1200" dirty="0">
+                  <a:solidFill>
+                    <a:schemeClr val="tx1"/>
+                  </a:solidFill>
+                </a:rPr>
+                <a:t>Define ML Objective</a:t>
+              </a:r>
+            </a:p>
+          </p:txBody>
+        </p:sp>
+        <p:sp>
+          <p:nvSpPr>
+            <p:cNvPr id="10" name="Rectangle 9">
+              <a:extLst>
+                <a:ext uri="{FF2B5EF4-FFF2-40B4-BE49-F238E27FC236}">
+                  <a16:creationId xmlns:a16="http://schemas.microsoft.com/office/drawing/2014/main" id="{DC13B654-E65E-457D-8B71-B1BB8A906CFA}"/>
+                </a:ext>
+              </a:extLst>
+            </p:cNvPr>
+            <p:cNvSpPr/>
+            <p:nvPr/>
+          </p:nvSpPr>
+          <p:spPr>
+            <a:xfrm>
+              <a:off x="2755105" y="1485900"/>
+              <a:ext cx="978693" cy="572700"/>
+            </a:xfrm>
+            <a:prstGeom prst="rect">
+              <a:avLst/>
+            </a:prstGeom>
+            <a:noFill/>
+            <a:ln w="12700">
+              <a:solidFill>
+                <a:srgbClr val="0070C0"/>
+              </a:solidFill>
+            </a:ln>
+          </p:spPr>
+          <p:style>
+            <a:lnRef idx="2">
+              <a:schemeClr val="accent1">
+                <a:shade val="50000"/>
+              </a:schemeClr>
+            </a:lnRef>
+            <a:fillRef idx="1">
+              <a:schemeClr val="accent1"/>
+            </a:fillRef>
+            <a:effectRef idx="0">
+              <a:schemeClr val="accent1"/>
+            </a:effectRef>
+            <a:fontRef idx="minor">
+              <a:schemeClr val="lt1"/>
+            </a:fontRef>
+          </p:style>
+          <p:txBody>
+            <a:bodyPr rtlCol="0" anchor="ctr"/>
+            <a:lstStyle/>
+            <a:p>
+              <a:pPr algn="ctr"/>
+              <a:r>
+                <a:rPr lang="en-CA" sz="1200" dirty="0">
+                  <a:solidFill>
+                    <a:schemeClr val="tx1"/>
+                  </a:solidFill>
+                </a:rPr>
+                <a:t>Collect Data</a:t>
+              </a:r>
+            </a:p>
+          </p:txBody>
+        </p:sp>
+        <p:sp>
+          <p:nvSpPr>
+            <p:cNvPr id="11" name="Rectangle 10">
+              <a:extLst>
+                <a:ext uri="{FF2B5EF4-FFF2-40B4-BE49-F238E27FC236}">
+                  <a16:creationId xmlns:a16="http://schemas.microsoft.com/office/drawing/2014/main" id="{C2B63F48-8FF5-4355-ADC1-F3E94BE31216}"/>
+                </a:ext>
+              </a:extLst>
+            </p:cNvPr>
+            <p:cNvSpPr/>
+            <p:nvPr/>
+          </p:nvSpPr>
+          <p:spPr>
+            <a:xfrm>
+              <a:off x="3950494" y="1485900"/>
+              <a:ext cx="978693" cy="572700"/>
+            </a:xfrm>
+            <a:prstGeom prst="rect">
+              <a:avLst/>
+            </a:prstGeom>
+            <a:noFill/>
+            <a:ln w="12700">
+              <a:solidFill>
+                <a:srgbClr val="0070C0"/>
+              </a:solidFill>
+            </a:ln>
+          </p:spPr>
+          <p:style>
+            <a:lnRef idx="2">
+              <a:schemeClr val="accent1">
+                <a:shade val="50000"/>
+              </a:schemeClr>
+            </a:lnRef>
+            <a:fillRef idx="1">
+              <a:schemeClr val="accent1"/>
+            </a:fillRef>
+            <a:effectRef idx="0">
+              <a:schemeClr val="accent1"/>
+            </a:effectRef>
+            <a:fontRef idx="minor">
+              <a:schemeClr val="lt1"/>
+            </a:fontRef>
+          </p:style>
+          <p:txBody>
+            <a:bodyPr rtlCol="0" anchor="ctr"/>
+            <a:lstStyle/>
+            <a:p>
+              <a:pPr algn="ctr"/>
+              <a:r>
+                <a:rPr lang="en-CA" sz="1200" dirty="0">
+                  <a:solidFill>
+                    <a:schemeClr val="tx1"/>
+                  </a:solidFill>
+                </a:rPr>
+                <a:t>Analyze</a:t>
+              </a:r>
+            </a:p>
+          </p:txBody>
+        </p:sp>
+        <p:sp>
+          <p:nvSpPr>
+            <p:cNvPr id="12" name="Rectangle 11">
+              <a:extLst>
+                <a:ext uri="{FF2B5EF4-FFF2-40B4-BE49-F238E27FC236}">
+                  <a16:creationId xmlns:a16="http://schemas.microsoft.com/office/drawing/2014/main" id="{0845DF40-A6F9-4189-A268-D6F49463FF85}"/>
+                </a:ext>
+              </a:extLst>
+            </p:cNvPr>
+            <p:cNvSpPr/>
+            <p:nvPr/>
+          </p:nvSpPr>
+          <p:spPr>
+            <a:xfrm>
+              <a:off x="7547382" y="1485900"/>
+              <a:ext cx="978693" cy="572700"/>
+            </a:xfrm>
+            <a:prstGeom prst="rect">
+              <a:avLst/>
+            </a:prstGeom>
+            <a:noFill/>
+            <a:ln w="12700">
+              <a:solidFill>
+                <a:srgbClr val="0070C0"/>
+              </a:solidFill>
+            </a:ln>
+          </p:spPr>
+          <p:style>
+            <a:lnRef idx="2">
+              <a:schemeClr val="accent1">
+                <a:shade val="50000"/>
+              </a:schemeClr>
+            </a:lnRef>
+            <a:fillRef idx="1">
+              <a:schemeClr val="accent1"/>
+            </a:fillRef>
+            <a:effectRef idx="0">
+              <a:schemeClr val="accent1"/>
+            </a:effectRef>
+            <a:fontRef idx="minor">
+              <a:schemeClr val="lt1"/>
+            </a:fontRef>
+          </p:style>
+          <p:txBody>
+            <a:bodyPr rtlCol="0" anchor="ctr"/>
+            <a:lstStyle/>
+            <a:p>
+              <a:pPr algn="ctr"/>
+              <a:r>
+                <a:rPr lang="en-CA" sz="1200" dirty="0">
+                  <a:solidFill>
+                    <a:schemeClr val="tx1"/>
+                  </a:solidFill>
+                </a:rPr>
+                <a:t>Impute Missing Values</a:t>
+              </a:r>
+            </a:p>
+          </p:txBody>
+        </p:sp>
+        <p:sp>
+          <p:nvSpPr>
+            <p:cNvPr id="18" name="Rectangle 17">
+              <a:extLst>
+                <a:ext uri="{FF2B5EF4-FFF2-40B4-BE49-F238E27FC236}">
+                  <a16:creationId xmlns:a16="http://schemas.microsoft.com/office/drawing/2014/main" id="{66A847B6-8044-498F-8A42-49EDC3486A7C}"/>
+                </a:ext>
+              </a:extLst>
+            </p:cNvPr>
+            <p:cNvSpPr/>
+            <p:nvPr/>
+          </p:nvSpPr>
+          <p:spPr>
+            <a:xfrm>
+              <a:off x="5145883" y="1485900"/>
+              <a:ext cx="978693" cy="572700"/>
+            </a:xfrm>
+            <a:prstGeom prst="rect">
+              <a:avLst/>
+            </a:prstGeom>
+            <a:noFill/>
+            <a:ln w="12700">
+              <a:solidFill>
+                <a:srgbClr val="0070C0"/>
+              </a:solidFill>
+            </a:ln>
+          </p:spPr>
+          <p:style>
+            <a:lnRef idx="2">
+              <a:schemeClr val="accent1">
+                <a:shade val="50000"/>
+              </a:schemeClr>
+            </a:lnRef>
+            <a:fillRef idx="1">
+              <a:schemeClr val="accent1"/>
+            </a:fillRef>
+            <a:effectRef idx="0">
+              <a:schemeClr val="accent1"/>
+            </a:effectRef>
+            <a:fontRef idx="minor">
+              <a:schemeClr val="lt1"/>
+            </a:fontRef>
+          </p:style>
+          <p:txBody>
+            <a:bodyPr rtlCol="0" anchor="ctr"/>
+            <a:lstStyle/>
+            <a:p>
+              <a:pPr algn="ctr"/>
+              <a:r>
+                <a:rPr lang="en-CA" sz="1200" dirty="0">
+                  <a:solidFill>
+                    <a:schemeClr val="tx1"/>
+                  </a:solidFill>
+                </a:rPr>
+                <a:t>Train Test Split</a:t>
+              </a:r>
+            </a:p>
+          </p:txBody>
+        </p:sp>
+        <p:sp>
+          <p:nvSpPr>
+            <p:cNvPr id="19" name="Rectangle 18">
+              <a:extLst>
+                <a:ext uri="{FF2B5EF4-FFF2-40B4-BE49-F238E27FC236}">
+                  <a16:creationId xmlns:a16="http://schemas.microsoft.com/office/drawing/2014/main" id="{8394477E-56A5-4536-AD28-014908421BB4}"/>
+                </a:ext>
+              </a:extLst>
+            </p:cNvPr>
+            <p:cNvSpPr/>
+            <p:nvPr/>
+          </p:nvSpPr>
+          <p:spPr>
+            <a:xfrm>
+              <a:off x="6341272" y="1485900"/>
+              <a:ext cx="978693" cy="572700"/>
+            </a:xfrm>
+            <a:prstGeom prst="rect">
+              <a:avLst/>
+            </a:prstGeom>
+            <a:noFill/>
+            <a:ln w="12700">
+              <a:solidFill>
+                <a:srgbClr val="0070C0"/>
+              </a:solidFill>
+            </a:ln>
+          </p:spPr>
+          <p:style>
+            <a:lnRef idx="2">
+              <a:schemeClr val="accent1">
+                <a:shade val="50000"/>
+              </a:schemeClr>
+            </a:lnRef>
+            <a:fillRef idx="1">
+              <a:schemeClr val="accent1"/>
+            </a:fillRef>
+            <a:effectRef idx="0">
+              <a:schemeClr val="accent1"/>
+            </a:effectRef>
+            <a:fontRef idx="minor">
+              <a:schemeClr val="lt1"/>
+            </a:fontRef>
+          </p:style>
+          <p:txBody>
+            <a:bodyPr rtlCol="0" anchor="ctr"/>
+            <a:lstStyle/>
+            <a:p>
+              <a:pPr algn="ctr"/>
+              <a:r>
+                <a:rPr lang="en-CA" sz="1200" dirty="0">
+                  <a:solidFill>
+                    <a:schemeClr val="tx1"/>
+                  </a:solidFill>
+                </a:rPr>
+                <a:t>Handle Datatypes</a:t>
+              </a:r>
+            </a:p>
+          </p:txBody>
+        </p:sp>
+        <p:cxnSp>
+          <p:nvCxnSpPr>
+            <p:cNvPr id="4" name="Straight Arrow Connector 3">
+              <a:extLst>
+                <a:ext uri="{FF2B5EF4-FFF2-40B4-BE49-F238E27FC236}">
+                  <a16:creationId xmlns:a16="http://schemas.microsoft.com/office/drawing/2014/main" id="{988B5473-4DAD-45DE-A13D-21F9274ADB0D}"/>
+                </a:ext>
+              </a:extLst>
+            </p:cNvPr>
+            <p:cNvCxnSpPr>
+              <a:stCxn id="2" idx="3"/>
+              <a:endCxn id="9" idx="1"/>
+            </p:cNvCxnSpPr>
+            <p:nvPr/>
+          </p:nvCxnSpPr>
+          <p:spPr>
+            <a:xfrm>
+              <a:off x="1357312" y="1772250"/>
+              <a:ext cx="209548" cy="0"/>
+            </a:xfrm>
+            <a:prstGeom prst="straightConnector1">
+              <a:avLst/>
+            </a:prstGeom>
+            <a:ln>
+              <a:tailEnd type="triangle"/>
+            </a:ln>
+          </p:spPr>
+          <p:style>
+            <a:lnRef idx="1">
+              <a:schemeClr val="accent1"/>
+            </a:lnRef>
+            <a:fillRef idx="0">
+              <a:schemeClr val="accent1"/>
+            </a:fillRef>
+            <a:effectRef idx="0">
+              <a:schemeClr val="accent1"/>
+            </a:effectRef>
+            <a:fontRef idx="minor">
+              <a:schemeClr val="tx1"/>
+            </a:fontRef>
+          </p:style>
+        </p:cxnSp>
+        <p:cxnSp>
+          <p:nvCxnSpPr>
+            <p:cNvPr id="26" name="Straight Arrow Connector 25">
+              <a:extLst>
+                <a:ext uri="{FF2B5EF4-FFF2-40B4-BE49-F238E27FC236}">
+                  <a16:creationId xmlns:a16="http://schemas.microsoft.com/office/drawing/2014/main" id="{7270DBCB-D34E-4678-9C8F-51B794EED25A}"/>
+                </a:ext>
+              </a:extLst>
+            </p:cNvPr>
+            <p:cNvCxnSpPr/>
+            <p:nvPr/>
+          </p:nvCxnSpPr>
+          <p:spPr>
+            <a:xfrm>
+              <a:off x="2545553" y="1772250"/>
+              <a:ext cx="209548" cy="0"/>
+            </a:xfrm>
+            <a:prstGeom prst="straightConnector1">
+              <a:avLst/>
+            </a:prstGeom>
+            <a:ln>
+              <a:tailEnd type="triangle"/>
+            </a:ln>
+          </p:spPr>
+          <p:style>
+            <a:lnRef idx="1">
+              <a:schemeClr val="accent1"/>
+            </a:lnRef>
+            <a:fillRef idx="0">
+              <a:schemeClr val="accent1"/>
+            </a:fillRef>
+            <a:effectRef idx="0">
+              <a:schemeClr val="accent1"/>
+            </a:effectRef>
+            <a:fontRef idx="minor">
+              <a:schemeClr val="tx1"/>
+            </a:fontRef>
+          </p:style>
+        </p:cxnSp>
+        <p:cxnSp>
+          <p:nvCxnSpPr>
+            <p:cNvPr id="27" name="Straight Arrow Connector 26">
+              <a:extLst>
+                <a:ext uri="{FF2B5EF4-FFF2-40B4-BE49-F238E27FC236}">
+                  <a16:creationId xmlns:a16="http://schemas.microsoft.com/office/drawing/2014/main" id="{92AFFA63-A035-4094-997B-EB613F4C62E9}"/>
+                </a:ext>
+              </a:extLst>
+            </p:cNvPr>
+            <p:cNvCxnSpPr/>
+            <p:nvPr/>
+          </p:nvCxnSpPr>
+          <p:spPr>
+            <a:xfrm>
+              <a:off x="3740944" y="1772250"/>
+              <a:ext cx="209548" cy="0"/>
+            </a:xfrm>
+            <a:prstGeom prst="straightConnector1">
+              <a:avLst/>
+            </a:prstGeom>
+            <a:ln>
+              <a:tailEnd type="triangle"/>
+            </a:ln>
+          </p:spPr>
+          <p:style>
+            <a:lnRef idx="1">
+              <a:schemeClr val="accent1"/>
+            </a:lnRef>
+            <a:fillRef idx="0">
+              <a:schemeClr val="accent1"/>
+            </a:fillRef>
+            <a:effectRef idx="0">
+              <a:schemeClr val="accent1"/>
+            </a:effectRef>
+            <a:fontRef idx="minor">
+              <a:schemeClr val="tx1"/>
+            </a:fontRef>
+          </p:style>
+        </p:cxnSp>
+        <p:cxnSp>
+          <p:nvCxnSpPr>
+            <p:cNvPr id="28" name="Straight Arrow Connector 27">
+              <a:extLst>
+                <a:ext uri="{FF2B5EF4-FFF2-40B4-BE49-F238E27FC236}">
+                  <a16:creationId xmlns:a16="http://schemas.microsoft.com/office/drawing/2014/main" id="{F801832D-8E44-4C80-9042-9B35336B2373}"/>
+                </a:ext>
+              </a:extLst>
+            </p:cNvPr>
+            <p:cNvCxnSpPr/>
+            <p:nvPr/>
+          </p:nvCxnSpPr>
+          <p:spPr>
+            <a:xfrm>
+              <a:off x="4936334" y="1772250"/>
+              <a:ext cx="209548" cy="0"/>
+            </a:xfrm>
+            <a:prstGeom prst="straightConnector1">
+              <a:avLst/>
+            </a:prstGeom>
+            <a:ln>
+              <a:tailEnd type="triangle"/>
+            </a:ln>
+          </p:spPr>
+          <p:style>
+            <a:lnRef idx="1">
+              <a:schemeClr val="accent1"/>
+            </a:lnRef>
+            <a:fillRef idx="0">
+              <a:schemeClr val="accent1"/>
+            </a:fillRef>
+            <a:effectRef idx="0">
+              <a:schemeClr val="accent1"/>
+            </a:effectRef>
+            <a:fontRef idx="minor">
+              <a:schemeClr val="tx1"/>
+            </a:fontRef>
+          </p:style>
+        </p:cxnSp>
+        <p:cxnSp>
+          <p:nvCxnSpPr>
+            <p:cNvPr id="29" name="Straight Arrow Connector 28">
+              <a:extLst>
+                <a:ext uri="{FF2B5EF4-FFF2-40B4-BE49-F238E27FC236}">
+                  <a16:creationId xmlns:a16="http://schemas.microsoft.com/office/drawing/2014/main" id="{B546E73B-CB72-41E0-A9E7-06ACFD651062}"/>
+                </a:ext>
+              </a:extLst>
+            </p:cNvPr>
+            <p:cNvCxnSpPr/>
+            <p:nvPr/>
+          </p:nvCxnSpPr>
+          <p:spPr>
+            <a:xfrm>
+              <a:off x="6131724" y="1772250"/>
+              <a:ext cx="209548" cy="0"/>
+            </a:xfrm>
+            <a:prstGeom prst="straightConnector1">
+              <a:avLst/>
+            </a:prstGeom>
+            <a:ln>
+              <a:tailEnd type="triangle"/>
+            </a:ln>
+          </p:spPr>
+          <p:style>
+            <a:lnRef idx="1">
+              <a:schemeClr val="accent1"/>
+            </a:lnRef>
+            <a:fillRef idx="0">
+              <a:schemeClr val="accent1"/>
+            </a:fillRef>
+            <a:effectRef idx="0">
+              <a:schemeClr val="accent1"/>
+            </a:effectRef>
+            <a:fontRef idx="minor">
+              <a:schemeClr val="tx1"/>
+            </a:fontRef>
+          </p:style>
+        </p:cxnSp>
+        <p:cxnSp>
+          <p:nvCxnSpPr>
+            <p:cNvPr id="30" name="Straight Arrow Connector 29">
+              <a:extLst>
+                <a:ext uri="{FF2B5EF4-FFF2-40B4-BE49-F238E27FC236}">
+                  <a16:creationId xmlns:a16="http://schemas.microsoft.com/office/drawing/2014/main" id="{ADE4F428-9630-4D65-B204-7F1327D754B2}"/>
+                </a:ext>
+              </a:extLst>
+            </p:cNvPr>
+            <p:cNvCxnSpPr/>
+            <p:nvPr/>
+          </p:nvCxnSpPr>
+          <p:spPr>
+            <a:xfrm>
+              <a:off x="7319965" y="1772250"/>
+              <a:ext cx="209548" cy="0"/>
+            </a:xfrm>
+            <a:prstGeom prst="straightConnector1">
+              <a:avLst/>
+            </a:prstGeom>
+            <a:ln>
+              <a:tailEnd type="triangle"/>
+            </a:ln>
+          </p:spPr>
+          <p:style>
+            <a:lnRef idx="1">
+              <a:schemeClr val="accent1"/>
+            </a:lnRef>
+            <a:fillRef idx="0">
+              <a:schemeClr val="accent1"/>
+            </a:fillRef>
+            <a:effectRef idx="0">
+              <a:schemeClr val="accent1"/>
+            </a:effectRef>
+            <a:fontRef idx="minor">
+              <a:schemeClr val="tx1"/>
+            </a:fontRef>
+          </p:style>
+        </p:cxnSp>
+      </p:grpSp>
+      <p:grpSp>
+        <p:nvGrpSpPr>
+          <p:cNvPr id="70" name="Group 69">
+            <a:extLst>
+              <a:ext uri="{FF2B5EF4-FFF2-40B4-BE49-F238E27FC236}">
+                <a16:creationId xmlns:a16="http://schemas.microsoft.com/office/drawing/2014/main" id="{53AE3ABE-9C56-4461-8E4F-6BE1B3BEA431}"/>
+              </a:ext>
+            </a:extLst>
+          </p:cNvPr>
+          <p:cNvGrpSpPr/>
+          <p:nvPr/>
+        </p:nvGrpSpPr>
+        <p:grpSpPr>
+          <a:xfrm>
+            <a:off x="371464" y="2058600"/>
+            <a:ext cx="8154610" cy="867295"/>
+            <a:chOff x="371464" y="2058600"/>
+            <a:chExt cx="8154610" cy="867295"/>
+          </a:xfrm>
+        </p:grpSpPr>
+        <p:sp>
+          <p:nvSpPr>
+            <p:cNvPr id="15" name="Rectangle 14">
+              <a:extLst>
+                <a:ext uri="{FF2B5EF4-FFF2-40B4-BE49-F238E27FC236}">
+                  <a16:creationId xmlns:a16="http://schemas.microsoft.com/office/drawing/2014/main" id="{FFCC0236-D80B-49B6-9D60-3E754F5BBEC0}"/>
+                </a:ext>
+              </a:extLst>
+            </p:cNvPr>
+            <p:cNvSpPr/>
+            <p:nvPr/>
+          </p:nvSpPr>
+          <p:spPr>
+            <a:xfrm>
+              <a:off x="7547381" y="2339238"/>
+              <a:ext cx="978693" cy="572700"/>
+            </a:xfrm>
+            <a:prstGeom prst="rect">
+              <a:avLst/>
+            </a:prstGeom>
+            <a:noFill/>
+            <a:ln w="12700">
+              <a:solidFill>
+                <a:srgbClr val="0070C0"/>
+              </a:solidFill>
+            </a:ln>
+          </p:spPr>
+          <p:style>
+            <a:lnRef idx="2">
+              <a:schemeClr val="accent1">
+                <a:shade val="50000"/>
+              </a:schemeClr>
+            </a:lnRef>
+            <a:fillRef idx="1">
+              <a:schemeClr val="accent1"/>
+            </a:fillRef>
+            <a:effectRef idx="0">
+              <a:schemeClr val="accent1"/>
+            </a:effectRef>
+            <a:fontRef idx="minor">
+              <a:schemeClr val="lt1"/>
+            </a:fontRef>
+          </p:style>
+          <p:txBody>
+            <a:bodyPr rtlCol="0" anchor="ctr"/>
+            <a:lstStyle/>
+            <a:p>
+              <a:pPr algn="ctr"/>
+              <a:r>
+                <a:rPr lang="en-CA" sz="1200" dirty="0">
+                  <a:solidFill>
+                    <a:schemeClr val="tx1"/>
+                  </a:solidFill>
+                </a:rPr>
+                <a:t>Encodings</a:t>
+              </a:r>
+            </a:p>
+          </p:txBody>
+        </p:sp>
+        <p:sp>
+          <p:nvSpPr>
+            <p:cNvPr id="20" name="Rectangle 19">
+              <a:extLst>
+                <a:ext uri="{FF2B5EF4-FFF2-40B4-BE49-F238E27FC236}">
+                  <a16:creationId xmlns:a16="http://schemas.microsoft.com/office/drawing/2014/main" id="{8F4EB048-8256-45FF-9BFD-377E9FC4B236}"/>
+                </a:ext>
+              </a:extLst>
+            </p:cNvPr>
+            <p:cNvSpPr/>
+            <p:nvPr/>
+          </p:nvSpPr>
+          <p:spPr>
+            <a:xfrm>
+              <a:off x="6341272" y="2339238"/>
+              <a:ext cx="978693" cy="572700"/>
+            </a:xfrm>
+            <a:prstGeom prst="rect">
+              <a:avLst/>
+            </a:prstGeom>
+            <a:noFill/>
+            <a:ln w="12700">
+              <a:solidFill>
+                <a:srgbClr val="0070C0"/>
+              </a:solidFill>
+            </a:ln>
+          </p:spPr>
+          <p:style>
+            <a:lnRef idx="2">
+              <a:schemeClr val="accent1">
+                <a:shade val="50000"/>
+              </a:schemeClr>
+            </a:lnRef>
+            <a:fillRef idx="1">
+              <a:schemeClr val="accent1"/>
+            </a:fillRef>
+            <a:effectRef idx="0">
+              <a:schemeClr val="accent1"/>
+            </a:effectRef>
+            <a:fontRef idx="minor">
+              <a:schemeClr val="lt1"/>
+            </a:fontRef>
+          </p:style>
+          <p:txBody>
+            <a:bodyPr rtlCol="0" anchor="ctr"/>
+            <a:lstStyle/>
+            <a:p>
+              <a:pPr algn="ctr"/>
+              <a:r>
+                <a:rPr lang="en-CA" sz="1200" dirty="0">
+                  <a:solidFill>
+                    <a:schemeClr val="tx1"/>
+                  </a:solidFill>
+                </a:rPr>
+                <a:t>Scaling</a:t>
+              </a:r>
+            </a:p>
+          </p:txBody>
+        </p:sp>
+        <p:sp>
+          <p:nvSpPr>
+            <p:cNvPr id="21" name="Rectangle 20">
+              <a:extLst>
+                <a:ext uri="{FF2B5EF4-FFF2-40B4-BE49-F238E27FC236}">
+                  <a16:creationId xmlns:a16="http://schemas.microsoft.com/office/drawing/2014/main" id="{CEE03FB4-FFFD-4809-A1E9-E7894E6690AC}"/>
+                </a:ext>
+              </a:extLst>
+            </p:cNvPr>
+            <p:cNvSpPr/>
+            <p:nvPr/>
+          </p:nvSpPr>
+          <p:spPr>
+            <a:xfrm>
+              <a:off x="5145882" y="2339238"/>
+              <a:ext cx="978693" cy="572700"/>
+            </a:xfrm>
+            <a:prstGeom prst="rect">
+              <a:avLst/>
+            </a:prstGeom>
+            <a:noFill/>
+            <a:ln w="12700">
+              <a:solidFill>
+                <a:srgbClr val="0070C0"/>
+              </a:solidFill>
+            </a:ln>
+          </p:spPr>
+          <p:style>
+            <a:lnRef idx="2">
+              <a:schemeClr val="accent1">
+                <a:shade val="50000"/>
+              </a:schemeClr>
+            </a:lnRef>
+            <a:fillRef idx="1">
+              <a:schemeClr val="accent1"/>
+            </a:fillRef>
+            <a:effectRef idx="0">
+              <a:schemeClr val="accent1"/>
+            </a:effectRef>
+            <a:fontRef idx="minor">
+              <a:schemeClr val="lt1"/>
+            </a:fontRef>
+          </p:style>
+          <p:txBody>
+            <a:bodyPr rtlCol="0" anchor="ctr"/>
+            <a:lstStyle/>
+            <a:p>
+              <a:pPr algn="ctr"/>
+              <a:r>
+                <a:rPr lang="en-CA" sz="1150" dirty="0">
+                  <a:solidFill>
+                    <a:schemeClr val="tx1"/>
+                  </a:solidFill>
+                </a:rPr>
+                <a:t>Transformations</a:t>
+              </a:r>
+            </a:p>
+          </p:txBody>
+        </p:sp>
+        <p:sp>
+          <p:nvSpPr>
+            <p:cNvPr id="22" name="Rectangle 21">
+              <a:extLst>
+                <a:ext uri="{FF2B5EF4-FFF2-40B4-BE49-F238E27FC236}">
+                  <a16:creationId xmlns:a16="http://schemas.microsoft.com/office/drawing/2014/main" id="{9E75DC17-A532-4103-B7EC-E0CF2B10B1C3}"/>
+                </a:ext>
+              </a:extLst>
+            </p:cNvPr>
+            <p:cNvSpPr/>
+            <p:nvPr/>
+          </p:nvSpPr>
+          <p:spPr>
+            <a:xfrm>
+              <a:off x="3950492" y="2339238"/>
+              <a:ext cx="978696" cy="572700"/>
+            </a:xfrm>
+            <a:prstGeom prst="rect">
+              <a:avLst/>
+            </a:prstGeom>
+            <a:noFill/>
+            <a:ln w="12700">
+              <a:solidFill>
+                <a:srgbClr val="0070C0"/>
+              </a:solidFill>
+            </a:ln>
+          </p:spPr>
+          <p:style>
+            <a:lnRef idx="2">
+              <a:schemeClr val="accent1">
+                <a:shade val="50000"/>
+              </a:schemeClr>
+            </a:lnRef>
+            <a:fillRef idx="1">
+              <a:schemeClr val="accent1"/>
+            </a:fillRef>
+            <a:effectRef idx="0">
+              <a:schemeClr val="accent1"/>
+            </a:effectRef>
+            <a:fontRef idx="minor">
+              <a:schemeClr val="lt1"/>
+            </a:fontRef>
+          </p:style>
+          <p:txBody>
+            <a:bodyPr rtlCol="0" anchor="ctr"/>
+            <a:lstStyle/>
+            <a:p>
+              <a:pPr algn="ctr"/>
+              <a:r>
+                <a:rPr lang="en-CA" sz="1150" dirty="0">
+                  <a:solidFill>
+                    <a:schemeClr val="tx1"/>
+                  </a:solidFill>
+                </a:rPr>
+                <a:t>Feature Engineering</a:t>
+              </a:r>
+            </a:p>
+          </p:txBody>
+        </p:sp>
+        <p:sp>
+          <p:nvSpPr>
+            <p:cNvPr id="23" name="Rectangle 22">
+              <a:extLst>
+                <a:ext uri="{FF2B5EF4-FFF2-40B4-BE49-F238E27FC236}">
+                  <a16:creationId xmlns:a16="http://schemas.microsoft.com/office/drawing/2014/main" id="{EF3D4FF4-DD66-417F-B8E0-BD1C69E9C61D}"/>
+                </a:ext>
+              </a:extLst>
+            </p:cNvPr>
+            <p:cNvSpPr/>
+            <p:nvPr/>
+          </p:nvSpPr>
+          <p:spPr>
+            <a:xfrm>
+              <a:off x="2755099" y="2353195"/>
+              <a:ext cx="978696" cy="572700"/>
+            </a:xfrm>
+            <a:prstGeom prst="rect">
+              <a:avLst/>
+            </a:prstGeom>
+            <a:noFill/>
+            <a:ln w="12700">
+              <a:solidFill>
+                <a:srgbClr val="0070C0"/>
+              </a:solidFill>
+            </a:ln>
+          </p:spPr>
+          <p:style>
+            <a:lnRef idx="2">
+              <a:schemeClr val="accent1">
+                <a:shade val="50000"/>
+              </a:schemeClr>
+            </a:lnRef>
+            <a:fillRef idx="1">
+              <a:schemeClr val="accent1"/>
+            </a:fillRef>
+            <a:effectRef idx="0">
+              <a:schemeClr val="accent1"/>
+            </a:effectRef>
+            <a:fontRef idx="minor">
+              <a:schemeClr val="lt1"/>
+            </a:fontRef>
+          </p:style>
+          <p:txBody>
+            <a:bodyPr rtlCol="0" anchor="ctr"/>
+            <a:lstStyle/>
+            <a:p>
+              <a:pPr algn="ctr"/>
+              <a:r>
+                <a:rPr lang="en-CA" sz="1150" dirty="0">
+                  <a:solidFill>
+                    <a:schemeClr val="tx1"/>
+                  </a:solidFill>
+                </a:rPr>
+                <a:t>Feature Interaction</a:t>
+              </a:r>
+            </a:p>
+          </p:txBody>
+        </p:sp>
+        <p:sp>
+          <p:nvSpPr>
+            <p:cNvPr id="24" name="Rectangle 23">
+              <a:extLst>
+                <a:ext uri="{FF2B5EF4-FFF2-40B4-BE49-F238E27FC236}">
+                  <a16:creationId xmlns:a16="http://schemas.microsoft.com/office/drawing/2014/main" id="{9836D39B-188D-44DB-8B9E-EEEC6BC6B69A}"/>
+                </a:ext>
+              </a:extLst>
+            </p:cNvPr>
+            <p:cNvSpPr/>
+            <p:nvPr/>
+          </p:nvSpPr>
+          <p:spPr>
+            <a:xfrm>
+              <a:off x="1566857" y="2353195"/>
+              <a:ext cx="978696" cy="572700"/>
+            </a:xfrm>
+            <a:prstGeom prst="rect">
+              <a:avLst/>
+            </a:prstGeom>
+            <a:noFill/>
+            <a:ln w="12700">
+              <a:solidFill>
+                <a:srgbClr val="0070C0"/>
+              </a:solidFill>
+            </a:ln>
+          </p:spPr>
+          <p:style>
+            <a:lnRef idx="2">
+              <a:schemeClr val="accent1">
+                <a:shade val="50000"/>
+              </a:schemeClr>
+            </a:lnRef>
+            <a:fillRef idx="1">
+              <a:schemeClr val="accent1"/>
+            </a:fillRef>
+            <a:effectRef idx="0">
+              <a:schemeClr val="accent1"/>
+            </a:effectRef>
+            <a:fontRef idx="minor">
+              <a:schemeClr val="lt1"/>
+            </a:fontRef>
+          </p:style>
+          <p:txBody>
+            <a:bodyPr rtlCol="0" anchor="ctr"/>
+            <a:lstStyle/>
+            <a:p>
+              <a:pPr algn="ctr"/>
+              <a:r>
+                <a:rPr lang="en-CA" sz="1150" dirty="0">
+                  <a:solidFill>
+                    <a:schemeClr val="tx1"/>
+                  </a:solidFill>
+                </a:rPr>
+                <a:t>Feature Selection</a:t>
+              </a:r>
+            </a:p>
+          </p:txBody>
+        </p:sp>
+        <p:sp>
+          <p:nvSpPr>
+            <p:cNvPr id="25" name="Rectangle 24">
+              <a:extLst>
+                <a:ext uri="{FF2B5EF4-FFF2-40B4-BE49-F238E27FC236}">
+                  <a16:creationId xmlns:a16="http://schemas.microsoft.com/office/drawing/2014/main" id="{73209AAF-9A51-4B74-B791-64C2E0BE2C2B}"/>
+                </a:ext>
+              </a:extLst>
+            </p:cNvPr>
+            <p:cNvSpPr/>
+            <p:nvPr/>
+          </p:nvSpPr>
+          <p:spPr>
+            <a:xfrm>
+              <a:off x="371464" y="2353195"/>
+              <a:ext cx="978696" cy="572700"/>
+            </a:xfrm>
+            <a:prstGeom prst="rect">
+              <a:avLst/>
+            </a:prstGeom>
+            <a:noFill/>
+            <a:ln w="12700">
+              <a:solidFill>
+                <a:srgbClr val="0070C0"/>
+              </a:solidFill>
+            </a:ln>
+          </p:spPr>
+          <p:style>
+            <a:lnRef idx="2">
+              <a:schemeClr val="accent1">
+                <a:shade val="50000"/>
+              </a:schemeClr>
+            </a:lnRef>
+            <a:fillRef idx="1">
+              <a:schemeClr val="accent1"/>
+            </a:fillRef>
+            <a:effectRef idx="0">
+              <a:schemeClr val="accent1"/>
+            </a:effectRef>
+            <a:fontRef idx="minor">
+              <a:schemeClr val="lt1"/>
+            </a:fontRef>
+          </p:style>
+          <p:txBody>
+            <a:bodyPr rtlCol="0" anchor="ctr"/>
+            <a:lstStyle/>
+            <a:p>
+              <a:pPr algn="ctr"/>
+              <a:r>
+                <a:rPr lang="en-CA" sz="1150" i="1" dirty="0">
+                  <a:solidFill>
+                    <a:schemeClr val="tx1"/>
+                  </a:solidFill>
+                </a:rPr>
+                <a:t>… zillion other things</a:t>
+              </a:r>
+            </a:p>
+          </p:txBody>
+        </p:sp>
+        <p:cxnSp>
+          <p:nvCxnSpPr>
+            <p:cNvPr id="31" name="Straight Arrow Connector 30">
+              <a:extLst>
+                <a:ext uri="{FF2B5EF4-FFF2-40B4-BE49-F238E27FC236}">
+                  <a16:creationId xmlns:a16="http://schemas.microsoft.com/office/drawing/2014/main" id="{D4B399E0-A0E7-456B-8353-5BB00084D6D8}"/>
+                </a:ext>
+              </a:extLst>
+            </p:cNvPr>
+            <p:cNvCxnSpPr>
+              <a:stCxn id="15" idx="1"/>
+              <a:endCxn id="20" idx="3"/>
+            </p:cNvCxnSpPr>
+            <p:nvPr/>
+          </p:nvCxnSpPr>
+          <p:spPr>
+            <a:xfrm flipH="1">
+              <a:off x="7319965" y="2625588"/>
+              <a:ext cx="227416" cy="0"/>
+            </a:xfrm>
+            <a:prstGeom prst="straightConnector1">
+              <a:avLst/>
+            </a:prstGeom>
+            <a:ln>
+              <a:tailEnd type="triangle"/>
+            </a:ln>
+          </p:spPr>
+          <p:style>
+            <a:lnRef idx="1">
+              <a:schemeClr val="accent1"/>
+            </a:lnRef>
+            <a:fillRef idx="0">
+              <a:schemeClr val="accent1"/>
+            </a:fillRef>
+            <a:effectRef idx="0">
+              <a:schemeClr val="accent1"/>
+            </a:effectRef>
+            <a:fontRef idx="minor">
+              <a:schemeClr val="tx1"/>
+            </a:fontRef>
+          </p:style>
+        </p:cxnSp>
+        <p:cxnSp>
+          <p:nvCxnSpPr>
+            <p:cNvPr id="32" name="Straight Arrow Connector 31">
+              <a:extLst>
+                <a:ext uri="{FF2B5EF4-FFF2-40B4-BE49-F238E27FC236}">
+                  <a16:creationId xmlns:a16="http://schemas.microsoft.com/office/drawing/2014/main" id="{2E80FC2F-D9B7-4D9D-BF96-3C34CE54E8AD}"/>
+                </a:ext>
+              </a:extLst>
+            </p:cNvPr>
+            <p:cNvCxnSpPr/>
+            <p:nvPr/>
+          </p:nvCxnSpPr>
+          <p:spPr>
+            <a:xfrm flipH="1">
+              <a:off x="6113856" y="2625588"/>
+              <a:ext cx="227416" cy="0"/>
+            </a:xfrm>
+            <a:prstGeom prst="straightConnector1">
+              <a:avLst/>
+            </a:prstGeom>
+            <a:ln>
+              <a:tailEnd type="triangle"/>
+            </a:ln>
+          </p:spPr>
+          <p:style>
+            <a:lnRef idx="1">
+              <a:schemeClr val="accent1"/>
+            </a:lnRef>
+            <a:fillRef idx="0">
+              <a:schemeClr val="accent1"/>
+            </a:fillRef>
+            <a:effectRef idx="0">
+              <a:schemeClr val="accent1"/>
+            </a:effectRef>
+            <a:fontRef idx="minor">
+              <a:schemeClr val="tx1"/>
+            </a:fontRef>
+          </p:style>
+        </p:cxnSp>
+        <p:cxnSp>
+          <p:nvCxnSpPr>
+            <p:cNvPr id="33" name="Straight Arrow Connector 32">
+              <a:extLst>
+                <a:ext uri="{FF2B5EF4-FFF2-40B4-BE49-F238E27FC236}">
+                  <a16:creationId xmlns:a16="http://schemas.microsoft.com/office/drawing/2014/main" id="{8F6528AB-ED3A-467A-BCBD-F2D705CB16DF}"/>
+                </a:ext>
+              </a:extLst>
+            </p:cNvPr>
+            <p:cNvCxnSpPr/>
+            <p:nvPr/>
+          </p:nvCxnSpPr>
+          <p:spPr>
+            <a:xfrm flipH="1">
+              <a:off x="4918466" y="2625588"/>
+              <a:ext cx="227416" cy="0"/>
+            </a:xfrm>
+            <a:prstGeom prst="straightConnector1">
+              <a:avLst/>
+            </a:prstGeom>
+            <a:ln>
+              <a:tailEnd type="triangle"/>
+            </a:ln>
+          </p:spPr>
+          <p:style>
+            <a:lnRef idx="1">
+              <a:schemeClr val="accent1"/>
+            </a:lnRef>
+            <a:fillRef idx="0">
+              <a:schemeClr val="accent1"/>
+            </a:fillRef>
+            <a:effectRef idx="0">
+              <a:schemeClr val="accent1"/>
+            </a:effectRef>
+            <a:fontRef idx="minor">
+              <a:schemeClr val="tx1"/>
+            </a:fontRef>
+          </p:style>
+        </p:cxnSp>
+        <p:cxnSp>
+          <p:nvCxnSpPr>
+            <p:cNvPr id="34" name="Straight Arrow Connector 33">
+              <a:extLst>
+                <a:ext uri="{FF2B5EF4-FFF2-40B4-BE49-F238E27FC236}">
+                  <a16:creationId xmlns:a16="http://schemas.microsoft.com/office/drawing/2014/main" id="{2917D117-C708-4321-802F-14633CECE32C}"/>
+                </a:ext>
+              </a:extLst>
+            </p:cNvPr>
+            <p:cNvCxnSpPr/>
+            <p:nvPr/>
+          </p:nvCxnSpPr>
+          <p:spPr>
+            <a:xfrm flipH="1">
+              <a:off x="3723076" y="2639545"/>
+              <a:ext cx="227416" cy="0"/>
+            </a:xfrm>
+            <a:prstGeom prst="straightConnector1">
+              <a:avLst/>
+            </a:prstGeom>
+            <a:ln>
+              <a:tailEnd type="triangle"/>
+            </a:ln>
+          </p:spPr>
+          <p:style>
+            <a:lnRef idx="1">
+              <a:schemeClr val="accent1"/>
+            </a:lnRef>
+            <a:fillRef idx="0">
+              <a:schemeClr val="accent1"/>
+            </a:fillRef>
+            <a:effectRef idx="0">
+              <a:schemeClr val="accent1"/>
+            </a:effectRef>
+            <a:fontRef idx="minor">
+              <a:schemeClr val="tx1"/>
+            </a:fontRef>
+          </p:style>
+        </p:cxnSp>
+        <p:cxnSp>
+          <p:nvCxnSpPr>
+            <p:cNvPr id="35" name="Straight Arrow Connector 34">
+              <a:extLst>
+                <a:ext uri="{FF2B5EF4-FFF2-40B4-BE49-F238E27FC236}">
+                  <a16:creationId xmlns:a16="http://schemas.microsoft.com/office/drawing/2014/main" id="{950DF3D9-A5D8-463C-B9EF-AF7A9D40CA1B}"/>
+                </a:ext>
+              </a:extLst>
+            </p:cNvPr>
+            <p:cNvCxnSpPr/>
+            <p:nvPr/>
+          </p:nvCxnSpPr>
+          <p:spPr>
+            <a:xfrm flipH="1">
+              <a:off x="2545553" y="2617513"/>
+              <a:ext cx="227416" cy="0"/>
+            </a:xfrm>
+            <a:prstGeom prst="straightConnector1">
+              <a:avLst/>
+            </a:prstGeom>
+            <a:ln>
+              <a:tailEnd type="triangle"/>
+            </a:ln>
+          </p:spPr>
+          <p:style>
+            <a:lnRef idx="1">
+              <a:schemeClr val="accent1"/>
+            </a:lnRef>
+            <a:fillRef idx="0">
+              <a:schemeClr val="accent1"/>
+            </a:fillRef>
+            <a:effectRef idx="0">
+              <a:schemeClr val="accent1"/>
+            </a:effectRef>
+            <a:fontRef idx="minor">
+              <a:schemeClr val="tx1"/>
+            </a:fontRef>
+          </p:style>
+        </p:cxnSp>
+        <p:cxnSp>
+          <p:nvCxnSpPr>
+            <p:cNvPr id="36" name="Straight Arrow Connector 35">
+              <a:extLst>
+                <a:ext uri="{FF2B5EF4-FFF2-40B4-BE49-F238E27FC236}">
+                  <a16:creationId xmlns:a16="http://schemas.microsoft.com/office/drawing/2014/main" id="{6E3F0A3C-5187-4A89-BE48-1DFC3B76093E}"/>
+                </a:ext>
+              </a:extLst>
+            </p:cNvPr>
+            <p:cNvCxnSpPr/>
+            <p:nvPr/>
+          </p:nvCxnSpPr>
+          <p:spPr>
+            <a:xfrm flipH="1">
+              <a:off x="1319213" y="2639545"/>
+              <a:ext cx="227416" cy="0"/>
+            </a:xfrm>
+            <a:prstGeom prst="straightConnector1">
+              <a:avLst/>
+            </a:prstGeom>
+            <a:ln>
+              <a:tailEnd type="triangle"/>
+            </a:ln>
+          </p:spPr>
+          <p:style>
+            <a:lnRef idx="1">
+              <a:schemeClr val="accent1"/>
+            </a:lnRef>
+            <a:fillRef idx="0">
+              <a:schemeClr val="accent1"/>
+            </a:fillRef>
+            <a:effectRef idx="0">
+              <a:schemeClr val="accent1"/>
+            </a:effectRef>
+            <a:fontRef idx="minor">
+              <a:schemeClr val="tx1"/>
+            </a:fontRef>
+          </p:style>
+        </p:cxnSp>
+        <p:cxnSp>
+          <p:nvCxnSpPr>
+            <p:cNvPr id="40" name="Straight Arrow Connector 39">
+              <a:extLst>
+                <a:ext uri="{FF2B5EF4-FFF2-40B4-BE49-F238E27FC236}">
+                  <a16:creationId xmlns:a16="http://schemas.microsoft.com/office/drawing/2014/main" id="{92AD410B-3085-43AF-98FB-0E0CDD5D38CE}"/>
+                </a:ext>
+              </a:extLst>
+            </p:cNvPr>
+            <p:cNvCxnSpPr>
+              <a:stCxn id="12" idx="2"/>
+              <a:endCxn id="15" idx="0"/>
+            </p:cNvCxnSpPr>
+            <p:nvPr/>
+          </p:nvCxnSpPr>
+          <p:spPr>
+            <a:xfrm flipH="1">
+              <a:off x="8036728" y="2058600"/>
+              <a:ext cx="1" cy="280638"/>
+            </a:xfrm>
+            <a:prstGeom prst="straightConnector1">
+              <a:avLst/>
+            </a:prstGeom>
+            <a:ln w="57150">
+              <a:tailEnd type="triangle"/>
+            </a:ln>
+          </p:spPr>
+          <p:style>
+            <a:lnRef idx="1">
+              <a:schemeClr val="accent1"/>
+            </a:lnRef>
+            <a:fillRef idx="0">
+              <a:schemeClr val="accent1"/>
+            </a:fillRef>
+            <a:effectRef idx="0">
+              <a:schemeClr val="accent1"/>
+            </a:effectRef>
+            <a:fontRef idx="minor">
+              <a:schemeClr val="tx1"/>
+            </a:fontRef>
+          </p:style>
+        </p:cxnSp>
+      </p:grpSp>
+      <p:grpSp>
+        <p:nvGrpSpPr>
+          <p:cNvPr id="71" name="Group 70">
+            <a:extLst>
+              <a:ext uri="{FF2B5EF4-FFF2-40B4-BE49-F238E27FC236}">
+                <a16:creationId xmlns:a16="http://schemas.microsoft.com/office/drawing/2014/main" id="{AF512C0E-7D07-40BB-A01B-011BE423F1F3}"/>
+              </a:ext>
+            </a:extLst>
+          </p:cNvPr>
+          <p:cNvGrpSpPr/>
+          <p:nvPr/>
+        </p:nvGrpSpPr>
+        <p:grpSpPr>
+          <a:xfrm>
+            <a:off x="378619" y="2943084"/>
+            <a:ext cx="8156966" cy="853338"/>
+            <a:chOff x="378619" y="2943084"/>
+            <a:chExt cx="8156966" cy="853338"/>
+          </a:xfrm>
+        </p:grpSpPr>
+        <p:sp>
+          <p:nvSpPr>
+            <p:cNvPr id="41" name="Rectangle 40">
+              <a:extLst>
+                <a:ext uri="{FF2B5EF4-FFF2-40B4-BE49-F238E27FC236}">
+                  <a16:creationId xmlns:a16="http://schemas.microsoft.com/office/drawing/2014/main" id="{BE3613B1-9884-42C6-9B22-68E25F6592DE}"/>
+                </a:ext>
+              </a:extLst>
+            </p:cNvPr>
+            <p:cNvSpPr/>
+            <p:nvPr/>
+          </p:nvSpPr>
+          <p:spPr>
+            <a:xfrm>
+              <a:off x="378619" y="3211583"/>
+              <a:ext cx="978696" cy="572700"/>
+            </a:xfrm>
+            <a:prstGeom prst="rect">
+              <a:avLst/>
+            </a:prstGeom>
+            <a:noFill/>
+            <a:ln w="12700">
+              <a:solidFill>
+                <a:srgbClr val="0070C0"/>
+              </a:solidFill>
+            </a:ln>
+          </p:spPr>
+          <p:style>
+            <a:lnRef idx="2">
+              <a:schemeClr val="accent1">
+                <a:shade val="50000"/>
+              </a:schemeClr>
+            </a:lnRef>
+            <a:fillRef idx="1">
+              <a:schemeClr val="accent1"/>
+            </a:fillRef>
+            <a:effectRef idx="0">
+              <a:schemeClr val="accent1"/>
+            </a:effectRef>
+            <a:fontRef idx="minor">
+              <a:schemeClr val="lt1"/>
+            </a:fontRef>
+          </p:style>
+          <p:txBody>
+            <a:bodyPr rtlCol="0" anchor="ctr"/>
+            <a:lstStyle/>
+            <a:p>
+              <a:pPr algn="ctr"/>
+              <a:r>
+                <a:rPr lang="en-CA" sz="1150" dirty="0">
+                  <a:solidFill>
+                    <a:schemeClr val="tx1"/>
+                  </a:solidFill>
+                </a:rPr>
+                <a:t>Model Training</a:t>
+              </a:r>
+            </a:p>
+          </p:txBody>
+        </p:sp>
+        <p:cxnSp>
+          <p:nvCxnSpPr>
+            <p:cNvPr id="42" name="Straight Arrow Connector 41">
+              <a:extLst>
+                <a:ext uri="{FF2B5EF4-FFF2-40B4-BE49-F238E27FC236}">
+                  <a16:creationId xmlns:a16="http://schemas.microsoft.com/office/drawing/2014/main" id="{26F7F68A-611A-4D5E-BE78-68FAED708E4A}"/>
+                </a:ext>
+              </a:extLst>
+            </p:cNvPr>
+            <p:cNvCxnSpPr/>
+            <p:nvPr/>
+          </p:nvCxnSpPr>
+          <p:spPr>
+            <a:xfrm flipH="1">
+              <a:off x="867964" y="2943084"/>
+              <a:ext cx="1" cy="280638"/>
+            </a:xfrm>
+            <a:prstGeom prst="straightConnector1">
+              <a:avLst/>
+            </a:prstGeom>
+            <a:ln w="57150">
+              <a:tailEnd type="triangle"/>
+            </a:ln>
+          </p:spPr>
+          <p:style>
+            <a:lnRef idx="1">
+              <a:schemeClr val="accent1"/>
+            </a:lnRef>
+            <a:fillRef idx="0">
+              <a:schemeClr val="accent1"/>
+            </a:fillRef>
+            <a:effectRef idx="0">
+              <a:schemeClr val="accent1"/>
+            </a:effectRef>
+            <a:fontRef idx="minor">
+              <a:schemeClr val="tx1"/>
+            </a:fontRef>
+          </p:style>
+        </p:cxnSp>
+        <p:sp>
+          <p:nvSpPr>
+            <p:cNvPr id="43" name="Rectangle 42">
+              <a:extLst>
+                <a:ext uri="{FF2B5EF4-FFF2-40B4-BE49-F238E27FC236}">
+                  <a16:creationId xmlns:a16="http://schemas.microsoft.com/office/drawing/2014/main" id="{4F1BB1E5-1AD2-481F-AAFA-5161543C2DB4}"/>
+                </a:ext>
+              </a:extLst>
+            </p:cNvPr>
+            <p:cNvSpPr/>
+            <p:nvPr/>
+          </p:nvSpPr>
+          <p:spPr>
+            <a:xfrm>
+              <a:off x="1566857" y="3211583"/>
+              <a:ext cx="978696" cy="572700"/>
+            </a:xfrm>
+            <a:prstGeom prst="rect">
+              <a:avLst/>
+            </a:prstGeom>
+            <a:noFill/>
+            <a:ln w="12700">
+              <a:solidFill>
+                <a:srgbClr val="0070C0"/>
+              </a:solidFill>
+            </a:ln>
+          </p:spPr>
+          <p:style>
+            <a:lnRef idx="2">
+              <a:schemeClr val="accent1">
+                <a:shade val="50000"/>
+              </a:schemeClr>
+            </a:lnRef>
+            <a:fillRef idx="1">
+              <a:schemeClr val="accent1"/>
+            </a:fillRef>
+            <a:effectRef idx="0">
+              <a:schemeClr val="accent1"/>
+            </a:effectRef>
+            <a:fontRef idx="minor">
+              <a:schemeClr val="lt1"/>
+            </a:fontRef>
+          </p:style>
+          <p:txBody>
+            <a:bodyPr rtlCol="0" anchor="ctr"/>
+            <a:lstStyle/>
+            <a:p>
+              <a:pPr algn="ctr"/>
+              <a:r>
+                <a:rPr lang="en-CA" sz="1150" dirty="0">
+                  <a:solidFill>
+                    <a:schemeClr val="tx1"/>
+                  </a:solidFill>
+                </a:rPr>
+                <a:t>Cross Validation</a:t>
+              </a:r>
+            </a:p>
+          </p:txBody>
+        </p:sp>
+        <p:sp>
+          <p:nvSpPr>
+            <p:cNvPr id="44" name="Rectangle 43">
+              <a:extLst>
+                <a:ext uri="{FF2B5EF4-FFF2-40B4-BE49-F238E27FC236}">
+                  <a16:creationId xmlns:a16="http://schemas.microsoft.com/office/drawing/2014/main" id="{7E5090A3-2373-4739-AD3B-27A5DA1260CE}"/>
+                </a:ext>
+              </a:extLst>
+            </p:cNvPr>
+            <p:cNvSpPr/>
+            <p:nvPr/>
+          </p:nvSpPr>
+          <p:spPr>
+            <a:xfrm>
+              <a:off x="2755099" y="3211583"/>
+              <a:ext cx="978696" cy="572700"/>
+            </a:xfrm>
+            <a:prstGeom prst="rect">
+              <a:avLst/>
+            </a:prstGeom>
+            <a:noFill/>
+            <a:ln w="12700">
+              <a:solidFill>
+                <a:srgbClr val="0070C0"/>
+              </a:solidFill>
+            </a:ln>
+          </p:spPr>
+          <p:style>
+            <a:lnRef idx="2">
+              <a:schemeClr val="accent1">
+                <a:shade val="50000"/>
+              </a:schemeClr>
+            </a:lnRef>
+            <a:fillRef idx="1">
+              <a:schemeClr val="accent1"/>
+            </a:fillRef>
+            <a:effectRef idx="0">
+              <a:schemeClr val="accent1"/>
+            </a:effectRef>
+            <a:fontRef idx="minor">
+              <a:schemeClr val="lt1"/>
+            </a:fontRef>
+          </p:style>
+          <p:txBody>
+            <a:bodyPr rtlCol="0" anchor="ctr"/>
+            <a:lstStyle/>
+            <a:p>
+              <a:pPr algn="ctr"/>
+              <a:r>
+                <a:rPr lang="en-CA" sz="1050" dirty="0">
+                  <a:solidFill>
+                    <a:schemeClr val="tx1"/>
+                  </a:solidFill>
+                </a:rPr>
+                <a:t>Track Performance</a:t>
+              </a:r>
+              <a:endParaRPr lang="en-CA" sz="1150" dirty="0">
+                <a:solidFill>
+                  <a:schemeClr val="tx1"/>
+                </a:solidFill>
+              </a:endParaRPr>
+            </a:p>
+          </p:txBody>
+        </p:sp>
+        <p:sp>
+          <p:nvSpPr>
+            <p:cNvPr id="45" name="Rectangle 44">
+              <a:extLst>
+                <a:ext uri="{FF2B5EF4-FFF2-40B4-BE49-F238E27FC236}">
+                  <a16:creationId xmlns:a16="http://schemas.microsoft.com/office/drawing/2014/main" id="{25BFFD83-EE8D-404E-9153-0AFE491B8B45}"/>
+                </a:ext>
+              </a:extLst>
+            </p:cNvPr>
+            <p:cNvSpPr/>
+            <p:nvPr/>
+          </p:nvSpPr>
+          <p:spPr>
+            <a:xfrm>
+              <a:off x="3957638" y="3223722"/>
+              <a:ext cx="978696" cy="572700"/>
+            </a:xfrm>
+            <a:prstGeom prst="rect">
+              <a:avLst/>
+            </a:prstGeom>
+            <a:noFill/>
+            <a:ln w="12700">
+              <a:solidFill>
+                <a:srgbClr val="0070C0"/>
+              </a:solidFill>
+            </a:ln>
+          </p:spPr>
+          <p:style>
+            <a:lnRef idx="2">
+              <a:schemeClr val="accent1">
+                <a:shade val="50000"/>
+              </a:schemeClr>
+            </a:lnRef>
+            <a:fillRef idx="1">
+              <a:schemeClr val="accent1"/>
+            </a:fillRef>
+            <a:effectRef idx="0">
+              <a:schemeClr val="accent1"/>
+            </a:effectRef>
+            <a:fontRef idx="minor">
+              <a:schemeClr val="lt1"/>
+            </a:fontRef>
+          </p:style>
+          <p:txBody>
+            <a:bodyPr rtlCol="0" anchor="ctr"/>
+            <a:lstStyle/>
+            <a:p>
+              <a:pPr algn="ctr"/>
+              <a:r>
+                <a:rPr lang="en-CA" sz="1150" dirty="0">
+                  <a:solidFill>
+                    <a:schemeClr val="tx1"/>
+                  </a:solidFill>
+                </a:rPr>
+                <a:t>Hyperparameter tuning</a:t>
+              </a:r>
+            </a:p>
+          </p:txBody>
+        </p:sp>
+        <p:sp>
+          <p:nvSpPr>
+            <p:cNvPr id="46" name="Rectangle 45">
+              <a:extLst>
+                <a:ext uri="{FF2B5EF4-FFF2-40B4-BE49-F238E27FC236}">
+                  <a16:creationId xmlns:a16="http://schemas.microsoft.com/office/drawing/2014/main" id="{56D27CEF-00C4-49C0-A7EB-5CD342345990}"/>
+                </a:ext>
+              </a:extLst>
+            </p:cNvPr>
+            <p:cNvSpPr/>
+            <p:nvPr/>
+          </p:nvSpPr>
+          <p:spPr>
+            <a:xfrm>
+              <a:off x="5135160" y="3211583"/>
+              <a:ext cx="978696" cy="572700"/>
+            </a:xfrm>
+            <a:prstGeom prst="rect">
+              <a:avLst/>
+            </a:prstGeom>
+            <a:noFill/>
+            <a:ln w="12700">
+              <a:solidFill>
+                <a:srgbClr val="0070C0"/>
+              </a:solidFill>
+            </a:ln>
+          </p:spPr>
+          <p:style>
+            <a:lnRef idx="2">
+              <a:schemeClr val="accent1">
+                <a:shade val="50000"/>
+              </a:schemeClr>
+            </a:lnRef>
+            <a:fillRef idx="1">
+              <a:schemeClr val="accent1"/>
+            </a:fillRef>
+            <a:effectRef idx="0">
+              <a:schemeClr val="accent1"/>
+            </a:effectRef>
+            <a:fontRef idx="minor">
+              <a:schemeClr val="lt1"/>
+            </a:fontRef>
+          </p:style>
+          <p:txBody>
+            <a:bodyPr rtlCol="0" anchor="ctr"/>
+            <a:lstStyle/>
+            <a:p>
+              <a:pPr algn="ctr"/>
+              <a:r>
+                <a:rPr lang="en-CA" sz="1050" dirty="0">
+                  <a:solidFill>
+                    <a:schemeClr val="tx1"/>
+                  </a:solidFill>
+                </a:rPr>
+                <a:t>Track Performance</a:t>
+              </a:r>
+            </a:p>
+          </p:txBody>
+        </p:sp>
+        <p:sp>
+          <p:nvSpPr>
+            <p:cNvPr id="47" name="Rectangle 46">
+              <a:extLst>
+                <a:ext uri="{FF2B5EF4-FFF2-40B4-BE49-F238E27FC236}">
+                  <a16:creationId xmlns:a16="http://schemas.microsoft.com/office/drawing/2014/main" id="{863A04AF-AECD-45EA-B8B2-2D0EE0315278}"/>
+                </a:ext>
+              </a:extLst>
+            </p:cNvPr>
+            <p:cNvSpPr/>
+            <p:nvPr/>
+          </p:nvSpPr>
+          <p:spPr>
+            <a:xfrm>
+              <a:off x="6359140" y="3223722"/>
+              <a:ext cx="978696" cy="572700"/>
+            </a:xfrm>
+            <a:prstGeom prst="rect">
+              <a:avLst/>
+            </a:prstGeom>
+            <a:noFill/>
+            <a:ln w="12700">
+              <a:solidFill>
+                <a:srgbClr val="0070C0"/>
+              </a:solidFill>
+            </a:ln>
+          </p:spPr>
+          <p:style>
+            <a:lnRef idx="2">
+              <a:schemeClr val="accent1">
+                <a:shade val="50000"/>
+              </a:schemeClr>
+            </a:lnRef>
+            <a:fillRef idx="1">
+              <a:schemeClr val="accent1"/>
+            </a:fillRef>
+            <a:effectRef idx="0">
+              <a:schemeClr val="accent1"/>
+            </a:effectRef>
+            <a:fontRef idx="minor">
+              <a:schemeClr val="lt1"/>
+            </a:fontRef>
+          </p:style>
+          <p:txBody>
+            <a:bodyPr rtlCol="0" anchor="ctr"/>
+            <a:lstStyle/>
+            <a:p>
+              <a:pPr algn="ctr"/>
+              <a:r>
+                <a:rPr lang="en-CA" sz="1150" dirty="0">
+                  <a:solidFill>
+                    <a:schemeClr val="tx1"/>
+                  </a:solidFill>
+                </a:rPr>
+                <a:t>Ensemble Model</a:t>
+              </a:r>
+            </a:p>
+          </p:txBody>
+        </p:sp>
+        <p:sp>
+          <p:nvSpPr>
+            <p:cNvPr id="48" name="Rectangle 47">
+              <a:extLst>
+                <a:ext uri="{FF2B5EF4-FFF2-40B4-BE49-F238E27FC236}">
+                  <a16:creationId xmlns:a16="http://schemas.microsoft.com/office/drawing/2014/main" id="{958406A9-5696-467A-98E4-F3B16EBD6322}"/>
+                </a:ext>
+              </a:extLst>
+            </p:cNvPr>
+            <p:cNvSpPr/>
+            <p:nvPr/>
+          </p:nvSpPr>
+          <p:spPr>
+            <a:xfrm>
+              <a:off x="7556889" y="3223722"/>
+              <a:ext cx="978696" cy="572700"/>
+            </a:xfrm>
+            <a:prstGeom prst="rect">
+              <a:avLst/>
+            </a:prstGeom>
+            <a:noFill/>
+            <a:ln w="12700">
+              <a:solidFill>
+                <a:srgbClr val="0070C0"/>
+              </a:solidFill>
+            </a:ln>
+          </p:spPr>
+          <p:style>
+            <a:lnRef idx="2">
+              <a:schemeClr val="accent1">
+                <a:shade val="50000"/>
+              </a:schemeClr>
+            </a:lnRef>
+            <a:fillRef idx="1">
+              <a:schemeClr val="accent1"/>
+            </a:fillRef>
+            <a:effectRef idx="0">
+              <a:schemeClr val="accent1"/>
+            </a:effectRef>
+            <a:fontRef idx="minor">
+              <a:schemeClr val="lt1"/>
+            </a:fontRef>
+          </p:style>
+          <p:txBody>
+            <a:bodyPr rtlCol="0" anchor="ctr"/>
+            <a:lstStyle/>
+            <a:p>
+              <a:pPr algn="ctr"/>
+              <a:r>
+                <a:rPr lang="en-CA" sz="1050" dirty="0">
+                  <a:solidFill>
+                    <a:schemeClr val="tx1"/>
+                  </a:solidFill>
+                </a:rPr>
+                <a:t>Track Performance</a:t>
+              </a:r>
+            </a:p>
+          </p:txBody>
+        </p:sp>
+        <p:cxnSp>
+          <p:nvCxnSpPr>
+            <p:cNvPr id="49" name="Straight Arrow Connector 48">
+              <a:extLst>
+                <a:ext uri="{FF2B5EF4-FFF2-40B4-BE49-F238E27FC236}">
+                  <a16:creationId xmlns:a16="http://schemas.microsoft.com/office/drawing/2014/main" id="{A61BB147-45D6-467F-BC20-468784D2A570}"/>
+                </a:ext>
+              </a:extLst>
+            </p:cNvPr>
+            <p:cNvCxnSpPr/>
+            <p:nvPr/>
+          </p:nvCxnSpPr>
+          <p:spPr>
+            <a:xfrm>
+              <a:off x="1357312" y="3479483"/>
+              <a:ext cx="209548" cy="0"/>
+            </a:xfrm>
+            <a:prstGeom prst="straightConnector1">
+              <a:avLst/>
+            </a:prstGeom>
+            <a:ln>
+              <a:tailEnd type="triangle"/>
+            </a:ln>
+          </p:spPr>
+          <p:style>
+            <a:lnRef idx="1">
+              <a:schemeClr val="accent1"/>
+            </a:lnRef>
+            <a:fillRef idx="0">
+              <a:schemeClr val="accent1"/>
+            </a:fillRef>
+            <a:effectRef idx="0">
+              <a:schemeClr val="accent1"/>
+            </a:effectRef>
+            <a:fontRef idx="minor">
+              <a:schemeClr val="tx1"/>
+            </a:fontRef>
+          </p:style>
+        </p:cxnSp>
+        <p:cxnSp>
+          <p:nvCxnSpPr>
+            <p:cNvPr id="50" name="Straight Arrow Connector 49">
+              <a:extLst>
+                <a:ext uri="{FF2B5EF4-FFF2-40B4-BE49-F238E27FC236}">
+                  <a16:creationId xmlns:a16="http://schemas.microsoft.com/office/drawing/2014/main" id="{F0FA5FBE-35DB-411C-93C4-D7C931C10832}"/>
+                </a:ext>
+              </a:extLst>
+            </p:cNvPr>
+            <p:cNvCxnSpPr/>
+            <p:nvPr/>
+          </p:nvCxnSpPr>
+          <p:spPr>
+            <a:xfrm>
+              <a:off x="2563421" y="3482464"/>
+              <a:ext cx="209548" cy="0"/>
+            </a:xfrm>
+            <a:prstGeom prst="straightConnector1">
+              <a:avLst/>
+            </a:prstGeom>
+            <a:ln>
+              <a:tailEnd type="triangle"/>
+            </a:ln>
+          </p:spPr>
+          <p:style>
+            <a:lnRef idx="1">
+              <a:schemeClr val="accent1"/>
+            </a:lnRef>
+            <a:fillRef idx="0">
+              <a:schemeClr val="accent1"/>
+            </a:fillRef>
+            <a:effectRef idx="0">
+              <a:schemeClr val="accent1"/>
+            </a:effectRef>
+            <a:fontRef idx="minor">
+              <a:schemeClr val="tx1"/>
+            </a:fontRef>
+          </p:style>
+        </p:cxnSp>
+        <p:cxnSp>
+          <p:nvCxnSpPr>
+            <p:cNvPr id="51" name="Straight Arrow Connector 50">
+              <a:extLst>
+                <a:ext uri="{FF2B5EF4-FFF2-40B4-BE49-F238E27FC236}">
+                  <a16:creationId xmlns:a16="http://schemas.microsoft.com/office/drawing/2014/main" id="{3EB43EE9-FE26-4D49-805B-405C5E5E9EB2}"/>
+                </a:ext>
+              </a:extLst>
+            </p:cNvPr>
+            <p:cNvCxnSpPr/>
+            <p:nvPr/>
+          </p:nvCxnSpPr>
+          <p:spPr>
+            <a:xfrm>
+              <a:off x="3740944" y="3510072"/>
+              <a:ext cx="209548" cy="0"/>
+            </a:xfrm>
+            <a:prstGeom prst="straightConnector1">
+              <a:avLst/>
+            </a:prstGeom>
+            <a:ln>
+              <a:tailEnd type="triangle"/>
+            </a:ln>
+          </p:spPr>
+          <p:style>
+            <a:lnRef idx="1">
+              <a:schemeClr val="accent1"/>
+            </a:lnRef>
+            <a:fillRef idx="0">
+              <a:schemeClr val="accent1"/>
+            </a:fillRef>
+            <a:effectRef idx="0">
+              <a:schemeClr val="accent1"/>
+            </a:effectRef>
+            <a:fontRef idx="minor">
+              <a:schemeClr val="tx1"/>
+            </a:fontRef>
+          </p:style>
+        </p:cxnSp>
+        <p:cxnSp>
+          <p:nvCxnSpPr>
+            <p:cNvPr id="52" name="Straight Arrow Connector 51">
+              <a:extLst>
+                <a:ext uri="{FF2B5EF4-FFF2-40B4-BE49-F238E27FC236}">
+                  <a16:creationId xmlns:a16="http://schemas.microsoft.com/office/drawing/2014/main" id="{DE77728C-C70F-45DD-8CC4-EAF3CC32A9FE}"/>
+                </a:ext>
+              </a:extLst>
+            </p:cNvPr>
+            <p:cNvCxnSpPr/>
+            <p:nvPr/>
+          </p:nvCxnSpPr>
+          <p:spPr>
+            <a:xfrm>
+              <a:off x="4936334" y="3513053"/>
+              <a:ext cx="209548" cy="0"/>
+            </a:xfrm>
+            <a:prstGeom prst="straightConnector1">
+              <a:avLst/>
+            </a:prstGeom>
+            <a:ln>
+              <a:tailEnd type="triangle"/>
+            </a:ln>
+          </p:spPr>
+          <p:style>
+            <a:lnRef idx="1">
+              <a:schemeClr val="accent1"/>
+            </a:lnRef>
+            <a:fillRef idx="0">
+              <a:schemeClr val="accent1"/>
+            </a:fillRef>
+            <a:effectRef idx="0">
+              <a:schemeClr val="accent1"/>
+            </a:effectRef>
+            <a:fontRef idx="minor">
+              <a:schemeClr val="tx1"/>
+            </a:fontRef>
+          </p:style>
+        </p:cxnSp>
+        <p:cxnSp>
+          <p:nvCxnSpPr>
+            <p:cNvPr id="53" name="Straight Arrow Connector 52">
+              <a:extLst>
+                <a:ext uri="{FF2B5EF4-FFF2-40B4-BE49-F238E27FC236}">
+                  <a16:creationId xmlns:a16="http://schemas.microsoft.com/office/drawing/2014/main" id="{F5211A57-CCBE-476E-8CBD-EBC0AF72AF85}"/>
+                </a:ext>
+              </a:extLst>
+            </p:cNvPr>
+            <p:cNvCxnSpPr/>
+            <p:nvPr/>
+          </p:nvCxnSpPr>
+          <p:spPr>
+            <a:xfrm>
+              <a:off x="6131724" y="3510072"/>
+              <a:ext cx="209548" cy="0"/>
+            </a:xfrm>
+            <a:prstGeom prst="straightConnector1">
+              <a:avLst/>
+            </a:prstGeom>
+            <a:ln>
+              <a:tailEnd type="triangle"/>
+            </a:ln>
+          </p:spPr>
+          <p:style>
+            <a:lnRef idx="1">
+              <a:schemeClr val="accent1"/>
+            </a:lnRef>
+            <a:fillRef idx="0">
+              <a:schemeClr val="accent1"/>
+            </a:fillRef>
+            <a:effectRef idx="0">
+              <a:schemeClr val="accent1"/>
+            </a:effectRef>
+            <a:fontRef idx="minor">
+              <a:schemeClr val="tx1"/>
+            </a:fontRef>
+          </p:style>
+        </p:cxnSp>
+        <p:cxnSp>
+          <p:nvCxnSpPr>
+            <p:cNvPr id="54" name="Straight Arrow Connector 53">
+              <a:extLst>
+                <a:ext uri="{FF2B5EF4-FFF2-40B4-BE49-F238E27FC236}">
+                  <a16:creationId xmlns:a16="http://schemas.microsoft.com/office/drawing/2014/main" id="{19E177C9-AE27-4A9F-AD88-1DB8C85D93BA}"/>
+                </a:ext>
+              </a:extLst>
+            </p:cNvPr>
+            <p:cNvCxnSpPr/>
+            <p:nvPr/>
+          </p:nvCxnSpPr>
+          <p:spPr>
+            <a:xfrm>
+              <a:off x="7347341" y="3510072"/>
+              <a:ext cx="209548" cy="0"/>
+            </a:xfrm>
+            <a:prstGeom prst="straightConnector1">
+              <a:avLst/>
+            </a:prstGeom>
+            <a:ln>
+              <a:tailEnd type="triangle"/>
+            </a:ln>
+          </p:spPr>
+          <p:style>
+            <a:lnRef idx="1">
+              <a:schemeClr val="accent1"/>
+            </a:lnRef>
+            <a:fillRef idx="0">
+              <a:schemeClr val="accent1"/>
+            </a:fillRef>
+            <a:effectRef idx="0">
+              <a:schemeClr val="accent1"/>
+            </a:effectRef>
+            <a:fontRef idx="minor">
+              <a:schemeClr val="tx1"/>
+            </a:fontRef>
+          </p:style>
+        </p:cxnSp>
+      </p:grpSp>
+      <p:grpSp>
+        <p:nvGrpSpPr>
+          <p:cNvPr id="72" name="Group 71">
+            <a:extLst>
+              <a:ext uri="{FF2B5EF4-FFF2-40B4-BE49-F238E27FC236}">
+                <a16:creationId xmlns:a16="http://schemas.microsoft.com/office/drawing/2014/main" id="{B7F3152E-6894-499C-B78C-83AF246668FC}"/>
+              </a:ext>
+            </a:extLst>
+          </p:cNvPr>
+          <p:cNvGrpSpPr/>
+          <p:nvPr/>
+        </p:nvGrpSpPr>
+        <p:grpSpPr>
+          <a:xfrm>
+            <a:off x="369082" y="3799654"/>
+            <a:ext cx="8166503" cy="891598"/>
+            <a:chOff x="369082" y="3799654"/>
+            <a:chExt cx="8166503" cy="891598"/>
+          </a:xfrm>
+        </p:grpSpPr>
+        <p:cxnSp>
+          <p:nvCxnSpPr>
+            <p:cNvPr id="55" name="Straight Arrow Connector 54">
+              <a:extLst>
+                <a:ext uri="{FF2B5EF4-FFF2-40B4-BE49-F238E27FC236}">
+                  <a16:creationId xmlns:a16="http://schemas.microsoft.com/office/drawing/2014/main" id="{D1EED6EF-966C-41A2-87EC-1FF2FED3D86A}"/>
+                </a:ext>
+              </a:extLst>
+            </p:cNvPr>
+            <p:cNvCxnSpPr/>
+            <p:nvPr/>
+          </p:nvCxnSpPr>
+          <p:spPr>
+            <a:xfrm flipH="1">
+              <a:off x="8046237" y="3799654"/>
+              <a:ext cx="1" cy="280638"/>
+            </a:xfrm>
+            <a:prstGeom prst="straightConnector1">
+              <a:avLst/>
+            </a:prstGeom>
+            <a:ln w="57150">
+              <a:tailEnd type="triangle"/>
+            </a:ln>
+          </p:spPr>
+          <p:style>
+            <a:lnRef idx="1">
+              <a:schemeClr val="accent1"/>
+            </a:lnRef>
+            <a:fillRef idx="0">
+              <a:schemeClr val="accent1"/>
+            </a:fillRef>
+            <a:effectRef idx="0">
+              <a:schemeClr val="accent1"/>
+            </a:effectRef>
+            <a:fontRef idx="minor">
+              <a:schemeClr val="tx1"/>
+            </a:fontRef>
+          </p:style>
+        </p:cxnSp>
+        <p:sp>
+          <p:nvSpPr>
+            <p:cNvPr id="56" name="Rectangle 55">
+              <a:extLst>
+                <a:ext uri="{FF2B5EF4-FFF2-40B4-BE49-F238E27FC236}">
+                  <a16:creationId xmlns:a16="http://schemas.microsoft.com/office/drawing/2014/main" id="{62E07638-B198-4942-B048-D51DA76152D8}"/>
+                </a:ext>
+              </a:extLst>
+            </p:cNvPr>
+            <p:cNvSpPr/>
+            <p:nvPr/>
+          </p:nvSpPr>
+          <p:spPr>
+            <a:xfrm>
+              <a:off x="7556889" y="4108205"/>
+              <a:ext cx="978696" cy="572700"/>
+            </a:xfrm>
+            <a:prstGeom prst="rect">
+              <a:avLst/>
+            </a:prstGeom>
+            <a:noFill/>
+            <a:ln w="12700">
+              <a:solidFill>
+                <a:srgbClr val="0070C0"/>
+              </a:solidFill>
+            </a:ln>
+          </p:spPr>
+          <p:style>
+            <a:lnRef idx="2">
+              <a:schemeClr val="accent1">
+                <a:shade val="50000"/>
+              </a:schemeClr>
+            </a:lnRef>
+            <a:fillRef idx="1">
+              <a:schemeClr val="accent1"/>
+            </a:fillRef>
+            <a:effectRef idx="0">
+              <a:schemeClr val="accent1"/>
+            </a:effectRef>
+            <a:fontRef idx="minor">
+              <a:schemeClr val="lt1"/>
+            </a:fontRef>
+          </p:style>
+          <p:txBody>
+            <a:bodyPr rtlCol="0" anchor="ctr"/>
+            <a:lstStyle/>
+            <a:p>
+              <a:pPr algn="ctr"/>
+              <a:r>
+                <a:rPr lang="en-CA" sz="1150" dirty="0">
+                  <a:solidFill>
+                    <a:schemeClr val="tx1"/>
+                  </a:solidFill>
+                </a:rPr>
+                <a:t>Blend Models</a:t>
+              </a:r>
+            </a:p>
+          </p:txBody>
+        </p:sp>
+        <p:sp>
+          <p:nvSpPr>
+            <p:cNvPr id="57" name="Rectangle 56">
+              <a:extLst>
+                <a:ext uri="{FF2B5EF4-FFF2-40B4-BE49-F238E27FC236}">
+                  <a16:creationId xmlns:a16="http://schemas.microsoft.com/office/drawing/2014/main" id="{813A701B-7CEE-43C7-AA90-C7AA2CF76A32}"/>
+                </a:ext>
+              </a:extLst>
+            </p:cNvPr>
+            <p:cNvSpPr/>
+            <p:nvPr/>
+          </p:nvSpPr>
+          <p:spPr>
+            <a:xfrm>
+              <a:off x="5135160" y="4108205"/>
+              <a:ext cx="978696" cy="572700"/>
+            </a:xfrm>
+            <a:prstGeom prst="rect">
+              <a:avLst/>
+            </a:prstGeom>
+            <a:noFill/>
+            <a:ln w="12700">
+              <a:solidFill>
+                <a:srgbClr val="0070C0"/>
+              </a:solidFill>
+            </a:ln>
+          </p:spPr>
+          <p:style>
+            <a:lnRef idx="2">
+              <a:schemeClr val="accent1">
+                <a:shade val="50000"/>
+              </a:schemeClr>
+            </a:lnRef>
+            <a:fillRef idx="1">
+              <a:schemeClr val="accent1"/>
+            </a:fillRef>
+            <a:effectRef idx="0">
+              <a:schemeClr val="accent1"/>
+            </a:effectRef>
+            <a:fontRef idx="minor">
+              <a:schemeClr val="lt1"/>
+            </a:fontRef>
+          </p:style>
+          <p:txBody>
+            <a:bodyPr rtlCol="0" anchor="ctr"/>
+            <a:lstStyle/>
+            <a:p>
+              <a:pPr algn="ctr"/>
+              <a:r>
+                <a:rPr lang="en-CA" sz="1150" dirty="0">
+                  <a:solidFill>
+                    <a:schemeClr val="tx1"/>
+                  </a:solidFill>
+                </a:rPr>
+                <a:t>Stack Models</a:t>
+              </a:r>
+            </a:p>
+          </p:txBody>
+        </p:sp>
+        <p:cxnSp>
+          <p:nvCxnSpPr>
+            <p:cNvPr id="58" name="Straight Arrow Connector 57">
+              <a:extLst>
+                <a:ext uri="{FF2B5EF4-FFF2-40B4-BE49-F238E27FC236}">
+                  <a16:creationId xmlns:a16="http://schemas.microsoft.com/office/drawing/2014/main" id="{F2D9316C-94C5-41DE-8766-C9324499B778}"/>
+                </a:ext>
+              </a:extLst>
+            </p:cNvPr>
+            <p:cNvCxnSpPr/>
+            <p:nvPr/>
+          </p:nvCxnSpPr>
+          <p:spPr>
+            <a:xfrm flipH="1">
+              <a:off x="7323529" y="4393624"/>
+              <a:ext cx="227416" cy="0"/>
+            </a:xfrm>
+            <a:prstGeom prst="straightConnector1">
+              <a:avLst/>
+            </a:prstGeom>
+            <a:ln>
+              <a:tailEnd type="triangle"/>
+            </a:ln>
+          </p:spPr>
+          <p:style>
+            <a:lnRef idx="1">
+              <a:schemeClr val="accent1"/>
+            </a:lnRef>
+            <a:fillRef idx="0">
+              <a:schemeClr val="accent1"/>
+            </a:fillRef>
+            <a:effectRef idx="0">
+              <a:schemeClr val="accent1"/>
+            </a:effectRef>
+            <a:fontRef idx="minor">
+              <a:schemeClr val="tx1"/>
+            </a:fontRef>
+          </p:style>
+        </p:cxnSp>
+        <p:sp>
+          <p:nvSpPr>
+            <p:cNvPr id="59" name="Rectangle 58">
+              <a:extLst>
+                <a:ext uri="{FF2B5EF4-FFF2-40B4-BE49-F238E27FC236}">
+                  <a16:creationId xmlns:a16="http://schemas.microsoft.com/office/drawing/2014/main" id="{26364727-8EEA-422B-B412-BF027307841D}"/>
+                </a:ext>
+              </a:extLst>
+            </p:cNvPr>
+            <p:cNvSpPr/>
+            <p:nvPr/>
+          </p:nvSpPr>
+          <p:spPr>
+            <a:xfrm>
+              <a:off x="6366268" y="4118552"/>
+              <a:ext cx="978696" cy="572700"/>
+            </a:xfrm>
+            <a:prstGeom prst="rect">
+              <a:avLst/>
+            </a:prstGeom>
+            <a:noFill/>
+            <a:ln w="12700">
+              <a:solidFill>
+                <a:srgbClr val="0070C0"/>
+              </a:solidFill>
+            </a:ln>
+          </p:spPr>
+          <p:style>
+            <a:lnRef idx="2">
+              <a:schemeClr val="accent1">
+                <a:shade val="50000"/>
+              </a:schemeClr>
+            </a:lnRef>
+            <a:fillRef idx="1">
+              <a:schemeClr val="accent1"/>
+            </a:fillRef>
+            <a:effectRef idx="0">
+              <a:schemeClr val="accent1"/>
+            </a:effectRef>
+            <a:fontRef idx="minor">
+              <a:schemeClr val="lt1"/>
+            </a:fontRef>
+          </p:style>
+          <p:txBody>
+            <a:bodyPr rtlCol="0" anchor="ctr"/>
+            <a:lstStyle/>
+            <a:p>
+              <a:pPr algn="ctr"/>
+              <a:r>
+                <a:rPr lang="en-CA" sz="1050" dirty="0">
+                  <a:solidFill>
+                    <a:schemeClr val="tx1"/>
+                  </a:solidFill>
+                </a:rPr>
+                <a:t>Track Performance</a:t>
+              </a:r>
+              <a:endParaRPr lang="en-CA" sz="1150" dirty="0">
+                <a:solidFill>
+                  <a:schemeClr val="tx1"/>
+                </a:solidFill>
+              </a:endParaRPr>
+            </a:p>
+          </p:txBody>
+        </p:sp>
+        <p:cxnSp>
+          <p:nvCxnSpPr>
+            <p:cNvPr id="60" name="Straight Arrow Connector 59">
+              <a:extLst>
+                <a:ext uri="{FF2B5EF4-FFF2-40B4-BE49-F238E27FC236}">
+                  <a16:creationId xmlns:a16="http://schemas.microsoft.com/office/drawing/2014/main" id="{8B2091AA-AE39-4407-9E22-7F80D7C30C02}"/>
+                </a:ext>
+              </a:extLst>
+            </p:cNvPr>
+            <p:cNvCxnSpPr/>
+            <p:nvPr/>
+          </p:nvCxnSpPr>
+          <p:spPr>
+            <a:xfrm flipH="1">
+              <a:off x="6124575" y="4404902"/>
+              <a:ext cx="227416" cy="0"/>
+            </a:xfrm>
+            <a:prstGeom prst="straightConnector1">
+              <a:avLst/>
+            </a:prstGeom>
+            <a:ln>
+              <a:tailEnd type="triangle"/>
+            </a:ln>
+          </p:spPr>
+          <p:style>
+            <a:lnRef idx="1">
+              <a:schemeClr val="accent1"/>
+            </a:lnRef>
+            <a:fillRef idx="0">
+              <a:schemeClr val="accent1"/>
+            </a:fillRef>
+            <a:effectRef idx="0">
+              <a:schemeClr val="accent1"/>
+            </a:effectRef>
+            <a:fontRef idx="minor">
+              <a:schemeClr val="tx1"/>
+            </a:fontRef>
+          </p:style>
+        </p:cxnSp>
+        <p:sp>
+          <p:nvSpPr>
+            <p:cNvPr id="61" name="Rectangle 60">
+              <a:extLst>
+                <a:ext uri="{FF2B5EF4-FFF2-40B4-BE49-F238E27FC236}">
+                  <a16:creationId xmlns:a16="http://schemas.microsoft.com/office/drawing/2014/main" id="{D003F45C-6B17-425A-9397-FE9756E265D1}"/>
+                </a:ext>
+              </a:extLst>
+            </p:cNvPr>
+            <p:cNvSpPr/>
+            <p:nvPr/>
+          </p:nvSpPr>
+          <p:spPr>
+            <a:xfrm>
+              <a:off x="1553759" y="4118552"/>
+              <a:ext cx="978696" cy="572700"/>
+            </a:xfrm>
+            <a:prstGeom prst="rect">
+              <a:avLst/>
+            </a:prstGeom>
+            <a:noFill/>
+            <a:ln w="12700">
+              <a:solidFill>
+                <a:srgbClr val="0070C0"/>
+              </a:solidFill>
+            </a:ln>
+          </p:spPr>
+          <p:style>
+            <a:lnRef idx="2">
+              <a:schemeClr val="accent1">
+                <a:shade val="50000"/>
+              </a:schemeClr>
+            </a:lnRef>
+            <a:fillRef idx="1">
+              <a:schemeClr val="accent1"/>
+            </a:fillRef>
+            <a:effectRef idx="0">
+              <a:schemeClr val="accent1"/>
+            </a:effectRef>
+            <a:fontRef idx="minor">
+              <a:schemeClr val="lt1"/>
+            </a:fontRef>
+          </p:style>
+          <p:txBody>
+            <a:bodyPr rtlCol="0" anchor="ctr"/>
+            <a:lstStyle/>
+            <a:p>
+              <a:pPr algn="ctr"/>
+              <a:r>
+                <a:rPr lang="en-CA" sz="1150" i="1" dirty="0">
+                  <a:solidFill>
+                    <a:schemeClr val="tx1"/>
+                  </a:solidFill>
+                </a:rPr>
+                <a:t>… zillion other things</a:t>
+              </a:r>
+            </a:p>
+          </p:txBody>
+        </p:sp>
+        <p:sp>
+          <p:nvSpPr>
+            <p:cNvPr id="62" name="Rectangle 61">
+              <a:extLst>
+                <a:ext uri="{FF2B5EF4-FFF2-40B4-BE49-F238E27FC236}">
+                  <a16:creationId xmlns:a16="http://schemas.microsoft.com/office/drawing/2014/main" id="{F59AA74F-481E-4700-9F02-26565D9FFEFE}"/>
+                </a:ext>
+              </a:extLst>
+            </p:cNvPr>
+            <p:cNvSpPr/>
+            <p:nvPr/>
+          </p:nvSpPr>
+          <p:spPr>
+            <a:xfrm>
+              <a:off x="3957638" y="4107274"/>
+              <a:ext cx="978696" cy="572700"/>
+            </a:xfrm>
+            <a:prstGeom prst="rect">
+              <a:avLst/>
+            </a:prstGeom>
+            <a:noFill/>
+            <a:ln w="12700">
+              <a:solidFill>
+                <a:srgbClr val="0070C0"/>
+              </a:solidFill>
+            </a:ln>
+          </p:spPr>
+          <p:style>
+            <a:lnRef idx="2">
+              <a:schemeClr val="accent1">
+                <a:shade val="50000"/>
+              </a:schemeClr>
+            </a:lnRef>
+            <a:fillRef idx="1">
+              <a:schemeClr val="accent1"/>
+            </a:fillRef>
+            <a:effectRef idx="0">
+              <a:schemeClr val="accent1"/>
+            </a:effectRef>
+            <a:fontRef idx="minor">
+              <a:schemeClr val="lt1"/>
+            </a:fontRef>
+          </p:style>
+          <p:txBody>
+            <a:bodyPr rtlCol="0" anchor="ctr"/>
+            <a:lstStyle/>
+            <a:p>
+              <a:pPr algn="ctr"/>
+              <a:r>
+                <a:rPr lang="en-CA" sz="1050" dirty="0">
+                  <a:solidFill>
+                    <a:schemeClr val="tx1"/>
+                  </a:solidFill>
+                </a:rPr>
+                <a:t>Track Performance</a:t>
+              </a:r>
+              <a:endParaRPr lang="en-CA" sz="1150" dirty="0">
+                <a:solidFill>
+                  <a:schemeClr val="tx1"/>
+                </a:solidFill>
+              </a:endParaRPr>
+            </a:p>
+          </p:txBody>
+        </p:sp>
+        <p:cxnSp>
+          <p:nvCxnSpPr>
+            <p:cNvPr id="63" name="Straight Arrow Connector 62">
+              <a:extLst>
+                <a:ext uri="{FF2B5EF4-FFF2-40B4-BE49-F238E27FC236}">
+                  <a16:creationId xmlns:a16="http://schemas.microsoft.com/office/drawing/2014/main" id="{E8432CF0-A6E4-4680-944A-BFDD9603F75E}"/>
+                </a:ext>
+              </a:extLst>
+            </p:cNvPr>
+            <p:cNvCxnSpPr/>
+            <p:nvPr/>
+          </p:nvCxnSpPr>
+          <p:spPr>
+            <a:xfrm flipH="1">
+              <a:off x="4907744" y="4404902"/>
+              <a:ext cx="227416" cy="0"/>
+            </a:xfrm>
+            <a:prstGeom prst="straightConnector1">
+              <a:avLst/>
+            </a:prstGeom>
+            <a:ln>
+              <a:tailEnd type="triangle"/>
+            </a:ln>
+          </p:spPr>
+          <p:style>
+            <a:lnRef idx="1">
+              <a:schemeClr val="accent1"/>
+            </a:lnRef>
+            <a:fillRef idx="0">
+              <a:schemeClr val="accent1"/>
+            </a:fillRef>
+            <a:effectRef idx="0">
+              <a:schemeClr val="accent1"/>
+            </a:effectRef>
+            <a:fontRef idx="minor">
+              <a:schemeClr val="tx1"/>
+            </a:fontRef>
+          </p:style>
+        </p:cxnSp>
+        <p:sp>
+          <p:nvSpPr>
+            <p:cNvPr id="64" name="Rectangle 63">
+              <a:extLst>
+                <a:ext uri="{FF2B5EF4-FFF2-40B4-BE49-F238E27FC236}">
+                  <a16:creationId xmlns:a16="http://schemas.microsoft.com/office/drawing/2014/main" id="{810CC2EC-13CE-4A52-8C38-5038E97DFE26}"/>
+                </a:ext>
+              </a:extLst>
+            </p:cNvPr>
+            <p:cNvSpPr/>
+            <p:nvPr/>
+          </p:nvSpPr>
+          <p:spPr>
+            <a:xfrm>
+              <a:off x="369082" y="4107274"/>
+              <a:ext cx="978696" cy="572700"/>
+            </a:xfrm>
+            <a:prstGeom prst="rect">
+              <a:avLst/>
+            </a:prstGeom>
+            <a:solidFill>
+              <a:schemeClr val="accent5">
+                <a:lumMod val="20000"/>
+                <a:lumOff val="80000"/>
+              </a:schemeClr>
+            </a:solidFill>
+            <a:ln w="12700">
+              <a:solidFill>
+                <a:srgbClr val="0070C0"/>
+              </a:solidFill>
+            </a:ln>
+          </p:spPr>
+          <p:style>
+            <a:lnRef idx="2">
+              <a:schemeClr val="accent1">
+                <a:shade val="50000"/>
+              </a:schemeClr>
+            </a:lnRef>
+            <a:fillRef idx="1">
+              <a:schemeClr val="accent1"/>
+            </a:fillRef>
+            <a:effectRef idx="0">
+              <a:schemeClr val="accent1"/>
+            </a:effectRef>
+            <a:fontRef idx="minor">
+              <a:schemeClr val="lt1"/>
+            </a:fontRef>
+          </p:style>
+          <p:txBody>
+            <a:bodyPr rtlCol="0" anchor="ctr"/>
+            <a:lstStyle/>
+            <a:p>
+              <a:pPr algn="ctr"/>
+              <a:r>
+                <a:rPr lang="en-CA" sz="1150" dirty="0">
+                  <a:solidFill>
+                    <a:schemeClr val="tx1"/>
+                  </a:solidFill>
+                </a:rPr>
+                <a:t>Deploy Model</a:t>
+              </a:r>
+            </a:p>
+          </p:txBody>
+        </p:sp>
+        <p:sp>
+          <p:nvSpPr>
+            <p:cNvPr id="65" name="Rectangle 64">
+              <a:extLst>
+                <a:ext uri="{FF2B5EF4-FFF2-40B4-BE49-F238E27FC236}">
+                  <a16:creationId xmlns:a16="http://schemas.microsoft.com/office/drawing/2014/main" id="{E865FD68-4700-4A88-BE65-F815BC8F36EF}"/>
+                </a:ext>
+              </a:extLst>
+            </p:cNvPr>
+            <p:cNvSpPr/>
+            <p:nvPr/>
+          </p:nvSpPr>
+          <p:spPr>
+            <a:xfrm>
+              <a:off x="2744380" y="4107274"/>
+              <a:ext cx="978696" cy="572700"/>
+            </a:xfrm>
+            <a:prstGeom prst="rect">
+              <a:avLst/>
+            </a:prstGeom>
+            <a:noFill/>
+            <a:ln w="12700">
+              <a:solidFill>
+                <a:srgbClr val="0070C0"/>
+              </a:solidFill>
+            </a:ln>
+          </p:spPr>
+          <p:style>
+            <a:lnRef idx="2">
+              <a:schemeClr val="accent1">
+                <a:shade val="50000"/>
+              </a:schemeClr>
+            </a:lnRef>
+            <a:fillRef idx="1">
+              <a:schemeClr val="accent1"/>
+            </a:fillRef>
+            <a:effectRef idx="0">
+              <a:schemeClr val="accent1"/>
+            </a:effectRef>
+            <a:fontRef idx="minor">
+              <a:schemeClr val="lt1"/>
+            </a:fontRef>
+          </p:style>
+          <p:txBody>
+            <a:bodyPr rtlCol="0" anchor="ctr"/>
+            <a:lstStyle/>
+            <a:p>
+              <a:pPr algn="ctr"/>
+              <a:r>
+                <a:rPr lang="en-CA" sz="1150" dirty="0">
+                  <a:solidFill>
+                    <a:schemeClr val="tx1"/>
+                  </a:solidFill>
+                </a:rPr>
+                <a:t>Analyze Plots</a:t>
+              </a:r>
+            </a:p>
+          </p:txBody>
+        </p:sp>
+        <p:cxnSp>
+          <p:nvCxnSpPr>
+            <p:cNvPr id="66" name="Straight Arrow Connector 65">
+              <a:extLst>
+                <a:ext uri="{FF2B5EF4-FFF2-40B4-BE49-F238E27FC236}">
+                  <a16:creationId xmlns:a16="http://schemas.microsoft.com/office/drawing/2014/main" id="{36F454C7-18AD-4503-96F0-84BA24EA26B3}"/>
+                </a:ext>
+              </a:extLst>
+            </p:cNvPr>
+            <p:cNvCxnSpPr/>
+            <p:nvPr/>
+          </p:nvCxnSpPr>
+          <p:spPr>
+            <a:xfrm flipH="1">
+              <a:off x="3723076" y="4404902"/>
+              <a:ext cx="227416" cy="0"/>
+            </a:xfrm>
+            <a:prstGeom prst="straightConnector1">
+              <a:avLst/>
+            </a:prstGeom>
+            <a:ln>
+              <a:tailEnd type="triangle"/>
+            </a:ln>
+          </p:spPr>
+          <p:style>
+            <a:lnRef idx="1">
+              <a:schemeClr val="accent1"/>
+            </a:lnRef>
+            <a:fillRef idx="0">
+              <a:schemeClr val="accent1"/>
+            </a:fillRef>
+            <a:effectRef idx="0">
+              <a:schemeClr val="accent1"/>
+            </a:effectRef>
+            <a:fontRef idx="minor">
+              <a:schemeClr val="tx1"/>
+            </a:fontRef>
+          </p:style>
+        </p:cxnSp>
+        <p:cxnSp>
+          <p:nvCxnSpPr>
+            <p:cNvPr id="67" name="Straight Arrow Connector 66">
+              <a:extLst>
+                <a:ext uri="{FF2B5EF4-FFF2-40B4-BE49-F238E27FC236}">
+                  <a16:creationId xmlns:a16="http://schemas.microsoft.com/office/drawing/2014/main" id="{6387DCEC-9CF7-4929-B871-7695F536E22D}"/>
+                </a:ext>
+              </a:extLst>
+            </p:cNvPr>
+            <p:cNvCxnSpPr/>
+            <p:nvPr/>
+          </p:nvCxnSpPr>
+          <p:spPr>
+            <a:xfrm flipH="1">
+              <a:off x="2516964" y="4404902"/>
+              <a:ext cx="227416" cy="0"/>
+            </a:xfrm>
+            <a:prstGeom prst="straightConnector1">
+              <a:avLst/>
+            </a:prstGeom>
+            <a:ln>
+              <a:tailEnd type="triangle"/>
+            </a:ln>
+          </p:spPr>
+          <p:style>
+            <a:lnRef idx="1">
+              <a:schemeClr val="accent1"/>
+            </a:lnRef>
+            <a:fillRef idx="0">
+              <a:schemeClr val="accent1"/>
+            </a:fillRef>
+            <a:effectRef idx="0">
+              <a:schemeClr val="accent1"/>
+            </a:effectRef>
+            <a:fontRef idx="minor">
+              <a:schemeClr val="tx1"/>
+            </a:fontRef>
+          </p:style>
+        </p:cxnSp>
+        <p:cxnSp>
+          <p:nvCxnSpPr>
+            <p:cNvPr id="68" name="Straight Arrow Connector 67">
+              <a:extLst>
+                <a:ext uri="{FF2B5EF4-FFF2-40B4-BE49-F238E27FC236}">
+                  <a16:creationId xmlns:a16="http://schemas.microsoft.com/office/drawing/2014/main" id="{F194551D-3B30-4A3B-A4AA-44A761F26919}"/>
+                </a:ext>
+              </a:extLst>
+            </p:cNvPr>
+            <p:cNvCxnSpPr/>
+            <p:nvPr/>
+          </p:nvCxnSpPr>
+          <p:spPr>
+            <a:xfrm flipH="1">
+              <a:off x="1326343" y="4404902"/>
+              <a:ext cx="227416" cy="0"/>
+            </a:xfrm>
+            <a:prstGeom prst="straightConnector1">
+              <a:avLst/>
+            </a:prstGeom>
+            <a:ln>
+              <a:tailEnd type="triangle"/>
+            </a:ln>
+          </p:spPr>
+          <p:style>
+            <a:lnRef idx="1">
+              <a:schemeClr val="accent1"/>
+            </a:lnRef>
+            <a:fillRef idx="0">
+              <a:schemeClr val="accent1"/>
+            </a:fillRef>
+            <a:effectRef idx="0">
+              <a:schemeClr val="accent1"/>
+            </a:effectRef>
+            <a:fontRef idx="minor">
+              <a:schemeClr val="tx1"/>
+            </a:fontRef>
+          </p:style>
+        </p:cxnSp>
+      </p:grpSp>
+      <p:pic>
+        <p:nvPicPr>
+          <p:cNvPr id="73" name="Google Shape;150;p23">
+            <a:extLst>
+              <a:ext uri="{FF2B5EF4-FFF2-40B4-BE49-F238E27FC236}">
+                <a16:creationId xmlns:a16="http://schemas.microsoft.com/office/drawing/2014/main" id="{23FD0F01-79FC-46CB-B831-9663684FA218}"/>
+              </a:ext>
+            </a:extLst>
+          </p:cNvPr>
+          <p:cNvPicPr preferRelativeResize="0"/>
+          <p:nvPr/>
+        </p:nvPicPr>
+        <p:blipFill>
+          <a:blip r:embed="rId2">
+            <a:alphaModFix/>
+          </a:blip>
+          <a:stretch>
+            <a:fillRect/>
+          </a:stretch>
+        </p:blipFill>
+        <p:spPr>
+          <a:xfrm>
+            <a:off x="7585712" y="127725"/>
+            <a:ext cx="1415413" cy="172500"/>
+          </a:xfrm>
+          <a:prstGeom prst="rect">
+            <a:avLst/>
+          </a:prstGeom>
+          <a:noFill/>
+          <a:ln>
+            <a:noFill/>
+          </a:ln>
+        </p:spPr>
+      </p:pic>
+      <p:sp>
+        <p:nvSpPr>
+          <p:cNvPr id="3" name="Rectangle 2">
+            <a:extLst>
+              <a:ext uri="{FF2B5EF4-FFF2-40B4-BE49-F238E27FC236}">
+                <a16:creationId xmlns:a16="http://schemas.microsoft.com/office/drawing/2014/main" id="{5585DD60-757A-421A-BC64-4C77675F7087}"/>
+              </a:ext>
+            </a:extLst>
+          </p:cNvPr>
+          <p:cNvSpPr/>
+          <p:nvPr/>
+        </p:nvSpPr>
+        <p:spPr>
+          <a:xfrm>
+            <a:off x="3165672" y="2548204"/>
+            <a:ext cx="2443298" cy="769441"/>
+          </a:xfrm>
+          <a:prstGeom prst="rect">
+            <a:avLst/>
+          </a:prstGeom>
+          <a:solidFill>
+            <a:srgbClr val="FF0000"/>
+          </a:solidFill>
+        </p:spPr>
+        <p:txBody>
+          <a:bodyPr wrap="none" lIns="91440" tIns="45720" rIns="91440" bIns="45720">
+            <a:spAutoFit/>
+          </a:bodyPr>
+          <a:lstStyle/>
+          <a:p>
+            <a:pPr algn="ctr"/>
+            <a:r>
+              <a:rPr lang="en-US" sz="4400" b="0" cap="none" spc="0" dirty="0">
+                <a:ln w="0"/>
+                <a:solidFill>
+                  <a:schemeClr val="bg1"/>
+                </a:solidFill>
+                <a:effectLst>
+                  <a:outerShdw blurRad="38100" dist="19050" dir="2700000" algn="tl" rotWithShape="0">
+                    <a:schemeClr val="dk1">
+                      <a:alpha val="40000"/>
+                    </a:schemeClr>
+                  </a:outerShdw>
+                </a:effectLst>
+              </a:rPr>
+              <a:t>REPEAT</a:t>
+            </a:r>
+          </a:p>
+        </p:txBody>
+      </p:sp>
+    </p:spTree>
+    <p:extLst>
+      <p:ext uri="{BB962C8B-B14F-4D97-AF65-F5344CB8AC3E}">
+        <p14:creationId xmlns:p14="http://schemas.microsoft.com/office/powerpoint/2010/main" val="3853306361"/>
+      </p:ext>
+    </p:extLst>
+  </p:cSld>
+  <p:clrMapOvr>
+    <a:masterClrMapping/>
+  </p:clrMapOvr>
+  <p:timing>
+    <p:tnLst>
+      <p:par>
+        <p:cTn id="1" dur="indefinite" restart="never" nodeType="tmRoot">
+          <p:childTnLst>
+            <p:seq concurrent="1" nextAc="seek">
+              <p:cTn id="2" dur="indefinite" nodeType="mainSeq">
+                <p:childTnLst>
+                  <p:par>
+                    <p:cTn id="3" fill="hold">
+                      <p:stCondLst>
+                        <p:cond delay="indefinite"/>
+                      </p:stCondLst>
+                      <p:childTnLst>
+                        <p:par>
+                          <p:cTn id="4" fill="hold">
+                            <p:stCondLst>
+                              <p:cond delay="0"/>
+                            </p:stCondLst>
+                            <p:childTnLst>
+                              <p:par>
+                                <p:cTn id="5" presetID="1" presetClass="entr" presetSubtype="0" fill="hold" nodeType="clickEffect">
+                                  <p:stCondLst>
+                                    <p:cond delay="0"/>
+                                  </p:stCondLst>
+                                  <p:childTnLst>
+                                    <p:set>
+                                      <p:cBhvr>
+                                        <p:cTn id="6" dur="1" fill="hold">
+                                          <p:stCondLst>
+                                            <p:cond delay="0"/>
+                                          </p:stCondLst>
+                                        </p:cTn>
+                                        <p:tgtEl>
+                                          <p:spTgt spid="69"/>
+                                        </p:tgtEl>
+                                        <p:attrNameLst>
+                                          <p:attrName>style.visibility</p:attrName>
+                                        </p:attrNameLst>
+                                      </p:cBhvr>
+                                      <p:to>
+                                        <p:strVal val="visible"/>
+                                      </p:to>
+                                    </p:set>
+                                  </p:childTnLst>
+                                </p:cTn>
+                              </p:par>
+                            </p:childTnLst>
+                          </p:cTn>
+                        </p:par>
+                      </p:childTnLst>
+                    </p:cTn>
+                  </p:par>
+                  <p:par>
+                    <p:cTn id="7" fill="hold">
+                      <p:stCondLst>
+                        <p:cond delay="indefinite"/>
+                      </p:stCondLst>
+                      <p:childTnLst>
+                        <p:par>
+                          <p:cTn id="8" fill="hold">
+                            <p:stCondLst>
+                              <p:cond delay="0"/>
+                            </p:stCondLst>
+                            <p:childTnLst>
+                              <p:par>
+                                <p:cTn id="9" presetID="1" presetClass="entr" presetSubtype="0" fill="hold" nodeType="clickEffect">
+                                  <p:stCondLst>
+                                    <p:cond delay="0"/>
+                                  </p:stCondLst>
+                                  <p:childTnLst>
+                                    <p:set>
+                                      <p:cBhvr>
+                                        <p:cTn id="10" dur="1" fill="hold">
+                                          <p:stCondLst>
+                                            <p:cond delay="0"/>
+                                          </p:stCondLst>
+                                        </p:cTn>
+                                        <p:tgtEl>
+                                          <p:spTgt spid="70"/>
+                                        </p:tgtEl>
+                                        <p:attrNameLst>
+                                          <p:attrName>style.visibility</p:attrName>
+                                        </p:attrNameLst>
+                                      </p:cBhvr>
+                                      <p:to>
+                                        <p:strVal val="visible"/>
+                                      </p:to>
+                                    </p:set>
+                                  </p:childTnLst>
+                                </p:cTn>
+                              </p:par>
+                            </p:childTnLst>
+                          </p:cTn>
+                        </p:par>
+                      </p:childTnLst>
+                    </p:cTn>
+                  </p:par>
+                  <p:par>
+                    <p:cTn id="11" fill="hold">
+                      <p:stCondLst>
+                        <p:cond delay="indefinite"/>
+                      </p:stCondLst>
+                      <p:childTnLst>
+                        <p:par>
+                          <p:cTn id="12" fill="hold">
+                            <p:stCondLst>
+                              <p:cond delay="0"/>
+                            </p:stCondLst>
+                            <p:childTnLst>
+                              <p:par>
+                                <p:cTn id="13" presetID="1" presetClass="entr" presetSubtype="0" fill="hold" nodeType="clickEffect">
+                                  <p:stCondLst>
+                                    <p:cond delay="0"/>
+                                  </p:stCondLst>
+                                  <p:childTnLst>
+                                    <p:set>
+                                      <p:cBhvr>
+                                        <p:cTn id="14" dur="1" fill="hold">
+                                          <p:stCondLst>
+                                            <p:cond delay="0"/>
+                                          </p:stCondLst>
+                                        </p:cTn>
+                                        <p:tgtEl>
+                                          <p:spTgt spid="71"/>
+                                        </p:tgtEl>
+                                        <p:attrNameLst>
+                                          <p:attrName>style.visibility</p:attrName>
+                                        </p:attrNameLst>
+                                      </p:cBhvr>
+                                      <p:to>
+                                        <p:strVal val="visible"/>
+                                      </p:to>
+                                    </p:set>
+                                  </p:childTnLst>
+                                </p:cTn>
+                              </p:par>
+                            </p:childTnLst>
+                          </p:cTn>
+                        </p:par>
+                      </p:childTnLst>
+                    </p:cTn>
+                  </p:par>
+                  <p:par>
+                    <p:cTn id="15" fill="hold">
+                      <p:stCondLst>
+                        <p:cond delay="indefinite"/>
+                      </p:stCondLst>
+                      <p:childTnLst>
+                        <p:par>
+                          <p:cTn id="16" fill="hold">
+                            <p:stCondLst>
+                              <p:cond delay="0"/>
+                            </p:stCondLst>
+                            <p:childTnLst>
+                              <p:par>
+                                <p:cTn id="17" presetID="1" presetClass="entr" presetSubtype="0" fill="hold" nodeType="clickEffect">
+                                  <p:stCondLst>
+                                    <p:cond delay="0"/>
+                                  </p:stCondLst>
+                                  <p:childTnLst>
+                                    <p:set>
+                                      <p:cBhvr>
+                                        <p:cTn id="18" dur="1" fill="hold">
+                                          <p:stCondLst>
+                                            <p:cond delay="0"/>
+                                          </p:stCondLst>
+                                        </p:cTn>
+                                        <p:tgtEl>
+                                          <p:spTgt spid="72"/>
+                                        </p:tgtEl>
+                                        <p:attrNameLst>
+                                          <p:attrName>style.visibility</p:attrName>
+                                        </p:attrNameLst>
+                                      </p:cBhvr>
+                                      <p:to>
+                                        <p:strVal val="visible"/>
+                                      </p:to>
+                                    </p:set>
+                                  </p:childTnLst>
+                                </p:cTn>
+                              </p:par>
+                            </p:childTnLst>
+                          </p:cTn>
+                        </p:par>
+                      </p:childTnLst>
+                    </p:cTn>
+                  </p:par>
+                  <p:par>
+                    <p:cTn id="19" fill="hold">
+                      <p:stCondLst>
+                        <p:cond delay="indefinite"/>
+                      </p:stCondLst>
+                      <p:childTnLst>
+                        <p:par>
+                          <p:cTn id="20" fill="hold">
+                            <p:stCondLst>
+                              <p:cond delay="0"/>
+                            </p:stCondLst>
+                            <p:childTnLst>
+                              <p:par>
+                                <p:cTn id="21" presetID="1" presetClass="entr" presetSubtype="0" fill="hold" grpId="0" nodeType="clickEffect">
+                                  <p:stCondLst>
+                                    <p:cond delay="0"/>
+                                  </p:stCondLst>
+                                  <p:childTnLst>
+                                    <p:set>
+                                      <p:cBhvr>
+                                        <p:cTn id="22" dur="1" fill="hold">
+                                          <p:stCondLst>
+                                            <p:cond delay="0"/>
+                                          </p:stCondLst>
+                                        </p:cTn>
+                                        <p:tgtEl>
+                                          <p:spTgt spid="3"/>
+                                        </p:tgtEl>
+                                        <p:attrNameLst>
+                                          <p:attrName>style.visibility</p:attrName>
+                                        </p:attrNameLst>
+                                      </p:cBhvr>
+                                      <p:to>
+                                        <p:strVal val="visible"/>
+                                      </p:to>
+                                    </p:set>
+                                  </p:childTnLst>
+                                </p:cTn>
+                              </p:par>
+                            </p:childTnLst>
+                          </p:cTn>
+                        </p:par>
+                      </p:childTnLst>
+                    </p:cTn>
+                  </p:par>
+                </p:childTnLst>
+              </p:cTn>
+              <p:prevCondLst>
+                <p:cond evt="onPrev" delay="0">
+                  <p:tgtEl>
+                    <p:sldTgt/>
+                  </p:tgtEl>
+                </p:cond>
+              </p:prevCondLst>
+              <p:nextCondLst>
+                <p:cond evt="onNext" delay="0">
+                  <p:tgtEl>
+                    <p:sldTgt/>
+                  </p:tgtEl>
+                </p:cond>
+              </p:nextCondLst>
+            </p:seq>
+          </p:childTnLst>
+        </p:cTn>
+      </p:par>
+    </p:tnLst>
+    <p:bldLst>
+      <p:bldP spid="3" grpId="0" animBg="1"/>
+    </p:bldLst>
+  </p:timing>
+</p:sld>
+</file>
+
+<file path=ppt/slides/slide14.xml><?xml version="1.0" encoding="utf-8"?>
+<p:sld xmlns:a="http://schemas.openxmlformats.org/drawingml/2006/main" xmlns:r="http://schemas.openxmlformats.org/officeDocument/2006/relationships" xmlns:p="http://schemas.openxmlformats.org/presentationml/2006/main">
+  <p:cSld>
+    <p:spTree>
+      <p:nvGrpSpPr>
+        <p:cNvPr id="1" name=""/>
+        <p:cNvGrpSpPr/>
+        <p:nvPr/>
+      </p:nvGrpSpPr>
+      <p:grpSpPr>
+        <a:xfrm>
+          <a:off x="0" y="0"/>
+          <a:ext cx="0" cy="0"/>
+          <a:chOff x="0" y="0"/>
+          <a:chExt cx="0" cy="0"/>
+        </a:xfrm>
+      </p:grpSpPr>
+      <p:sp>
+        <p:nvSpPr>
+          <p:cNvPr id="7" name="Title 1">
+            <a:extLst>
+              <a:ext uri="{FF2B5EF4-FFF2-40B4-BE49-F238E27FC236}">
+                <a16:creationId xmlns:a16="http://schemas.microsoft.com/office/drawing/2014/main" id="{37DE65A0-3C86-469F-B889-AFED54D99C51}"/>
+              </a:ext>
+            </a:extLst>
+          </p:cNvPr>
+          <p:cNvSpPr>
+            <a:spLocks noGrp="1"/>
+          </p:cNvSpPr>
+          <p:nvPr>
+            <p:ph type="title"/>
+          </p:nvPr>
+        </p:nvSpPr>
+        <p:spPr>
+          <a:xfrm>
+            <a:off x="199718" y="113807"/>
+            <a:ext cx="8520600" cy="572700"/>
+          </a:xfrm>
+        </p:spPr>
+        <p:txBody>
+          <a:bodyPr/>
+          <a:lstStyle/>
+          <a:p>
+            <a:r>
+              <a:rPr lang="en-CA" dirty="0"/>
+              <a:t>PyCaret can help you with:</a:t>
+            </a:r>
+          </a:p>
+        </p:txBody>
+      </p:sp>
+      <p:pic>
+        <p:nvPicPr>
+          <p:cNvPr id="73" name="Google Shape;150;p23">
+            <a:extLst>
+              <a:ext uri="{FF2B5EF4-FFF2-40B4-BE49-F238E27FC236}">
+                <a16:creationId xmlns:a16="http://schemas.microsoft.com/office/drawing/2014/main" id="{23FD0F01-79FC-46CB-B831-9663684FA218}"/>
+              </a:ext>
+            </a:extLst>
+          </p:cNvPr>
+          <p:cNvPicPr preferRelativeResize="0"/>
+          <p:nvPr/>
+        </p:nvPicPr>
+        <p:blipFill>
+          <a:blip r:embed="rId2">
+            <a:alphaModFix/>
+          </a:blip>
+          <a:stretch>
+            <a:fillRect/>
+          </a:stretch>
+        </p:blipFill>
+        <p:spPr>
+          <a:xfrm>
+            <a:off x="7585712" y="127725"/>
+            <a:ext cx="1415413" cy="172500"/>
+          </a:xfrm>
+          <a:prstGeom prst="rect">
+            <a:avLst/>
+          </a:prstGeom>
+          <a:noFill/>
+          <a:ln>
+            <a:noFill/>
+          </a:ln>
+        </p:spPr>
+      </p:pic>
+      <p:grpSp>
+        <p:nvGrpSpPr>
+          <p:cNvPr id="103" name="Group 102">
+            <a:extLst>
+              <a:ext uri="{FF2B5EF4-FFF2-40B4-BE49-F238E27FC236}">
+                <a16:creationId xmlns:a16="http://schemas.microsoft.com/office/drawing/2014/main" id="{9992EF0C-86C5-49CE-9088-2D8C0B1882D2}"/>
+              </a:ext>
+            </a:extLst>
+          </p:cNvPr>
+          <p:cNvGrpSpPr/>
+          <p:nvPr/>
+        </p:nvGrpSpPr>
+        <p:grpSpPr>
+          <a:xfrm>
+            <a:off x="1384202" y="3154469"/>
+            <a:ext cx="6375596" cy="1592191"/>
+            <a:chOff x="1384202" y="3154469"/>
+            <a:chExt cx="6375596" cy="1592191"/>
+          </a:xfrm>
+        </p:grpSpPr>
+        <p:grpSp>
+          <p:nvGrpSpPr>
+            <p:cNvPr id="87" name="Group 86">
+              <a:extLst>
+                <a:ext uri="{FF2B5EF4-FFF2-40B4-BE49-F238E27FC236}">
+                  <a16:creationId xmlns:a16="http://schemas.microsoft.com/office/drawing/2014/main" id="{9E16A546-FCCA-4967-8C12-3DDB6150488A}"/>
+                </a:ext>
+              </a:extLst>
+            </p:cNvPr>
+            <p:cNvGrpSpPr/>
+            <p:nvPr/>
+          </p:nvGrpSpPr>
+          <p:grpSpPr>
+            <a:xfrm>
+              <a:off x="3968791" y="3194033"/>
+              <a:ext cx="1026243" cy="1552627"/>
+              <a:chOff x="4119412" y="1332878"/>
+              <a:chExt cx="1026243" cy="1552627"/>
+            </a:xfrm>
+          </p:grpSpPr>
+          <p:pic>
+            <p:nvPicPr>
+              <p:cNvPr id="84" name="Picture 83" descr="A close up of a sign&#10;&#10;Description automatically generated">
+                <a:extLst>
+                  <a:ext uri="{FF2B5EF4-FFF2-40B4-BE49-F238E27FC236}">
+                    <a16:creationId xmlns:a16="http://schemas.microsoft.com/office/drawing/2014/main" id="{E02ECBF6-92FE-477C-BF09-7D291D95877C}"/>
+                  </a:ext>
+                </a:extLst>
+              </p:cNvPr>
+              <p:cNvPicPr>
+                <a:picLocks noChangeAspect="1"/>
+              </p:cNvPicPr>
+              <p:nvPr/>
+            </p:nvPicPr>
+            <p:blipFill>
+              <a:blip r:embed="rId3"/>
+              <a:stretch>
+                <a:fillRect/>
+              </a:stretch>
+            </p:blipFill>
+            <p:spPr>
+              <a:xfrm>
+                <a:off x="4128239" y="1332878"/>
+                <a:ext cx="964800" cy="964800"/>
+              </a:xfrm>
+              <a:prstGeom prst="rect">
+                <a:avLst/>
+              </a:prstGeom>
+            </p:spPr>
+          </p:pic>
+          <p:sp>
+            <p:nvSpPr>
+              <p:cNvPr id="85" name="TextBox 84">
+                <a:extLst>
+                  <a:ext uri="{FF2B5EF4-FFF2-40B4-BE49-F238E27FC236}">
+                    <a16:creationId xmlns:a16="http://schemas.microsoft.com/office/drawing/2014/main" id="{E777E75C-147F-4848-A9D7-F5E1015E42FF}"/>
+                  </a:ext>
+                </a:extLst>
+              </p:cNvPr>
+              <p:cNvSpPr txBox="1"/>
+              <p:nvPr/>
+            </p:nvSpPr>
+            <p:spPr>
+              <a:xfrm>
+                <a:off x="4119412" y="2300730"/>
+                <a:ext cx="1026243" cy="584775"/>
+              </a:xfrm>
+              <a:prstGeom prst="rect">
+                <a:avLst/>
+              </a:prstGeom>
+              <a:noFill/>
+            </p:spPr>
+            <p:txBody>
+              <a:bodyPr wrap="none" rtlCol="0">
+                <a:spAutoFit/>
+              </a:bodyPr>
+              <a:lstStyle/>
+              <a:p>
+                <a:pPr algn="ctr"/>
+                <a:r>
+                  <a:rPr lang="en-CA" sz="1600" dirty="0"/>
+                  <a:t>Model </a:t>
+                </a:r>
+              </a:p>
+              <a:p>
+                <a:pPr algn="ctr"/>
+                <a:r>
+                  <a:rPr lang="en-CA" sz="1600" dirty="0"/>
+                  <a:t>Selection</a:t>
+                </a:r>
+              </a:p>
+            </p:txBody>
+          </p:sp>
+        </p:grpSp>
+        <p:grpSp>
+          <p:nvGrpSpPr>
+            <p:cNvPr id="89" name="Group 88">
+              <a:extLst>
+                <a:ext uri="{FF2B5EF4-FFF2-40B4-BE49-F238E27FC236}">
+                  <a16:creationId xmlns:a16="http://schemas.microsoft.com/office/drawing/2014/main" id="{CC1CDC80-E2D6-4434-9D5C-B70836774835}"/>
+                </a:ext>
+              </a:extLst>
+            </p:cNvPr>
+            <p:cNvGrpSpPr/>
+            <p:nvPr/>
+          </p:nvGrpSpPr>
+          <p:grpSpPr>
+            <a:xfrm>
+              <a:off x="1384202" y="3183106"/>
+              <a:ext cx="1473480" cy="1549575"/>
+              <a:chOff x="7285493" y="1102625"/>
+              <a:chExt cx="1473480" cy="1549575"/>
+            </a:xfrm>
+          </p:grpSpPr>
+          <p:pic>
+            <p:nvPicPr>
+              <p:cNvPr id="82" name="Picture 81" descr="A picture containing object, clock&#10;&#10;Description automatically generated">
+                <a:extLst>
+                  <a:ext uri="{FF2B5EF4-FFF2-40B4-BE49-F238E27FC236}">
+                    <a16:creationId xmlns:a16="http://schemas.microsoft.com/office/drawing/2014/main" id="{C90FC164-3839-451A-AF3B-DF6F40C9CE13}"/>
+                  </a:ext>
+                </a:extLst>
+              </p:cNvPr>
+              <p:cNvPicPr>
+                <a:picLocks noChangeAspect="1"/>
+              </p:cNvPicPr>
+              <p:nvPr/>
+            </p:nvPicPr>
+            <p:blipFill>
+              <a:blip r:embed="rId4"/>
+              <a:stretch>
+                <a:fillRect/>
+              </a:stretch>
+            </p:blipFill>
+            <p:spPr>
+              <a:xfrm>
+                <a:off x="7504496" y="1102625"/>
+                <a:ext cx="964800" cy="964799"/>
+              </a:xfrm>
+              <a:prstGeom prst="rect">
+                <a:avLst/>
+              </a:prstGeom>
+            </p:spPr>
+          </p:pic>
+          <p:sp>
+            <p:nvSpPr>
+              <p:cNvPr id="88" name="TextBox 87">
+                <a:extLst>
+                  <a:ext uri="{FF2B5EF4-FFF2-40B4-BE49-F238E27FC236}">
+                    <a16:creationId xmlns:a16="http://schemas.microsoft.com/office/drawing/2014/main" id="{A349124F-C388-4548-9440-528768139CAD}"/>
+                  </a:ext>
+                </a:extLst>
+              </p:cNvPr>
+              <p:cNvSpPr txBox="1"/>
+              <p:nvPr/>
+            </p:nvSpPr>
+            <p:spPr>
+              <a:xfrm>
+                <a:off x="7285493" y="2067425"/>
+                <a:ext cx="1473480" cy="584775"/>
+              </a:xfrm>
+              <a:prstGeom prst="rect">
+                <a:avLst/>
+              </a:prstGeom>
+              <a:noFill/>
+            </p:spPr>
+            <p:txBody>
+              <a:bodyPr wrap="none" rtlCol="0">
+                <a:spAutoFit/>
+              </a:bodyPr>
+              <a:lstStyle/>
+              <a:p>
+                <a:pPr algn="ctr"/>
+                <a:r>
+                  <a:rPr lang="en-CA" sz="1600" dirty="0"/>
+                  <a:t>Analysis &amp; </a:t>
+                </a:r>
+              </a:p>
+              <a:p>
+                <a:pPr algn="ctr"/>
+                <a:r>
+                  <a:rPr lang="en-CA" sz="1600" dirty="0"/>
+                  <a:t>Interpretability</a:t>
+                </a:r>
+              </a:p>
+            </p:txBody>
+          </p:sp>
+        </p:grpSp>
+        <p:grpSp>
+          <p:nvGrpSpPr>
+            <p:cNvPr id="100" name="Group 99">
+              <a:extLst>
+                <a:ext uri="{FF2B5EF4-FFF2-40B4-BE49-F238E27FC236}">
+                  <a16:creationId xmlns:a16="http://schemas.microsoft.com/office/drawing/2014/main" id="{CDFDB6EC-48D4-415C-BEFB-160A5AF43597}"/>
+                </a:ext>
+              </a:extLst>
+            </p:cNvPr>
+            <p:cNvGrpSpPr/>
+            <p:nvPr/>
+          </p:nvGrpSpPr>
+          <p:grpSpPr>
+            <a:xfrm>
+              <a:off x="6480282" y="3154469"/>
+              <a:ext cx="1279516" cy="1544376"/>
+              <a:chOff x="3623851" y="2775311"/>
+              <a:chExt cx="1279516" cy="1544376"/>
+            </a:xfrm>
+          </p:grpSpPr>
+          <p:pic>
+            <p:nvPicPr>
+              <p:cNvPr id="93" name="Picture 92" descr="A picture containing clock&#10;&#10;Description automatically generated">
+                <a:extLst>
+                  <a:ext uri="{FF2B5EF4-FFF2-40B4-BE49-F238E27FC236}">
+                    <a16:creationId xmlns:a16="http://schemas.microsoft.com/office/drawing/2014/main" id="{AE68D9D1-4327-40BA-B58C-63D777E76C38}"/>
+                  </a:ext>
+                </a:extLst>
+              </p:cNvPr>
+              <p:cNvPicPr>
+                <a:picLocks noChangeAspect="1"/>
+              </p:cNvPicPr>
+              <p:nvPr/>
+            </p:nvPicPr>
+            <p:blipFill>
+              <a:blip r:embed="rId5"/>
+              <a:stretch>
+                <a:fillRect/>
+              </a:stretch>
+            </p:blipFill>
+            <p:spPr>
+              <a:xfrm>
+                <a:off x="3713475" y="2775311"/>
+                <a:ext cx="964800" cy="964800"/>
+              </a:xfrm>
+              <a:prstGeom prst="rect">
+                <a:avLst/>
+              </a:prstGeom>
+            </p:spPr>
+          </p:pic>
+          <p:sp>
+            <p:nvSpPr>
+              <p:cNvPr id="94" name="TextBox 93">
+                <a:extLst>
+                  <a:ext uri="{FF2B5EF4-FFF2-40B4-BE49-F238E27FC236}">
+                    <a16:creationId xmlns:a16="http://schemas.microsoft.com/office/drawing/2014/main" id="{254FAC91-A999-45B1-90ED-457E223BFD9A}"/>
+                  </a:ext>
+                </a:extLst>
+              </p:cNvPr>
+              <p:cNvSpPr txBox="1"/>
+              <p:nvPr/>
+            </p:nvSpPr>
+            <p:spPr>
+              <a:xfrm>
+                <a:off x="3623851" y="3734912"/>
+                <a:ext cx="1279516" cy="584775"/>
+              </a:xfrm>
+              <a:prstGeom prst="rect">
+                <a:avLst/>
+              </a:prstGeom>
+              <a:noFill/>
+            </p:spPr>
+            <p:txBody>
+              <a:bodyPr wrap="none" rtlCol="0">
+                <a:spAutoFit/>
+              </a:bodyPr>
+              <a:lstStyle/>
+              <a:p>
+                <a:pPr algn="ctr"/>
+                <a:r>
+                  <a:rPr lang="en-CA" sz="1600" dirty="0"/>
+                  <a:t>Experiment </a:t>
+                </a:r>
+              </a:p>
+              <a:p>
+                <a:pPr algn="ctr"/>
+                <a:r>
+                  <a:rPr lang="en-CA" sz="1600" dirty="0"/>
+                  <a:t>Logging</a:t>
+                </a:r>
+              </a:p>
+            </p:txBody>
+          </p:sp>
+        </p:grpSp>
+      </p:grpSp>
+      <p:grpSp>
+        <p:nvGrpSpPr>
+          <p:cNvPr id="102" name="Group 101">
+            <a:extLst>
+              <a:ext uri="{FF2B5EF4-FFF2-40B4-BE49-F238E27FC236}">
+                <a16:creationId xmlns:a16="http://schemas.microsoft.com/office/drawing/2014/main" id="{EEB06F0D-D310-4AC2-875D-77548A2929B0}"/>
+              </a:ext>
+            </a:extLst>
+          </p:cNvPr>
+          <p:cNvGrpSpPr/>
+          <p:nvPr/>
+        </p:nvGrpSpPr>
+        <p:grpSpPr>
+          <a:xfrm>
+            <a:off x="1469963" y="1132515"/>
+            <a:ext cx="6437514" cy="1654821"/>
+            <a:chOff x="1625750" y="1170003"/>
+            <a:chExt cx="6437514" cy="1654821"/>
+          </a:xfrm>
+        </p:grpSpPr>
+        <p:grpSp>
+          <p:nvGrpSpPr>
+            <p:cNvPr id="76" name="Group 75">
+              <a:extLst>
+                <a:ext uri="{FF2B5EF4-FFF2-40B4-BE49-F238E27FC236}">
+                  <a16:creationId xmlns:a16="http://schemas.microsoft.com/office/drawing/2014/main" id="{78B22411-A910-43A0-9617-5B0D39269CDA}"/>
+                </a:ext>
+              </a:extLst>
+            </p:cNvPr>
+            <p:cNvGrpSpPr/>
+            <p:nvPr/>
+          </p:nvGrpSpPr>
+          <p:grpSpPr>
+            <a:xfrm>
+              <a:off x="1625750" y="1245554"/>
+              <a:ext cx="1301958" cy="1572497"/>
+              <a:chOff x="789702" y="1603733"/>
+              <a:chExt cx="1301958" cy="1572497"/>
+            </a:xfrm>
+          </p:grpSpPr>
+          <p:pic>
+            <p:nvPicPr>
+              <p:cNvPr id="38" name="Picture 37" descr="A picture containing clock, meter&#10;&#10;Description automatically generated">
+                <a:extLst>
+                  <a:ext uri="{FF2B5EF4-FFF2-40B4-BE49-F238E27FC236}">
+                    <a16:creationId xmlns:a16="http://schemas.microsoft.com/office/drawing/2014/main" id="{CB58D91B-AB4C-4394-8D1B-57A0CADC4109}"/>
+                  </a:ext>
+                </a:extLst>
+              </p:cNvPr>
+              <p:cNvPicPr>
+                <a:picLocks noChangeAspect="1"/>
+              </p:cNvPicPr>
+              <p:nvPr/>
+            </p:nvPicPr>
+            <p:blipFill>
+              <a:blip r:embed="rId6"/>
+              <a:stretch>
+                <a:fillRect/>
+              </a:stretch>
+            </p:blipFill>
+            <p:spPr>
+              <a:xfrm>
+                <a:off x="895383" y="1603733"/>
+                <a:ext cx="964800" cy="964800"/>
+              </a:xfrm>
+              <a:prstGeom prst="rect">
+                <a:avLst/>
+              </a:prstGeom>
+            </p:spPr>
+          </p:pic>
+          <p:sp>
+            <p:nvSpPr>
+              <p:cNvPr id="75" name="TextBox 74">
+                <a:extLst>
+                  <a:ext uri="{FF2B5EF4-FFF2-40B4-BE49-F238E27FC236}">
+                    <a16:creationId xmlns:a16="http://schemas.microsoft.com/office/drawing/2014/main" id="{0CA13C09-FC09-4650-923E-4BA5DDBB74E6}"/>
+                  </a:ext>
+                </a:extLst>
+              </p:cNvPr>
+              <p:cNvSpPr txBox="1"/>
+              <p:nvPr/>
+            </p:nvSpPr>
+            <p:spPr>
+              <a:xfrm>
+                <a:off x="789702" y="2591455"/>
+                <a:ext cx="1301958" cy="584775"/>
+              </a:xfrm>
+              <a:prstGeom prst="rect">
+                <a:avLst/>
+              </a:prstGeom>
+              <a:noFill/>
+            </p:spPr>
+            <p:txBody>
+              <a:bodyPr wrap="none" rtlCol="0">
+                <a:spAutoFit/>
+              </a:bodyPr>
+              <a:lstStyle/>
+              <a:p>
+                <a:pPr algn="ctr"/>
+                <a:r>
+                  <a:rPr lang="en-CA" sz="1600" dirty="0"/>
+                  <a:t>Data </a:t>
+                </a:r>
+              </a:p>
+              <a:p>
+                <a:pPr algn="ctr"/>
+                <a:r>
+                  <a:rPr lang="en-CA" sz="1600" dirty="0"/>
+                  <a:t>Preparation </a:t>
+                </a:r>
+              </a:p>
+            </p:txBody>
+          </p:sp>
+        </p:grpSp>
+        <p:grpSp>
+          <p:nvGrpSpPr>
+            <p:cNvPr id="86" name="Group 85">
+              <a:extLst>
+                <a:ext uri="{FF2B5EF4-FFF2-40B4-BE49-F238E27FC236}">
+                  <a16:creationId xmlns:a16="http://schemas.microsoft.com/office/drawing/2014/main" id="{97E7045F-5583-4EF3-9B4E-786471A0C1B8}"/>
+                </a:ext>
+              </a:extLst>
+            </p:cNvPr>
+            <p:cNvGrpSpPr/>
+            <p:nvPr/>
+          </p:nvGrpSpPr>
+          <p:grpSpPr>
+            <a:xfrm>
+              <a:off x="4078649" y="1170003"/>
+              <a:ext cx="1041010" cy="1654821"/>
+              <a:chOff x="2322551" y="1332878"/>
+              <a:chExt cx="1041010" cy="1654821"/>
+            </a:xfrm>
+          </p:grpSpPr>
+          <p:pic>
+            <p:nvPicPr>
+              <p:cNvPr id="8" name="Picture 7" descr="A picture containing clock&#10;&#10;Description automatically generated">
+                <a:extLst>
+                  <a:ext uri="{FF2B5EF4-FFF2-40B4-BE49-F238E27FC236}">
+                    <a16:creationId xmlns:a16="http://schemas.microsoft.com/office/drawing/2014/main" id="{D456AD79-C259-409D-A6C7-761D4E273013}"/>
+                  </a:ext>
+                </a:extLst>
+              </p:cNvPr>
+              <p:cNvPicPr>
+                <a:picLocks noChangeAspect="1"/>
+              </p:cNvPicPr>
+              <p:nvPr/>
+            </p:nvPicPr>
+            <p:blipFill>
+              <a:blip r:embed="rId7"/>
+              <a:stretch>
+                <a:fillRect/>
+              </a:stretch>
+            </p:blipFill>
+            <p:spPr>
+              <a:xfrm>
+                <a:off x="2322551" y="1332878"/>
+                <a:ext cx="964013" cy="964013"/>
+              </a:xfrm>
+              <a:prstGeom prst="rect">
+                <a:avLst/>
+              </a:prstGeom>
+            </p:spPr>
+          </p:pic>
+          <p:sp>
+            <p:nvSpPr>
+              <p:cNvPr id="80" name="TextBox 79">
+                <a:extLst>
+                  <a:ext uri="{FF2B5EF4-FFF2-40B4-BE49-F238E27FC236}">
+                    <a16:creationId xmlns:a16="http://schemas.microsoft.com/office/drawing/2014/main" id="{935AC5DC-912D-4822-957A-2E239D02462C}"/>
+                  </a:ext>
+                </a:extLst>
+              </p:cNvPr>
+              <p:cNvSpPr txBox="1"/>
+              <p:nvPr/>
+            </p:nvSpPr>
+            <p:spPr>
+              <a:xfrm>
+                <a:off x="2369378" y="2341368"/>
+                <a:ext cx="994183" cy="646331"/>
+              </a:xfrm>
+              <a:prstGeom prst="rect">
+                <a:avLst/>
+              </a:prstGeom>
+              <a:noFill/>
+            </p:spPr>
+            <p:txBody>
+              <a:bodyPr wrap="none" rtlCol="0">
+                <a:spAutoFit/>
+              </a:bodyPr>
+              <a:lstStyle/>
+              <a:p>
+                <a:pPr algn="ctr"/>
+                <a:r>
+                  <a:rPr lang="en-CA" sz="1600" dirty="0"/>
+                  <a:t>Model </a:t>
+                </a:r>
+              </a:p>
+              <a:p>
+                <a:pPr algn="ctr"/>
+                <a:r>
+                  <a:rPr lang="en-CA" sz="1600" dirty="0"/>
+                  <a:t>Training</a:t>
+                </a:r>
+                <a:r>
+                  <a:rPr lang="en-CA" sz="2000" dirty="0"/>
+                  <a:t> </a:t>
+                </a:r>
+              </a:p>
+            </p:txBody>
+          </p:sp>
+        </p:grpSp>
+        <p:pic>
+          <p:nvPicPr>
+            <p:cNvPr id="98" name="Picture 97" descr="A close up of a sign&#10;&#10;Description automatically generated">
+              <a:extLst>
+                <a:ext uri="{FF2B5EF4-FFF2-40B4-BE49-F238E27FC236}">
+                  <a16:creationId xmlns:a16="http://schemas.microsoft.com/office/drawing/2014/main" id="{3300626C-F0BF-4E67-9F0D-C77088BD68C1}"/>
+                </a:ext>
+              </a:extLst>
+            </p:cNvPr>
+            <p:cNvPicPr>
+              <a:picLocks noChangeAspect="1"/>
+            </p:cNvPicPr>
+            <p:nvPr/>
+          </p:nvPicPr>
+          <p:blipFill>
+            <a:blip r:embed="rId8"/>
+            <a:stretch>
+              <a:fillRect/>
+            </a:stretch>
+          </p:blipFill>
+          <p:spPr>
+            <a:xfrm>
+              <a:off x="6690643" y="1213693"/>
+              <a:ext cx="964800" cy="964800"/>
+            </a:xfrm>
+            <a:prstGeom prst="rect">
+              <a:avLst/>
+            </a:prstGeom>
+          </p:spPr>
+        </p:pic>
+        <p:sp>
+          <p:nvSpPr>
+            <p:cNvPr id="99" name="TextBox 98">
+              <a:extLst>
+                <a:ext uri="{FF2B5EF4-FFF2-40B4-BE49-F238E27FC236}">
+                  <a16:creationId xmlns:a16="http://schemas.microsoft.com/office/drawing/2014/main" id="{1DFD5179-CB04-40CA-919D-150B25240C47}"/>
+                </a:ext>
+              </a:extLst>
+            </p:cNvPr>
+            <p:cNvSpPr txBox="1"/>
+            <p:nvPr/>
+          </p:nvSpPr>
+          <p:spPr>
+            <a:xfrm>
+              <a:off x="6395820" y="2232823"/>
+              <a:ext cx="1667444" cy="584775"/>
+            </a:xfrm>
+            <a:prstGeom prst="rect">
+              <a:avLst/>
+            </a:prstGeom>
+            <a:noFill/>
+          </p:spPr>
+          <p:txBody>
+            <a:bodyPr wrap="none" rtlCol="0">
+              <a:spAutoFit/>
+            </a:bodyPr>
+            <a:lstStyle/>
+            <a:p>
+              <a:pPr algn="ctr"/>
+              <a:r>
+                <a:rPr lang="en-CA" sz="1600" dirty="0"/>
+                <a:t>Hyperparameter</a:t>
+              </a:r>
+            </a:p>
+            <a:p>
+              <a:pPr algn="ctr"/>
+              <a:r>
+                <a:rPr lang="en-CA" sz="1600" dirty="0"/>
+                <a:t>Tuning</a:t>
+              </a:r>
+            </a:p>
+          </p:txBody>
+        </p:sp>
+      </p:grpSp>
+    </p:spTree>
+    <p:extLst>
+      <p:ext uri="{BB962C8B-B14F-4D97-AF65-F5344CB8AC3E}">
+        <p14:creationId xmlns:p14="http://schemas.microsoft.com/office/powerpoint/2010/main" val="2724406240"/>
+      </p:ext>
+    </p:extLst>
+  </p:cSld>
+  <p:clrMapOvr>
+    <a:masterClrMapping/>
+  </p:clrMapOvr>
+</p:sld>
+</file>
+
+<file path=ppt/slides/slide15.xml><?xml version="1.0" encoding="utf-8"?>
+<p:sld xmlns:a="http://schemas.openxmlformats.org/drawingml/2006/main" xmlns:r="http://schemas.openxmlformats.org/officeDocument/2006/relationships" xmlns:p="http://schemas.openxmlformats.org/presentationml/2006/main">
+  <p:cSld>
+    <p:spTree>
+      <p:nvGrpSpPr>
+        <p:cNvPr id="1" name=""/>
+        <p:cNvGrpSpPr/>
+        <p:nvPr/>
+      </p:nvGrpSpPr>
+      <p:grpSpPr>
+        <a:xfrm>
+          <a:off x="0" y="0"/>
+          <a:ext cx="0" cy="0"/>
+          <a:chOff x="0" y="0"/>
+          <a:chExt cx="0" cy="0"/>
+        </a:xfrm>
+      </p:grpSpPr>
+      <p:sp>
+        <p:nvSpPr>
+          <p:cNvPr id="7" name="Title 1">
+            <a:extLst>
+              <a:ext uri="{FF2B5EF4-FFF2-40B4-BE49-F238E27FC236}">
+                <a16:creationId xmlns:a16="http://schemas.microsoft.com/office/drawing/2014/main" id="{37DE65A0-3C86-469F-B889-AFED54D99C51}"/>
+              </a:ext>
+            </a:extLst>
+          </p:cNvPr>
+          <p:cNvSpPr>
+            <a:spLocks noGrp="1"/>
+          </p:cNvSpPr>
+          <p:nvPr>
+            <p:ph type="title"/>
+          </p:nvPr>
+        </p:nvSpPr>
+        <p:spPr>
+          <a:xfrm>
+            <a:off x="199718" y="113807"/>
+            <a:ext cx="7135802" cy="572700"/>
+          </a:xfrm>
+        </p:spPr>
+        <p:txBody>
+          <a:bodyPr/>
+          <a:lstStyle/>
+          <a:p>
+            <a:r>
+              <a:rPr lang="en-CA" dirty="0"/>
+              <a:t>Machine Learning use-case supported:</a:t>
+            </a:r>
+          </a:p>
+        </p:txBody>
+      </p:sp>
+      <p:pic>
+        <p:nvPicPr>
+          <p:cNvPr id="73" name="Google Shape;150;p23">
+            <a:extLst>
+              <a:ext uri="{FF2B5EF4-FFF2-40B4-BE49-F238E27FC236}">
+                <a16:creationId xmlns:a16="http://schemas.microsoft.com/office/drawing/2014/main" id="{23FD0F01-79FC-46CB-B831-9663684FA218}"/>
+              </a:ext>
+            </a:extLst>
+          </p:cNvPr>
+          <p:cNvPicPr preferRelativeResize="0"/>
+          <p:nvPr/>
+        </p:nvPicPr>
+        <p:blipFill>
+          <a:blip r:embed="rId2">
+            <a:alphaModFix/>
+          </a:blip>
+          <a:stretch>
+            <a:fillRect/>
+          </a:stretch>
+        </p:blipFill>
+        <p:spPr>
+          <a:xfrm>
+            <a:off x="7585712" y="127725"/>
+            <a:ext cx="1415413" cy="172500"/>
+          </a:xfrm>
+          <a:prstGeom prst="rect">
+            <a:avLst/>
+          </a:prstGeom>
+          <a:noFill/>
+          <a:ln>
+            <a:noFill/>
+          </a:ln>
+        </p:spPr>
+      </p:pic>
+      <p:sp>
+        <p:nvSpPr>
+          <p:cNvPr id="2" name="TextBox 1">
+            <a:extLst>
+              <a:ext uri="{FF2B5EF4-FFF2-40B4-BE49-F238E27FC236}">
+                <a16:creationId xmlns:a16="http://schemas.microsoft.com/office/drawing/2014/main" id="{DAC6F593-4D95-4008-8315-F2565C795F9C}"/>
+              </a:ext>
+            </a:extLst>
+          </p:cNvPr>
+          <p:cNvSpPr txBox="1"/>
+          <p:nvPr/>
+        </p:nvSpPr>
+        <p:spPr>
+          <a:xfrm>
+            <a:off x="372534" y="1205653"/>
+            <a:ext cx="3512500" cy="3139321"/>
+          </a:xfrm>
+          <a:prstGeom prst="rect">
+            <a:avLst/>
+          </a:prstGeom>
+          <a:noFill/>
+        </p:spPr>
+        <p:txBody>
+          <a:bodyPr wrap="none" rtlCol="0">
+            <a:spAutoFit/>
+          </a:bodyPr>
+          <a:lstStyle/>
+          <a:p>
+            <a:pPr marL="285750" indent="-285750">
+              <a:buFont typeface="Arial" panose="020B0604020202020204" pitchFamily="34" charset="0"/>
+              <a:buChar char="•"/>
+            </a:pPr>
+            <a:r>
+              <a:rPr lang="en-CA" sz="1800" dirty="0"/>
+              <a:t>Classification</a:t>
+            </a:r>
+          </a:p>
+          <a:p>
+            <a:pPr marL="285750" indent="-285750">
+              <a:buFont typeface="Arial" panose="020B0604020202020204" pitchFamily="34" charset="0"/>
+              <a:buChar char="•"/>
+            </a:pPr>
+            <a:endParaRPr lang="en-CA" sz="1800" dirty="0"/>
+          </a:p>
+          <a:p>
+            <a:pPr marL="285750" indent="-285750">
+              <a:buFont typeface="Arial" panose="020B0604020202020204" pitchFamily="34" charset="0"/>
+              <a:buChar char="•"/>
+            </a:pPr>
+            <a:r>
+              <a:rPr lang="en-CA" sz="1800" dirty="0"/>
+              <a:t>Regression</a:t>
+            </a:r>
+          </a:p>
+          <a:p>
+            <a:pPr marL="285750" indent="-285750">
+              <a:buFont typeface="Arial" panose="020B0604020202020204" pitchFamily="34" charset="0"/>
+              <a:buChar char="•"/>
+            </a:pPr>
+            <a:endParaRPr lang="en-CA" sz="1800" dirty="0"/>
+          </a:p>
+          <a:p>
+            <a:pPr marL="285750" indent="-285750">
+              <a:buFont typeface="Arial" panose="020B0604020202020204" pitchFamily="34" charset="0"/>
+              <a:buChar char="•"/>
+            </a:pPr>
+            <a:r>
+              <a:rPr lang="en-CA" sz="1800" dirty="0"/>
+              <a:t>Clustering</a:t>
+            </a:r>
+          </a:p>
+          <a:p>
+            <a:pPr marL="285750" indent="-285750">
+              <a:buFont typeface="Arial" panose="020B0604020202020204" pitchFamily="34" charset="0"/>
+              <a:buChar char="•"/>
+            </a:pPr>
+            <a:endParaRPr lang="en-CA" sz="1800" dirty="0"/>
+          </a:p>
+          <a:p>
+            <a:pPr marL="285750" indent="-285750">
+              <a:buFont typeface="Arial" panose="020B0604020202020204" pitchFamily="34" charset="0"/>
+              <a:buChar char="•"/>
+            </a:pPr>
+            <a:r>
+              <a:rPr lang="en-CA" sz="1800" dirty="0"/>
+              <a:t>Anomaly Detection</a:t>
+            </a:r>
+          </a:p>
+          <a:p>
+            <a:pPr marL="285750" indent="-285750">
+              <a:buFont typeface="Arial" panose="020B0604020202020204" pitchFamily="34" charset="0"/>
+              <a:buChar char="•"/>
+            </a:pPr>
+            <a:endParaRPr lang="en-CA" sz="1800" dirty="0"/>
+          </a:p>
+          <a:p>
+            <a:pPr marL="285750" indent="-285750">
+              <a:buFont typeface="Arial" panose="020B0604020202020204" pitchFamily="34" charset="0"/>
+              <a:buChar char="•"/>
+            </a:pPr>
+            <a:r>
+              <a:rPr lang="en-CA" sz="1800" dirty="0"/>
+              <a:t>Natural Language Processing</a:t>
+            </a:r>
+          </a:p>
+          <a:p>
+            <a:pPr marL="285750" indent="-285750">
+              <a:buFont typeface="Arial" panose="020B0604020202020204" pitchFamily="34" charset="0"/>
+              <a:buChar char="•"/>
+            </a:pPr>
+            <a:endParaRPr lang="en-CA" sz="1800" dirty="0"/>
+          </a:p>
+          <a:p>
+            <a:pPr marL="285750" indent="-285750">
+              <a:buFont typeface="Arial" panose="020B0604020202020204" pitchFamily="34" charset="0"/>
+              <a:buChar char="•"/>
+            </a:pPr>
+            <a:r>
+              <a:rPr lang="en-CA" sz="1800" dirty="0"/>
+              <a:t>Association Rule Mining</a:t>
+            </a:r>
+          </a:p>
+        </p:txBody>
+      </p:sp>
+      <p:sp>
+        <p:nvSpPr>
+          <p:cNvPr id="3" name="Rectangle: Rounded Corners 2">
+            <a:extLst>
+              <a:ext uri="{FF2B5EF4-FFF2-40B4-BE49-F238E27FC236}">
+                <a16:creationId xmlns:a16="http://schemas.microsoft.com/office/drawing/2014/main" id="{56D43ADB-5417-4DCC-9A16-EDDEDD918D9D}"/>
+              </a:ext>
+            </a:extLst>
+          </p:cNvPr>
+          <p:cNvSpPr/>
+          <p:nvPr/>
+        </p:nvSpPr>
+        <p:spPr>
+          <a:xfrm>
+            <a:off x="5452533" y="1766086"/>
+            <a:ext cx="2052320" cy="1009227"/>
+          </a:xfrm>
+          <a:prstGeom prst="roundRect">
+            <a:avLst/>
+          </a:prstGeom>
+        </p:spPr>
+        <p:style>
+          <a:lnRef idx="2">
+            <a:schemeClr val="accent3">
+              <a:shade val="50000"/>
+            </a:schemeClr>
+          </a:lnRef>
+          <a:fillRef idx="1">
+            <a:schemeClr val="accent3"/>
+          </a:fillRef>
+          <a:effectRef idx="0">
+            <a:schemeClr val="accent3"/>
+          </a:effectRef>
+          <a:fontRef idx="minor">
+            <a:schemeClr val="lt1"/>
+          </a:fontRef>
+        </p:style>
+        <p:txBody>
+          <a:bodyPr rtlCol="0" anchor="ctr"/>
+          <a:lstStyle/>
+          <a:p>
+            <a:pPr algn="ctr"/>
+            <a:r>
+              <a:rPr lang="en-CA" dirty="0"/>
+              <a:t>Time Series Module in development</a:t>
+            </a:r>
+          </a:p>
+        </p:txBody>
+      </p:sp>
+    </p:spTree>
+    <p:extLst>
+      <p:ext uri="{BB962C8B-B14F-4D97-AF65-F5344CB8AC3E}">
+        <p14:creationId xmlns:p14="http://schemas.microsoft.com/office/powerpoint/2010/main" val="1793592577"/>
+      </p:ext>
+    </p:extLst>
+  </p:cSld>
+  <p:clrMapOvr>
+    <a:masterClrMapping/>
+  </p:clrMapOvr>
+  <p:timing>
+    <p:tnLst>
+      <p:par>
+        <p:cTn id="1" dur="indefinite" restart="never" nodeType="tmRoot">
+          <p:childTnLst>
+            <p:seq concurrent="1" nextAc="seek">
+              <p:cTn id="2" dur="indefinite" nodeType="mainSeq">
+                <p:childTnLst>
+                  <p:par>
+                    <p:cTn id="3" fill="hold">
+                      <p:stCondLst>
+                        <p:cond delay="indefinite"/>
+                      </p:stCondLst>
+                      <p:childTnLst>
+                        <p:par>
+                          <p:cTn id="4" fill="hold">
+                            <p:stCondLst>
+                              <p:cond delay="0"/>
+                            </p:stCondLst>
+                            <p:childTnLst>
+                              <p:par>
+                                <p:cTn id="5" presetID="1" presetClass="entr" presetSubtype="0" fill="hold" grpId="0" nodeType="clickEffect">
+                                  <p:stCondLst>
+                                    <p:cond delay="0"/>
+                                  </p:stCondLst>
+                                  <p:childTnLst>
+                                    <p:set>
+                                      <p:cBhvr>
+                                        <p:cTn id="6" dur="1" fill="hold">
+                                          <p:stCondLst>
+                                            <p:cond delay="0"/>
+                                          </p:stCondLst>
+                                        </p:cTn>
+                                        <p:tgtEl>
+                                          <p:spTgt spid="3"/>
+                                        </p:tgtEl>
+                                        <p:attrNameLst>
+                                          <p:attrName>style.visibility</p:attrName>
+                                        </p:attrNameLst>
+                                      </p:cBhvr>
+                                      <p:to>
+                                        <p:strVal val="visible"/>
+                                      </p:to>
+                                    </p:set>
+                                  </p:childTnLst>
+                                </p:cTn>
+                              </p:par>
+                            </p:childTnLst>
+                          </p:cTn>
+                        </p:par>
+                      </p:childTnLst>
+                    </p:cTn>
+                  </p:par>
+                </p:childTnLst>
+              </p:cTn>
+              <p:prevCondLst>
+                <p:cond evt="onPrev" delay="0">
+                  <p:tgtEl>
+                    <p:sldTgt/>
+                  </p:tgtEl>
+                </p:cond>
+              </p:prevCondLst>
+              <p:nextCondLst>
+                <p:cond evt="onNext" delay="0">
+                  <p:tgtEl>
+                    <p:sldTgt/>
+                  </p:tgtEl>
+                </p:cond>
+              </p:nextCondLst>
+            </p:seq>
+          </p:childTnLst>
+        </p:cTn>
+      </p:par>
+    </p:tnLst>
+    <p:bldLst>
+      <p:bldP spid="3" grpId="0" animBg="1"/>
+    </p:bldLst>
+  </p:timing>
+</p:sld>
+</file>
+
+<file path=ppt/slides/slide16.xml><?xml version="1.0" encoding="utf-8"?>
+<p:sld xmlns:a="http://schemas.openxmlformats.org/drawingml/2006/main" xmlns:r="http://schemas.openxmlformats.org/officeDocument/2006/relationships" xmlns:p="http://schemas.openxmlformats.org/presentationml/2006/main">
+  <p:cSld>
+    <p:spTree>
+      <p:nvGrpSpPr>
         <p:cNvPr id="1" name="Shape 147"/>
         <p:cNvGrpSpPr/>
         <p:nvPr/>
@@ -6324,7 +11016,7 @@
         </p:nvSpPr>
         <p:spPr>
           <a:xfrm>
-            <a:off x="311700" y="1204862"/>
+            <a:off x="311700" y="1055283"/>
             <a:ext cx="8520600" cy="1175024"/>
           </a:xfrm>
           <a:prstGeom prst="rect">
@@ -6348,7 +11040,7 @@
             </a:pPr>
             <a:r>
               <a:rPr lang="en" sz="1600" dirty="0"/>
-              <a:t>PyCaret is an open source, low-code machine learning library in Python that aims to reduce the cycle time from hypothesis to insights. PyCaret can be used for rapidly developing and deploying machine learning pipeline. </a:t>
+              <a:t>PyCaret is an open source, low-code machine learning library and end-to-end model management tool created to help you automate your machine learning workflows in Python. It is commonly used for rapid prototyping and deployment of ML pipelines.</a:t>
             </a:r>
             <a:endParaRPr sz="1600" dirty="0"/>
           </a:p>
@@ -6696,7 +11388,7 @@
 </p:sld>
 </file>
 
-<file path=ppt/slides/slide12.xml><?xml version="1.0" encoding="utf-8"?>
+<file path=ppt/slides/slide17.xml><?xml version="1.0" encoding="utf-8"?>
 <p:sld xmlns:a="http://schemas.openxmlformats.org/drawingml/2006/main" xmlns:r="http://schemas.openxmlformats.org/officeDocument/2006/relationships" xmlns:p="http://schemas.openxmlformats.org/presentationml/2006/main">
   <p:cSld>
     <p:spTree>
@@ -7027,7 +11719,104 @@
 </p:sld>
 </file>
 
-<file path=ppt/slides/slide13.xml><?xml version="1.0" encoding="utf-8"?>
+<file path=ppt/slides/slide18.xml><?xml version="1.0" encoding="utf-8"?>
+<p:sld xmlns:a="http://schemas.openxmlformats.org/drawingml/2006/main" xmlns:r="http://schemas.openxmlformats.org/officeDocument/2006/relationships" xmlns:p="http://schemas.openxmlformats.org/presentationml/2006/main">
+  <p:cSld>
+    <p:spTree>
+      <p:nvGrpSpPr>
+        <p:cNvPr id="1" name=""/>
+        <p:cNvGrpSpPr/>
+        <p:nvPr/>
+      </p:nvGrpSpPr>
+      <p:grpSpPr>
+        <a:xfrm>
+          <a:off x="0" y="0"/>
+          <a:ext cx="0" cy="0"/>
+          <a:chOff x="0" y="0"/>
+          <a:chExt cx="0" cy="0"/>
+        </a:xfrm>
+      </p:grpSpPr>
+      <p:sp>
+        <p:nvSpPr>
+          <p:cNvPr id="2" name="Title 1">
+            <a:extLst>
+              <a:ext uri="{FF2B5EF4-FFF2-40B4-BE49-F238E27FC236}">
+                <a16:creationId xmlns:a16="http://schemas.microsoft.com/office/drawing/2014/main" id="{4A1621D9-9E41-4493-B2FD-82DBA3DF260D}"/>
+              </a:ext>
+            </a:extLst>
+          </p:cNvPr>
+          <p:cNvSpPr>
+            <a:spLocks noGrp="1"/>
+          </p:cNvSpPr>
+          <p:nvPr>
+            <p:ph type="title"/>
+          </p:nvPr>
+        </p:nvSpPr>
+        <p:spPr>
+          <a:xfrm>
+            <a:off x="3061673" y="1933187"/>
+            <a:ext cx="2702433" cy="572700"/>
+          </a:xfrm>
+        </p:spPr>
+        <p:txBody>
+          <a:bodyPr/>
+          <a:lstStyle/>
+          <a:p>
+            <a:r>
+              <a:rPr lang="en-CA" dirty="0"/>
+              <a:t>End of Demo 1</a:t>
+            </a:r>
+          </a:p>
+        </p:txBody>
+      </p:sp>
+      <p:pic>
+        <p:nvPicPr>
+          <p:cNvPr id="4" name="Google Shape;150;p23">
+            <a:extLst>
+              <a:ext uri="{FF2B5EF4-FFF2-40B4-BE49-F238E27FC236}">
+                <a16:creationId xmlns:a16="http://schemas.microsoft.com/office/drawing/2014/main" id="{A7B358BB-5711-4C07-8401-32E37DE8C09D}"/>
+              </a:ext>
+            </a:extLst>
+          </p:cNvPr>
+          <p:cNvPicPr preferRelativeResize="0"/>
+          <p:nvPr/>
+        </p:nvPicPr>
+        <p:blipFill>
+          <a:blip r:embed="rId2">
+            <a:alphaModFix/>
+          </a:blip>
+          <a:stretch>
+            <a:fillRect/>
+          </a:stretch>
+        </p:blipFill>
+        <p:spPr>
+          <a:xfrm>
+            <a:off x="7585712" y="127725"/>
+            <a:ext cx="1415413" cy="172500"/>
+          </a:xfrm>
+          <a:prstGeom prst="rect">
+            <a:avLst/>
+          </a:prstGeom>
+          <a:noFill/>
+          <a:ln>
+            <a:noFill/>
+          </a:ln>
+        </p:spPr>
+      </p:pic>
+    </p:spTree>
+    <p:extLst>
+      <p:ext uri="{BB962C8B-B14F-4D97-AF65-F5344CB8AC3E}">
+        <p14:creationId xmlns:p14="http://schemas.microsoft.com/office/powerpoint/2010/main" val="1184007052"/>
+      </p:ext>
+    </p:extLst>
+  </p:cSld>
+  <p:clrMapOvr>
+    <a:masterClrMapping/>
+  </p:clrMapOvr>
+</p:sld>
+</file>
+
+<file path=ppt/slides/slide19.xml><?xml version="1.0" encoding="utf-8"?>
 <p:sld xmlns:a="http://schemas.openxmlformats.org/drawingml/2006/main" xmlns:r="http://schemas.openxmlformats.org/officeDocument/2006/relationships" xmlns:p="http://schemas.openxmlformats.org/presentationml/2006/main">
   <p:cSld>
     <p:spTree>
@@ -7201,7 +11990,511 @@
 </p:sld>
 </file>
 
-<file path=ppt/slides/slide14.xml><?xml version="1.0" encoding="utf-8"?>
+<file path=ppt/slides/slide2.xml><?xml version="1.0" encoding="utf-8"?>
+<p:sld xmlns:a="http://schemas.openxmlformats.org/drawingml/2006/main" xmlns:r="http://schemas.openxmlformats.org/officeDocument/2006/relationships" xmlns:p="http://schemas.openxmlformats.org/presentationml/2006/main">
+  <p:cSld>
+    <p:spTree>
+      <p:nvGrpSpPr>
+        <p:cNvPr id="1" name=""/>
+        <p:cNvGrpSpPr/>
+        <p:nvPr/>
+      </p:nvGrpSpPr>
+      <p:grpSpPr>
+        <a:xfrm>
+          <a:off x="0" y="0"/>
+          <a:ext cx="0" cy="0"/>
+          <a:chOff x="0" y="0"/>
+          <a:chExt cx="0" cy="0"/>
+        </a:xfrm>
+      </p:grpSpPr>
+      <p:sp>
+        <p:nvSpPr>
+          <p:cNvPr id="2" name="Title 1">
+            <a:extLst>
+              <a:ext uri="{FF2B5EF4-FFF2-40B4-BE49-F238E27FC236}">
+                <a16:creationId xmlns:a16="http://schemas.microsoft.com/office/drawing/2014/main" id="{A45770D7-6431-455D-B9AE-FD211518C400}"/>
+              </a:ext>
+            </a:extLst>
+          </p:cNvPr>
+          <p:cNvSpPr>
+            <a:spLocks noGrp="1"/>
+          </p:cNvSpPr>
+          <p:nvPr>
+            <p:ph type="title"/>
+          </p:nvPr>
+        </p:nvSpPr>
+        <p:spPr>
+          <a:xfrm>
+            <a:off x="977227" y="272413"/>
+            <a:ext cx="2587504" cy="628068"/>
+          </a:xfrm>
+        </p:spPr>
+        <p:txBody>
+          <a:bodyPr/>
+          <a:lstStyle/>
+          <a:p>
+            <a:pPr algn="l"/>
+            <a:r>
+              <a:rPr lang="en-CA" sz="2800" dirty="0"/>
+              <a:t>About me</a:t>
+            </a:r>
+          </a:p>
+        </p:txBody>
+      </p:sp>
+      <p:pic>
+        <p:nvPicPr>
+          <p:cNvPr id="7" name="Picture 6">
+            <a:extLst>
+              <a:ext uri="{FF2B5EF4-FFF2-40B4-BE49-F238E27FC236}">
+                <a16:creationId xmlns:a16="http://schemas.microsoft.com/office/drawing/2014/main" id="{89A4A56F-0271-41A9-9063-C674F37103AB}"/>
+              </a:ext>
+            </a:extLst>
+          </p:cNvPr>
+          <p:cNvPicPr>
+            <a:picLocks noChangeAspect="1"/>
+          </p:cNvPicPr>
+          <p:nvPr/>
+        </p:nvPicPr>
+        <p:blipFill>
+          <a:blip r:embed="rId2"/>
+          <a:srcRect/>
+          <a:stretch/>
+        </p:blipFill>
+        <p:spPr>
+          <a:xfrm>
+            <a:off x="132519" y="150392"/>
+            <a:ext cx="753080" cy="753080"/>
+          </a:xfrm>
+          <a:prstGeom prst="rect">
+            <a:avLst/>
+          </a:prstGeom>
+        </p:spPr>
+      </p:pic>
+      <p:sp>
+        <p:nvSpPr>
+          <p:cNvPr id="8" name="TextBox 7">
+            <a:extLst>
+              <a:ext uri="{FF2B5EF4-FFF2-40B4-BE49-F238E27FC236}">
+                <a16:creationId xmlns:a16="http://schemas.microsoft.com/office/drawing/2014/main" id="{A0C2AC5B-CD16-4FBB-8763-2EB9B4D781FE}"/>
+              </a:ext>
+            </a:extLst>
+          </p:cNvPr>
+          <p:cNvSpPr txBox="1"/>
+          <p:nvPr/>
+        </p:nvSpPr>
+        <p:spPr>
+          <a:xfrm>
+            <a:off x="233119" y="1304643"/>
+            <a:ext cx="7486650" cy="1969770"/>
+          </a:xfrm>
+          <a:prstGeom prst="rect">
+            <a:avLst/>
+          </a:prstGeom>
+          <a:noFill/>
+        </p:spPr>
+        <p:txBody>
+          <a:bodyPr wrap="square" rtlCol="0">
+            <a:spAutoFit/>
+          </a:bodyPr>
+          <a:lstStyle/>
+          <a:p>
+            <a:pPr marL="285750" indent="-285750">
+              <a:buFont typeface="Arial" panose="020B0604020202020204" pitchFamily="34" charset="0"/>
+              <a:buChar char="•"/>
+            </a:pPr>
+            <a:r>
+              <a:rPr lang="en-CA" sz="1200" dirty="0"/>
+              <a:t>Data Analytics Leader by day and passionate Data Scientist by night</a:t>
+            </a:r>
+          </a:p>
+          <a:p>
+            <a:pPr marL="285750" indent="-285750">
+              <a:buFont typeface="Arial" panose="020B0604020202020204" pitchFamily="34" charset="0"/>
+              <a:buChar char="•"/>
+            </a:pPr>
+            <a:endParaRPr lang="en-CA" sz="1200" dirty="0"/>
+          </a:p>
+          <a:p>
+            <a:pPr marL="285750" indent="-285750">
+              <a:buFont typeface="Arial" panose="020B0604020202020204" pitchFamily="34" charset="0"/>
+              <a:buChar char="•"/>
+            </a:pPr>
+            <a:r>
+              <a:rPr lang="en-CA" sz="1200" dirty="0"/>
+              <a:t>Active open-source contributor</a:t>
+            </a:r>
+          </a:p>
+          <a:p>
+            <a:pPr marL="285750" indent="-285750">
+              <a:buFont typeface="Arial" panose="020B0604020202020204" pitchFamily="34" charset="0"/>
+              <a:buChar char="•"/>
+            </a:pPr>
+            <a:endParaRPr lang="en-CA" sz="1200" dirty="0"/>
+          </a:p>
+          <a:p>
+            <a:pPr marL="285750" indent="-285750">
+              <a:buFont typeface="Arial" panose="020B0604020202020204" pitchFamily="34" charset="0"/>
+              <a:buChar char="•"/>
+            </a:pPr>
+            <a:r>
+              <a:rPr lang="en-CA" sz="1200" dirty="0"/>
+              <a:t>Member of CPA, CMA, Canada and ACMA, UK, CGMA </a:t>
+            </a:r>
+          </a:p>
+          <a:p>
+            <a:pPr marL="285750" indent="-285750">
+              <a:buFont typeface="Arial" panose="020B0604020202020204" pitchFamily="34" charset="0"/>
+              <a:buChar char="•"/>
+            </a:pPr>
+            <a:endParaRPr lang="en-CA" sz="1200" dirty="0"/>
+          </a:p>
+          <a:p>
+            <a:pPr marL="285750" indent="-285750">
+              <a:buFont typeface="Arial" panose="020B0604020202020204" pitchFamily="34" charset="0"/>
+              <a:buChar char="•"/>
+            </a:pPr>
+            <a:r>
+              <a:rPr lang="en-CA" sz="1200" dirty="0"/>
+              <a:t>Lived and worked in Asia, Middle East, East Africa, North America</a:t>
+            </a:r>
+          </a:p>
+          <a:p>
+            <a:pPr marL="285750" indent="-285750">
+              <a:buFont typeface="Arial" panose="020B0604020202020204" pitchFamily="34" charset="0"/>
+              <a:buChar char="•"/>
+            </a:pPr>
+            <a:endParaRPr lang="en-CA" sz="1200" dirty="0"/>
+          </a:p>
+          <a:p>
+            <a:pPr marL="285750" indent="-285750">
+              <a:buFont typeface="Arial" panose="020B0604020202020204" pitchFamily="34" charset="0"/>
+              <a:buChar char="•"/>
+            </a:pPr>
+            <a:r>
+              <a:rPr lang="en-CA" sz="1200" dirty="0"/>
+              <a:t>Currently based in Toronto, Canada</a:t>
+            </a:r>
+          </a:p>
+          <a:p>
+            <a:endParaRPr lang="en-CA" dirty="0"/>
+          </a:p>
+        </p:txBody>
+      </p:sp>
+      <p:sp>
+        <p:nvSpPr>
+          <p:cNvPr id="9" name="Rectangle 8">
+            <a:extLst>
+              <a:ext uri="{FF2B5EF4-FFF2-40B4-BE49-F238E27FC236}">
+                <a16:creationId xmlns:a16="http://schemas.microsoft.com/office/drawing/2014/main" id="{963ED692-BFED-43BE-8C81-1974DF099332}"/>
+              </a:ext>
+            </a:extLst>
+          </p:cNvPr>
+          <p:cNvSpPr/>
+          <p:nvPr/>
+        </p:nvSpPr>
+        <p:spPr>
+          <a:xfrm>
+            <a:off x="885599" y="3482685"/>
+            <a:ext cx="2965877" cy="276999"/>
+          </a:xfrm>
+          <a:prstGeom prst="rect">
+            <a:avLst/>
+          </a:prstGeom>
+        </p:spPr>
+        <p:txBody>
+          <a:bodyPr wrap="none">
+            <a:spAutoFit/>
+          </a:bodyPr>
+          <a:lstStyle/>
+          <a:p>
+            <a:r>
+              <a:rPr lang="en-CA" sz="1200" dirty="0">
+                <a:hlinkClick r:id="rId3"/>
+              </a:rPr>
+              <a:t>https://www.linkedin.com/in/profile-moez/</a:t>
+            </a:r>
+            <a:endParaRPr lang="en-CA" sz="1200" dirty="0"/>
+          </a:p>
+        </p:txBody>
+      </p:sp>
+      <p:pic>
+        <p:nvPicPr>
+          <p:cNvPr id="11" name="Picture 10" descr="A picture containing drawing&#10;&#10;Description automatically generated">
+            <a:extLst>
+              <a:ext uri="{FF2B5EF4-FFF2-40B4-BE49-F238E27FC236}">
+                <a16:creationId xmlns:a16="http://schemas.microsoft.com/office/drawing/2014/main" id="{B86475EB-F33B-4A3F-B8D3-A8FD751278E0}"/>
+              </a:ext>
+            </a:extLst>
+          </p:cNvPr>
+          <p:cNvPicPr>
+            <a:picLocks noChangeAspect="1"/>
+          </p:cNvPicPr>
+          <p:nvPr/>
+        </p:nvPicPr>
+        <p:blipFill>
+          <a:blip r:embed="rId4"/>
+          <a:stretch>
+            <a:fillRect/>
+          </a:stretch>
+        </p:blipFill>
+        <p:spPr>
+          <a:xfrm>
+            <a:off x="233119" y="3474442"/>
+            <a:ext cx="586242" cy="307777"/>
+          </a:xfrm>
+          <a:prstGeom prst="rect">
+            <a:avLst/>
+          </a:prstGeom>
+        </p:spPr>
+      </p:pic>
+      <p:pic>
+        <p:nvPicPr>
+          <p:cNvPr id="13" name="Picture 12">
+            <a:extLst>
+              <a:ext uri="{FF2B5EF4-FFF2-40B4-BE49-F238E27FC236}">
+                <a16:creationId xmlns:a16="http://schemas.microsoft.com/office/drawing/2014/main" id="{E1636C95-F555-466D-9ECF-054D162971C8}"/>
+              </a:ext>
+            </a:extLst>
+          </p:cNvPr>
+          <p:cNvPicPr>
+            <a:picLocks noChangeAspect="1"/>
+          </p:cNvPicPr>
+          <p:nvPr/>
+        </p:nvPicPr>
+        <p:blipFill>
+          <a:blip r:embed="rId5"/>
+          <a:srcRect/>
+          <a:stretch/>
+        </p:blipFill>
+        <p:spPr>
+          <a:xfrm flipH="1">
+            <a:off x="346560" y="3886801"/>
+            <a:ext cx="359359" cy="358640"/>
+          </a:xfrm>
+          <a:prstGeom prst="rect">
+            <a:avLst/>
+          </a:prstGeom>
+        </p:spPr>
+      </p:pic>
+      <p:sp>
+        <p:nvSpPr>
+          <p:cNvPr id="14" name="Rectangle 13">
+            <a:extLst>
+              <a:ext uri="{FF2B5EF4-FFF2-40B4-BE49-F238E27FC236}">
+                <a16:creationId xmlns:a16="http://schemas.microsoft.com/office/drawing/2014/main" id="{61AD6D18-6B39-4821-969E-CBD54FF2EE22}"/>
+              </a:ext>
+            </a:extLst>
+          </p:cNvPr>
+          <p:cNvSpPr/>
+          <p:nvPr/>
+        </p:nvSpPr>
+        <p:spPr>
+          <a:xfrm>
+            <a:off x="885599" y="3912233"/>
+            <a:ext cx="2619628" cy="276999"/>
+          </a:xfrm>
+          <a:prstGeom prst="rect">
+            <a:avLst/>
+          </a:prstGeom>
+        </p:spPr>
+        <p:txBody>
+          <a:bodyPr wrap="none">
+            <a:spAutoFit/>
+          </a:bodyPr>
+          <a:lstStyle/>
+          <a:p>
+            <a:r>
+              <a:rPr lang="en-CA" sz="1200" dirty="0">
+                <a:hlinkClick r:id="rId6"/>
+              </a:rPr>
+              <a:t>https://twitter.com/moezpycaretorg1</a:t>
+            </a:r>
+            <a:endParaRPr lang="en-CA" sz="1200" dirty="0"/>
+          </a:p>
+        </p:txBody>
+      </p:sp>
+      <p:pic>
+        <p:nvPicPr>
+          <p:cNvPr id="17" name="Picture 16">
+            <a:extLst>
+              <a:ext uri="{FF2B5EF4-FFF2-40B4-BE49-F238E27FC236}">
+                <a16:creationId xmlns:a16="http://schemas.microsoft.com/office/drawing/2014/main" id="{ED7E2016-CDC3-427A-97F1-87FFA46165A1}"/>
+              </a:ext>
+            </a:extLst>
+          </p:cNvPr>
+          <p:cNvPicPr>
+            <a:picLocks noChangeAspect="1"/>
+          </p:cNvPicPr>
+          <p:nvPr/>
+        </p:nvPicPr>
+        <p:blipFill>
+          <a:blip r:embed="rId7"/>
+          <a:stretch>
+            <a:fillRect/>
+          </a:stretch>
+        </p:blipFill>
+        <p:spPr>
+          <a:xfrm>
+            <a:off x="4577377" y="3569638"/>
+            <a:ext cx="586242" cy="163257"/>
+          </a:xfrm>
+          <a:prstGeom prst="rect">
+            <a:avLst/>
+          </a:prstGeom>
+        </p:spPr>
+      </p:pic>
+      <p:sp>
+        <p:nvSpPr>
+          <p:cNvPr id="18" name="Rectangle 17">
+            <a:extLst>
+              <a:ext uri="{FF2B5EF4-FFF2-40B4-BE49-F238E27FC236}">
+                <a16:creationId xmlns:a16="http://schemas.microsoft.com/office/drawing/2014/main" id="{2001313C-376C-44E9-8B0D-8E76E7E6E94F}"/>
+              </a:ext>
+            </a:extLst>
+          </p:cNvPr>
+          <p:cNvSpPr/>
+          <p:nvPr/>
+        </p:nvSpPr>
+        <p:spPr>
+          <a:xfrm>
+            <a:off x="5343299" y="3474442"/>
+            <a:ext cx="2653290" cy="276999"/>
+          </a:xfrm>
+          <a:prstGeom prst="rect">
+            <a:avLst/>
+          </a:prstGeom>
+        </p:spPr>
+        <p:txBody>
+          <a:bodyPr wrap="none">
+            <a:spAutoFit/>
+          </a:bodyPr>
+          <a:lstStyle/>
+          <a:p>
+            <a:r>
+              <a:rPr lang="en-CA" sz="1200" dirty="0">
+                <a:hlinkClick r:id="rId8"/>
+              </a:rPr>
+              <a:t>https://medium.com/@moez_62905/</a:t>
+            </a:r>
+            <a:endParaRPr lang="en-CA" sz="1200" dirty="0"/>
+          </a:p>
+        </p:txBody>
+      </p:sp>
+      <p:pic>
+        <p:nvPicPr>
+          <p:cNvPr id="20" name="Picture 19" descr="A picture containing clock&#10;&#10;Description automatically generated">
+            <a:extLst>
+              <a:ext uri="{FF2B5EF4-FFF2-40B4-BE49-F238E27FC236}">
+                <a16:creationId xmlns:a16="http://schemas.microsoft.com/office/drawing/2014/main" id="{C8CD2394-B976-4F83-8B85-2FA9951C8B3F}"/>
+              </a:ext>
+            </a:extLst>
+          </p:cNvPr>
+          <p:cNvPicPr>
+            <a:picLocks noChangeAspect="1"/>
+          </p:cNvPicPr>
+          <p:nvPr/>
+        </p:nvPicPr>
+        <p:blipFill>
+          <a:blip r:embed="rId9"/>
+          <a:stretch>
+            <a:fillRect/>
+          </a:stretch>
+        </p:blipFill>
+        <p:spPr>
+          <a:xfrm>
+            <a:off x="4624580" y="3851420"/>
+            <a:ext cx="335756" cy="335756"/>
+          </a:xfrm>
+          <a:prstGeom prst="rect">
+            <a:avLst/>
+          </a:prstGeom>
+        </p:spPr>
+      </p:pic>
+      <p:sp>
+        <p:nvSpPr>
+          <p:cNvPr id="22" name="Rectangle 21">
+            <a:extLst>
+              <a:ext uri="{FF2B5EF4-FFF2-40B4-BE49-F238E27FC236}">
+                <a16:creationId xmlns:a16="http://schemas.microsoft.com/office/drawing/2014/main" id="{BDA01FB2-E014-42AE-AE53-DEE6022F4DFA}"/>
+              </a:ext>
+            </a:extLst>
+          </p:cNvPr>
+          <p:cNvSpPr/>
+          <p:nvPr/>
+        </p:nvSpPr>
+        <p:spPr>
+          <a:xfrm>
+            <a:off x="5343299" y="3889020"/>
+            <a:ext cx="1483098" cy="276999"/>
+          </a:xfrm>
+          <a:prstGeom prst="rect">
+            <a:avLst/>
+          </a:prstGeom>
+        </p:spPr>
+        <p:txBody>
+          <a:bodyPr wrap="none">
+            <a:spAutoFit/>
+          </a:bodyPr>
+          <a:lstStyle/>
+          <a:p>
+            <a:r>
+              <a:rPr lang="en-CA" sz="1200" dirty="0">
+                <a:hlinkClick r:id="rId10"/>
+              </a:rPr>
+              <a:t>moez@pycaret.org</a:t>
+            </a:r>
+            <a:endParaRPr lang="en-CA" sz="1200" dirty="0"/>
+          </a:p>
+        </p:txBody>
+      </p:sp>
+      <p:pic>
+        <p:nvPicPr>
+          <p:cNvPr id="15" name="Google Shape;150;p23">
+            <a:extLst>
+              <a:ext uri="{FF2B5EF4-FFF2-40B4-BE49-F238E27FC236}">
+                <a16:creationId xmlns:a16="http://schemas.microsoft.com/office/drawing/2014/main" id="{61E0399A-65C4-4AF2-8A96-D6286A5CF82B}"/>
+              </a:ext>
+            </a:extLst>
+          </p:cNvPr>
+          <p:cNvPicPr preferRelativeResize="0"/>
+          <p:nvPr/>
+        </p:nvPicPr>
+        <p:blipFill>
+          <a:blip r:embed="rId11">
+            <a:alphaModFix/>
+          </a:blip>
+          <a:stretch>
+            <a:fillRect/>
+          </a:stretch>
+        </p:blipFill>
+        <p:spPr>
+          <a:xfrm>
+            <a:off x="7585712" y="127725"/>
+            <a:ext cx="1415413" cy="172500"/>
+          </a:xfrm>
+          <a:prstGeom prst="rect">
+            <a:avLst/>
+          </a:prstGeom>
+          <a:noFill/>
+          <a:ln>
+            <a:noFill/>
+          </a:ln>
+        </p:spPr>
+      </p:pic>
+    </p:spTree>
+    <p:extLst>
+      <p:ext uri="{BB962C8B-B14F-4D97-AF65-F5344CB8AC3E}">
+        <p14:creationId xmlns:p14="http://schemas.microsoft.com/office/powerpoint/2010/main" val="3936167577"/>
+      </p:ext>
+    </p:extLst>
+  </p:cSld>
+  <p:clrMapOvr>
+    <a:masterClrMapping/>
+  </p:clrMapOvr>
+</p:sld>
+</file>
+
+<file path=ppt/slides/slide20.xml><?xml version="1.0" encoding="utf-8"?>
 <p:sld xmlns:a="http://schemas.openxmlformats.org/drawingml/2006/main" xmlns:r="http://schemas.openxmlformats.org/officeDocument/2006/relationships" xmlns:p="http://schemas.openxmlformats.org/presentationml/2006/main">
   <p:cSld>
     <p:spTree>
@@ -7396,7 +12689,7 @@
 </p:sld>
 </file>
 
-<file path=ppt/slides/slide15.xml><?xml version="1.0" encoding="utf-8"?>
+<file path=ppt/slides/slide21.xml><?xml version="1.0" encoding="utf-8"?>
 <p:sld xmlns:a="http://schemas.openxmlformats.org/drawingml/2006/main" xmlns:r="http://schemas.openxmlformats.org/officeDocument/2006/relationships" xmlns:p="http://schemas.openxmlformats.org/presentationml/2006/main">
   <p:cSld>
     <p:spTree>
@@ -7523,7 +12816,7 @@
 </p:sld>
 </file>
 
-<file path=ppt/slides/slide16.xml><?xml version="1.0" encoding="utf-8"?>
+<file path=ppt/slides/slide22.xml><?xml version="1.0" encoding="utf-8"?>
 <p:sld xmlns:a="http://schemas.openxmlformats.org/drawingml/2006/main" xmlns:r="http://schemas.openxmlformats.org/officeDocument/2006/relationships" xmlns:p="http://schemas.openxmlformats.org/presentationml/2006/main">
   <p:cSld>
     <p:spTree>
@@ -7753,7 +13046,7 @@
 </p:sld>
 </file>
 
-<file path=ppt/slides/slide17.xml><?xml version="1.0" encoding="utf-8"?>
+<file path=ppt/slides/slide23.xml><?xml version="1.0" encoding="utf-8"?>
 <p:sld xmlns:a="http://schemas.openxmlformats.org/drawingml/2006/main" xmlns:r="http://schemas.openxmlformats.org/officeDocument/2006/relationships" xmlns:p="http://schemas.openxmlformats.org/presentationml/2006/main">
   <p:cSld>
     <p:spTree>
@@ -7924,7 +13217,7 @@
 </p:sld>
 </file>
 
-<file path=ppt/slides/slide18.xml><?xml version="1.0" encoding="utf-8"?>
+<file path=ppt/slides/slide24.xml><?xml version="1.0" encoding="utf-8"?>
 <p:sld xmlns:a="http://schemas.openxmlformats.org/drawingml/2006/main" xmlns:r="http://schemas.openxmlformats.org/officeDocument/2006/relationships" xmlns:p="http://schemas.openxmlformats.org/presentationml/2006/main">
   <p:cSld>
     <p:spTree>
@@ -8008,207 +13301,71 @@
           </a:ln>
         </p:spPr>
       </p:pic>
-      <p:sp>
-        <p:nvSpPr>
-          <p:cNvPr id="7" name="Google Shape;207;p29">
+      <p:pic>
+        <p:nvPicPr>
+          <p:cNvPr id="5" name="Picture 4">
+            <a:hlinkClick r:id="rId3"/>
             <a:extLst>
               <a:ext uri="{FF2B5EF4-FFF2-40B4-BE49-F238E27FC236}">
-                <a16:creationId xmlns:a16="http://schemas.microsoft.com/office/drawing/2014/main" id="{93077EF6-C4CD-4B80-AEB0-FF388C040651}"/>
+                <a16:creationId xmlns:a16="http://schemas.microsoft.com/office/drawing/2014/main" id="{41A6739D-498D-4E45-83ED-21F2754B512C}"/>
               </a:ext>
             </a:extLst>
           </p:cNvPr>
-          <p:cNvSpPr txBox="1"/>
+          <p:cNvPicPr>
+            <a:picLocks noChangeAspect="1"/>
+          </p:cNvPicPr>
+          <p:nvPr/>
+        </p:nvPicPr>
+        <p:blipFill>
+          <a:blip r:embed="rId4"/>
+          <a:stretch>
+            <a:fillRect/>
+          </a:stretch>
+        </p:blipFill>
+        <p:spPr>
+          <a:xfrm>
+            <a:off x="1380227" y="1025171"/>
+            <a:ext cx="5487933" cy="2961413"/>
+          </a:xfrm>
+          <a:prstGeom prst="rect">
+            <a:avLst/>
+          </a:prstGeom>
+        </p:spPr>
+      </p:pic>
+      <p:sp>
+        <p:nvSpPr>
+          <p:cNvPr id="6" name="Rectangle 5">
+            <a:extLst>
+              <a:ext uri="{FF2B5EF4-FFF2-40B4-BE49-F238E27FC236}">
+                <a16:creationId xmlns:a16="http://schemas.microsoft.com/office/drawing/2014/main" id="{70AEBB3D-4B9D-4822-BB26-434626D9D0AD}"/>
+              </a:ext>
+            </a:extLst>
+          </p:cNvPr>
+          <p:cNvSpPr/>
           <p:nvPr/>
         </p:nvSpPr>
         <p:spPr>
           <a:xfrm>
-            <a:off x="143777" y="781212"/>
-            <a:ext cx="8173876" cy="1406575"/>
+            <a:off x="2157306" y="4118329"/>
+            <a:ext cx="4572000" cy="738664"/>
           </a:xfrm>
           <a:prstGeom prst="rect">
             <a:avLst/>
           </a:prstGeom>
-          <a:noFill/>
-          <a:ln>
-            <a:noFill/>
-          </a:ln>
         </p:spPr>
         <p:txBody>
-          <a:bodyPr spcFirstLastPara="1" wrap="square" lIns="91425" tIns="91425" rIns="91425" bIns="91425" anchor="t" anchorCtr="0">
-            <a:noAutofit/>
+          <a:bodyPr>
+            <a:spAutoFit/>
           </a:bodyPr>
           <a:lstStyle/>
           <a:p>
-            <a:pPr marL="457200" lvl="0" indent="-317500" algn="l" rtl="0">
-              <a:lnSpc>
-                <a:spcPct val="115000"/>
-              </a:lnSpc>
-              <a:spcBef>
-                <a:spcPts val="1100"/>
-              </a:spcBef>
-              <a:spcAft>
-                <a:spcPts val="0"/>
-              </a:spcAft>
-              <a:buClr>
-                <a:srgbClr val="201F1E"/>
-              </a:buClr>
-              <a:buSzPts val="1400"/>
-              <a:buFont typeface="Arial"/>
-              <a:buAutoNum type="arabicPeriod"/>
-            </a:pPr>
-            <a:r>
-              <a:rPr lang="en" dirty="0">
-                <a:solidFill>
-                  <a:srgbClr val="201F1E"/>
-                </a:solidFill>
-                <a:highlight>
-                  <a:srgbClr val="FFFFFF"/>
-                </a:highlight>
-              </a:rPr>
-              <a:t>Clone repository from </a:t>
-            </a:r>
-            <a:r>
-              <a:rPr lang="en-CA" u="sng" dirty="0">
-                <a:solidFill>
-                  <a:schemeClr val="hlink"/>
-                </a:solidFill>
-                <a:highlight>
-                  <a:srgbClr val="FFFFFF"/>
-                </a:highlight>
+            <a:r>
+              <a:rPr lang="en-CA" dirty="0">
                 <a:hlinkClick r:id="rId3"/>
               </a:rPr>
-              <a:t>https://github.com/pycaret/pycaret-demo-td</a:t>
-            </a:r>
-            <a:endParaRPr dirty="0">
-              <a:solidFill>
-                <a:srgbClr val="201F1E"/>
-              </a:solidFill>
-              <a:highlight>
-                <a:srgbClr val="FFFFFF"/>
-              </a:highlight>
-            </a:endParaRPr>
-          </a:p>
-          <a:p>
-            <a:pPr marL="457200" lvl="0" indent="-317500" algn="l" rtl="0">
-              <a:lnSpc>
-                <a:spcPct val="115000"/>
-              </a:lnSpc>
-              <a:spcBef>
-                <a:spcPts val="0"/>
-              </a:spcBef>
-              <a:spcAft>
-                <a:spcPts val="0"/>
-              </a:spcAft>
-              <a:buClr>
-                <a:srgbClr val="201F1E"/>
-              </a:buClr>
-              <a:buSzPts val="1400"/>
-              <a:buFont typeface="Arial"/>
-              <a:buAutoNum type="arabicPeriod"/>
-            </a:pPr>
-            <a:r>
-              <a:rPr lang="en" dirty="0">
-                <a:solidFill>
-                  <a:srgbClr val="201F1E"/>
-                </a:solidFill>
-                <a:highlight>
-                  <a:srgbClr val="FFFFFF"/>
-                </a:highlight>
-              </a:rPr>
-              <a:t>Install PyCaret by running "</a:t>
-            </a:r>
-            <a:r>
-              <a:rPr lang="en" dirty="0">
-                <a:solidFill>
-                  <a:srgbClr val="201F1E"/>
-                </a:solidFill>
-                <a:highlight>
-                  <a:srgbClr val="FFFF00"/>
-                </a:highlight>
-              </a:rPr>
-              <a:t>pip install pycaret-nightly</a:t>
-            </a:r>
-            <a:r>
-              <a:rPr lang="en" dirty="0">
-                <a:solidFill>
-                  <a:srgbClr val="201F1E"/>
-                </a:solidFill>
-                <a:highlight>
-                  <a:srgbClr val="FFFFFF"/>
-                </a:highlight>
-              </a:rPr>
-              <a:t>" in Notebook or in Anaconda prompt</a:t>
-            </a:r>
-            <a:endParaRPr dirty="0">
-              <a:solidFill>
-                <a:srgbClr val="201F1E"/>
-              </a:solidFill>
-              <a:highlight>
-                <a:srgbClr val="FFFFFF"/>
-              </a:highlight>
-            </a:endParaRPr>
-          </a:p>
-          <a:p>
-            <a:pPr marL="457200" lvl="0" indent="-317500" algn="l" rtl="0">
-              <a:lnSpc>
-                <a:spcPct val="115000"/>
-              </a:lnSpc>
-              <a:spcBef>
-                <a:spcPts val="0"/>
-              </a:spcBef>
-              <a:spcAft>
-                <a:spcPts val="0"/>
-              </a:spcAft>
-              <a:buClr>
-                <a:srgbClr val="201F1E"/>
-              </a:buClr>
-              <a:buSzPts val="1400"/>
-              <a:buFont typeface="Arial"/>
-              <a:buAutoNum type="arabicPeriod"/>
-            </a:pPr>
-            <a:r>
-              <a:rPr lang="en" dirty="0">
-                <a:solidFill>
-                  <a:srgbClr val="201F1E"/>
-                </a:solidFill>
-                <a:highlight>
-                  <a:srgbClr val="FFFFFF"/>
-                </a:highlight>
-              </a:rPr>
-              <a:t>If you are using MAC OS, you might have to install LightGBM separately. Follow instructions on this link: </a:t>
-            </a:r>
-            <a:r>
-              <a:rPr lang="en" u="sng" dirty="0">
-                <a:solidFill>
-                  <a:schemeClr val="hlink"/>
-                </a:solidFill>
-                <a:highlight>
-                  <a:srgbClr val="FFFFFF"/>
-                </a:highlight>
-                <a:hlinkClick r:id="rId4"/>
-              </a:rPr>
-              <a:t>https://www.pycaret.org/install</a:t>
-            </a:r>
-            <a:endParaRPr u="sng" dirty="0">
-              <a:solidFill>
-                <a:schemeClr val="hlink"/>
-              </a:solidFill>
-              <a:highlight>
-                <a:srgbClr val="FFFFFF"/>
-              </a:highlight>
-            </a:endParaRPr>
-          </a:p>
-          <a:p>
-            <a:pPr marL="0" lvl="0" indent="0" algn="l" rtl="0">
-              <a:spcBef>
-                <a:spcPts val="0"/>
-              </a:spcBef>
-              <a:spcAft>
-                <a:spcPts val="0"/>
-              </a:spcAft>
-              <a:buNone/>
-            </a:pPr>
-            <a:endParaRPr sz="1700" dirty="0"/>
+              <a:t>https://towardsdatascience.com/deploy-machine-learning-pipeline-on-cloud-using-docker-container-bec64458dc01</a:t>
+            </a:r>
+            <a:endParaRPr lang="en-CA" dirty="0"/>
           </a:p>
         </p:txBody>
       </p:sp>
@@ -8225,7 +13382,551 @@
 </p:sld>
 </file>
 
-<file path=ppt/slides/slide19.xml><?xml version="1.0" encoding="utf-8"?>
+<file path=ppt/slides/slide25.xml><?xml version="1.0" encoding="utf-8"?>
+<p:sld xmlns:a="http://schemas.openxmlformats.org/drawingml/2006/main" xmlns:r="http://schemas.openxmlformats.org/officeDocument/2006/relationships" xmlns:p="http://schemas.openxmlformats.org/presentationml/2006/main">
+  <p:cSld>
+    <p:spTree>
+      <p:nvGrpSpPr>
+        <p:cNvPr id="1" name=""/>
+        <p:cNvGrpSpPr/>
+        <p:nvPr/>
+      </p:nvGrpSpPr>
+      <p:grpSpPr>
+        <a:xfrm>
+          <a:off x="0" y="0"/>
+          <a:ext cx="0" cy="0"/>
+          <a:chOff x="0" y="0"/>
+          <a:chExt cx="0" cy="0"/>
+        </a:xfrm>
+      </p:grpSpPr>
+      <p:sp>
+        <p:nvSpPr>
+          <p:cNvPr id="2" name="Title 1">
+            <a:extLst>
+              <a:ext uri="{FF2B5EF4-FFF2-40B4-BE49-F238E27FC236}">
+                <a16:creationId xmlns:a16="http://schemas.microsoft.com/office/drawing/2014/main" id="{4A1621D9-9E41-4493-B2FD-82DBA3DF260D}"/>
+              </a:ext>
+            </a:extLst>
+          </p:cNvPr>
+          <p:cNvSpPr>
+            <a:spLocks noGrp="1"/>
+          </p:cNvSpPr>
+          <p:nvPr>
+            <p:ph type="title"/>
+          </p:nvPr>
+        </p:nvSpPr>
+        <p:spPr>
+          <a:xfrm>
+            <a:off x="311700" y="76725"/>
+            <a:ext cx="8520600" cy="572700"/>
+          </a:xfrm>
+        </p:spPr>
+        <p:txBody>
+          <a:bodyPr/>
+          <a:lstStyle/>
+          <a:p>
+            <a:r>
+              <a:rPr lang="en-CA" dirty="0"/>
+              <a:t>Install Docker Desktop for Windows</a:t>
+            </a:r>
+          </a:p>
+        </p:txBody>
+      </p:sp>
+      <p:pic>
+        <p:nvPicPr>
+          <p:cNvPr id="4" name="Google Shape;150;p23">
+            <a:extLst>
+              <a:ext uri="{FF2B5EF4-FFF2-40B4-BE49-F238E27FC236}">
+                <a16:creationId xmlns:a16="http://schemas.microsoft.com/office/drawing/2014/main" id="{A7B358BB-5711-4C07-8401-32E37DE8C09D}"/>
+              </a:ext>
+            </a:extLst>
+          </p:cNvPr>
+          <p:cNvPicPr preferRelativeResize="0"/>
+          <p:nvPr/>
+        </p:nvPicPr>
+        <p:blipFill>
+          <a:blip r:embed="rId2">
+            <a:alphaModFix/>
+          </a:blip>
+          <a:stretch>
+            <a:fillRect/>
+          </a:stretch>
+        </p:blipFill>
+        <p:spPr>
+          <a:xfrm>
+            <a:off x="7585712" y="127725"/>
+            <a:ext cx="1415413" cy="172500"/>
+          </a:xfrm>
+          <a:prstGeom prst="rect">
+            <a:avLst/>
+          </a:prstGeom>
+          <a:noFill/>
+          <a:ln>
+            <a:noFill/>
+          </a:ln>
+        </p:spPr>
+      </p:pic>
+      <p:pic>
+        <p:nvPicPr>
+          <p:cNvPr id="7" name="Picture 6">
+            <a:extLst>
+              <a:ext uri="{FF2B5EF4-FFF2-40B4-BE49-F238E27FC236}">
+                <a16:creationId xmlns:a16="http://schemas.microsoft.com/office/drawing/2014/main" id="{EE49B036-E3BA-479A-885D-A5C5D576DC36}"/>
+              </a:ext>
+            </a:extLst>
+          </p:cNvPr>
+          <p:cNvPicPr>
+            <a:picLocks noChangeAspect="1"/>
+          </p:cNvPicPr>
+          <p:nvPr/>
+        </p:nvPicPr>
+        <p:blipFill>
+          <a:blip r:embed="rId3"/>
+          <a:stretch>
+            <a:fillRect/>
+          </a:stretch>
+        </p:blipFill>
+        <p:spPr>
+          <a:xfrm>
+            <a:off x="1168534" y="931157"/>
+            <a:ext cx="6698560" cy="2126164"/>
+          </a:xfrm>
+          <a:prstGeom prst="rect">
+            <a:avLst/>
+          </a:prstGeom>
+        </p:spPr>
+      </p:pic>
+      <p:sp>
+        <p:nvSpPr>
+          <p:cNvPr id="8" name="Rectangle 7">
+            <a:extLst>
+              <a:ext uri="{FF2B5EF4-FFF2-40B4-BE49-F238E27FC236}">
+                <a16:creationId xmlns:a16="http://schemas.microsoft.com/office/drawing/2014/main" id="{CD2955AC-D46F-48F0-8AB2-DDB9873773CA}"/>
+              </a:ext>
+            </a:extLst>
+          </p:cNvPr>
+          <p:cNvSpPr/>
+          <p:nvPr/>
+        </p:nvSpPr>
+        <p:spPr>
+          <a:xfrm>
+            <a:off x="1574379" y="3031276"/>
+            <a:ext cx="6011333" cy="307777"/>
+          </a:xfrm>
+          <a:prstGeom prst="rect">
+            <a:avLst/>
+          </a:prstGeom>
+        </p:spPr>
+        <p:txBody>
+          <a:bodyPr wrap="square">
+            <a:spAutoFit/>
+          </a:bodyPr>
+          <a:lstStyle/>
+          <a:p>
+            <a:r>
+              <a:rPr lang="en-CA" dirty="0">
+                <a:latin typeface="medium-content-sans-serif-font"/>
+                <a:hlinkClick r:id="rId4"/>
+              </a:rPr>
+              <a:t>https://hub.docker.com/editions/community/docker-ce-desktop-windows/</a:t>
+            </a:r>
+            <a:endParaRPr lang="en-CA" dirty="0"/>
+          </a:p>
+        </p:txBody>
+      </p:sp>
+      <p:sp>
+        <p:nvSpPr>
+          <p:cNvPr id="10" name="Rectangle 9">
+            <a:extLst>
+              <a:ext uri="{FF2B5EF4-FFF2-40B4-BE49-F238E27FC236}">
+                <a16:creationId xmlns:a16="http://schemas.microsoft.com/office/drawing/2014/main" id="{31200A9B-DC94-4764-A5B7-9C3113ADC9CC}"/>
+              </a:ext>
+            </a:extLst>
+          </p:cNvPr>
+          <p:cNvSpPr/>
+          <p:nvPr/>
+        </p:nvSpPr>
+        <p:spPr>
+          <a:xfrm>
+            <a:off x="1039840" y="3899304"/>
+            <a:ext cx="7196667" cy="307777"/>
+          </a:xfrm>
+          <a:prstGeom prst="rect">
+            <a:avLst/>
+          </a:prstGeom>
+        </p:spPr>
+        <p:txBody>
+          <a:bodyPr wrap="square">
+            <a:spAutoFit/>
+          </a:bodyPr>
+          <a:lstStyle/>
+          <a:p>
+            <a:r>
+              <a:rPr lang="en-CA" dirty="0"/>
+              <a:t>For Windows Home : </a:t>
+            </a:r>
+            <a:r>
+              <a:rPr lang="en-CA" dirty="0">
+                <a:hlinkClick r:id="rId5"/>
+              </a:rPr>
+              <a:t>https://docs.docker.com/docker-for-windows/install-windows-home/</a:t>
+            </a:r>
+            <a:endParaRPr lang="en-CA" dirty="0"/>
+          </a:p>
+        </p:txBody>
+      </p:sp>
+    </p:spTree>
+    <p:extLst>
+      <p:ext uri="{BB962C8B-B14F-4D97-AF65-F5344CB8AC3E}">
+        <p14:creationId xmlns:p14="http://schemas.microsoft.com/office/powerpoint/2010/main" val="4022601581"/>
+      </p:ext>
+    </p:extLst>
+  </p:cSld>
+  <p:clrMapOvr>
+    <a:masterClrMapping/>
+  </p:clrMapOvr>
+</p:sld>
+</file>
+
+<file path=ppt/slides/slide26.xml><?xml version="1.0" encoding="utf-8"?>
+<p:sld xmlns:a="http://schemas.openxmlformats.org/drawingml/2006/main" xmlns:r="http://schemas.openxmlformats.org/officeDocument/2006/relationships" xmlns:p="http://schemas.openxmlformats.org/presentationml/2006/main">
+  <p:cSld>
+    <p:spTree>
+      <p:nvGrpSpPr>
+        <p:cNvPr id="1" name=""/>
+        <p:cNvGrpSpPr/>
+        <p:nvPr/>
+      </p:nvGrpSpPr>
+      <p:grpSpPr>
+        <a:xfrm>
+          <a:off x="0" y="0"/>
+          <a:ext cx="0" cy="0"/>
+          <a:chOff x="0" y="0"/>
+          <a:chExt cx="0" cy="0"/>
+        </a:xfrm>
+      </p:grpSpPr>
+      <p:sp>
+        <p:nvSpPr>
+          <p:cNvPr id="2" name="Title 1">
+            <a:extLst>
+              <a:ext uri="{FF2B5EF4-FFF2-40B4-BE49-F238E27FC236}">
+                <a16:creationId xmlns:a16="http://schemas.microsoft.com/office/drawing/2014/main" id="{4A1621D9-9E41-4493-B2FD-82DBA3DF260D}"/>
+              </a:ext>
+            </a:extLst>
+          </p:cNvPr>
+          <p:cNvSpPr>
+            <a:spLocks noGrp="1"/>
+          </p:cNvSpPr>
+          <p:nvPr>
+            <p:ph type="title"/>
+          </p:nvPr>
+        </p:nvSpPr>
+        <p:spPr>
+          <a:xfrm>
+            <a:off x="311700" y="76725"/>
+            <a:ext cx="8520600" cy="572700"/>
+          </a:xfrm>
+        </p:spPr>
+        <p:txBody>
+          <a:bodyPr/>
+          <a:lstStyle/>
+          <a:p>
+            <a:r>
+              <a:rPr lang="en-CA" dirty="0"/>
+              <a:t>Create Container Registry</a:t>
+            </a:r>
+          </a:p>
+        </p:txBody>
+      </p:sp>
+      <p:pic>
+        <p:nvPicPr>
+          <p:cNvPr id="4" name="Google Shape;150;p23">
+            <a:extLst>
+              <a:ext uri="{FF2B5EF4-FFF2-40B4-BE49-F238E27FC236}">
+                <a16:creationId xmlns:a16="http://schemas.microsoft.com/office/drawing/2014/main" id="{A7B358BB-5711-4C07-8401-32E37DE8C09D}"/>
+              </a:ext>
+            </a:extLst>
+          </p:cNvPr>
+          <p:cNvPicPr preferRelativeResize="0"/>
+          <p:nvPr/>
+        </p:nvPicPr>
+        <p:blipFill>
+          <a:blip r:embed="rId2">
+            <a:alphaModFix/>
+          </a:blip>
+          <a:stretch>
+            <a:fillRect/>
+          </a:stretch>
+        </p:blipFill>
+        <p:spPr>
+          <a:xfrm>
+            <a:off x="7585712" y="127725"/>
+            <a:ext cx="1415413" cy="172500"/>
+          </a:xfrm>
+          <a:prstGeom prst="rect">
+            <a:avLst/>
+          </a:prstGeom>
+          <a:noFill/>
+          <a:ln>
+            <a:noFill/>
+          </a:ln>
+        </p:spPr>
+      </p:pic>
+      <p:pic>
+        <p:nvPicPr>
+          <p:cNvPr id="5" name="Picture 4">
+            <a:extLst>
+              <a:ext uri="{FF2B5EF4-FFF2-40B4-BE49-F238E27FC236}">
+                <a16:creationId xmlns:a16="http://schemas.microsoft.com/office/drawing/2014/main" id="{7F904591-6053-477C-B57E-5EDD4AB0FB25}"/>
+              </a:ext>
+            </a:extLst>
+          </p:cNvPr>
+          <p:cNvPicPr>
+            <a:picLocks noChangeAspect="1"/>
+          </p:cNvPicPr>
+          <p:nvPr/>
+        </p:nvPicPr>
+        <p:blipFill>
+          <a:blip r:embed="rId3"/>
+          <a:stretch>
+            <a:fillRect/>
+          </a:stretch>
+        </p:blipFill>
+        <p:spPr>
+          <a:xfrm>
+            <a:off x="511483" y="1029819"/>
+            <a:ext cx="7552074" cy="3490262"/>
+          </a:xfrm>
+          <a:prstGeom prst="rect">
+            <a:avLst/>
+          </a:prstGeom>
+        </p:spPr>
+      </p:pic>
+    </p:spTree>
+    <p:extLst>
+      <p:ext uri="{BB962C8B-B14F-4D97-AF65-F5344CB8AC3E}">
+        <p14:creationId xmlns:p14="http://schemas.microsoft.com/office/powerpoint/2010/main" val="2350342245"/>
+      </p:ext>
+    </p:extLst>
+  </p:cSld>
+  <p:clrMapOvr>
+    <a:masterClrMapping/>
+  </p:clrMapOvr>
+</p:sld>
+</file>
+
+<file path=ppt/slides/slide27.xml><?xml version="1.0" encoding="utf-8"?>
+<p:sld xmlns:a="http://schemas.openxmlformats.org/drawingml/2006/main" xmlns:r="http://schemas.openxmlformats.org/officeDocument/2006/relationships" xmlns:p="http://schemas.openxmlformats.org/presentationml/2006/main">
+  <p:cSld>
+    <p:spTree>
+      <p:nvGrpSpPr>
+        <p:cNvPr id="1" name=""/>
+        <p:cNvGrpSpPr/>
+        <p:nvPr/>
+      </p:nvGrpSpPr>
+      <p:grpSpPr>
+        <a:xfrm>
+          <a:off x="0" y="0"/>
+          <a:ext cx="0" cy="0"/>
+          <a:chOff x="0" y="0"/>
+          <a:chExt cx="0" cy="0"/>
+        </a:xfrm>
+      </p:grpSpPr>
+      <p:sp>
+        <p:nvSpPr>
+          <p:cNvPr id="2" name="Title 1">
+            <a:extLst>
+              <a:ext uri="{FF2B5EF4-FFF2-40B4-BE49-F238E27FC236}">
+                <a16:creationId xmlns:a16="http://schemas.microsoft.com/office/drawing/2014/main" id="{4A1621D9-9E41-4493-B2FD-82DBA3DF260D}"/>
+              </a:ext>
+            </a:extLst>
+          </p:cNvPr>
+          <p:cNvSpPr>
+            <a:spLocks noGrp="1"/>
+          </p:cNvSpPr>
+          <p:nvPr>
+            <p:ph type="title"/>
+          </p:nvPr>
+        </p:nvSpPr>
+        <p:spPr>
+          <a:xfrm>
+            <a:off x="311700" y="76725"/>
+            <a:ext cx="8520600" cy="572700"/>
+          </a:xfrm>
+        </p:spPr>
+        <p:txBody>
+          <a:bodyPr/>
+          <a:lstStyle/>
+          <a:p>
+            <a:r>
+              <a:rPr lang="en-CA" dirty="0"/>
+              <a:t>Build Docker Image</a:t>
+            </a:r>
+          </a:p>
+        </p:txBody>
+      </p:sp>
+      <p:pic>
+        <p:nvPicPr>
+          <p:cNvPr id="4" name="Google Shape;150;p23">
+            <a:extLst>
+              <a:ext uri="{FF2B5EF4-FFF2-40B4-BE49-F238E27FC236}">
+                <a16:creationId xmlns:a16="http://schemas.microsoft.com/office/drawing/2014/main" id="{A7B358BB-5711-4C07-8401-32E37DE8C09D}"/>
+              </a:ext>
+            </a:extLst>
+          </p:cNvPr>
+          <p:cNvPicPr preferRelativeResize="0"/>
+          <p:nvPr/>
+        </p:nvPicPr>
+        <p:blipFill>
+          <a:blip r:embed="rId2">
+            <a:alphaModFix/>
+          </a:blip>
+          <a:stretch>
+            <a:fillRect/>
+          </a:stretch>
+        </p:blipFill>
+        <p:spPr>
+          <a:xfrm>
+            <a:off x="7585712" y="127725"/>
+            <a:ext cx="1415413" cy="172500"/>
+          </a:xfrm>
+          <a:prstGeom prst="rect">
+            <a:avLst/>
+          </a:prstGeom>
+          <a:noFill/>
+          <a:ln>
+            <a:noFill/>
+          </a:ln>
+        </p:spPr>
+      </p:pic>
+      <p:sp>
+        <p:nvSpPr>
+          <p:cNvPr id="3" name="Rectangle 2">
+            <a:extLst>
+              <a:ext uri="{FF2B5EF4-FFF2-40B4-BE49-F238E27FC236}">
+                <a16:creationId xmlns:a16="http://schemas.microsoft.com/office/drawing/2014/main" id="{618E7EFC-962A-4884-89A2-0E81FC97CCCE}"/>
+              </a:ext>
+            </a:extLst>
+          </p:cNvPr>
+          <p:cNvSpPr/>
+          <p:nvPr/>
+        </p:nvSpPr>
+        <p:spPr>
+          <a:xfrm>
+            <a:off x="311700" y="1007448"/>
+            <a:ext cx="7528559" cy="2462213"/>
+          </a:xfrm>
+          <a:prstGeom prst="rect">
+            <a:avLst/>
+          </a:prstGeom>
+        </p:spPr>
+        <p:txBody>
+          <a:bodyPr wrap="square">
+            <a:spAutoFit/>
+          </a:bodyPr>
+          <a:lstStyle/>
+          <a:p>
+            <a:r>
+              <a:rPr lang="en-CA" b="1" dirty="0">
+                <a:highlight>
+                  <a:srgbClr val="FFFF00"/>
+                </a:highlight>
+              </a:rPr>
+              <a:t># build docker image</a:t>
+            </a:r>
+          </a:p>
+          <a:p>
+            <a:r>
+              <a:rPr lang="en-CA" dirty="0"/>
+              <a:t>docker build -t tdbank.azurecr.io/</a:t>
+            </a:r>
+            <a:r>
+              <a:rPr lang="en-CA" dirty="0" err="1"/>
+              <a:t>pycaret-insurance:latest</a:t>
+            </a:r>
+            <a:r>
+              <a:rPr lang="en-CA" dirty="0"/>
+              <a:t> .</a:t>
+            </a:r>
+          </a:p>
+          <a:p>
+            <a:endParaRPr lang="en-CA" dirty="0"/>
+          </a:p>
+          <a:p>
+            <a:r>
+              <a:rPr lang="en-CA" b="1" dirty="0">
+                <a:highlight>
+                  <a:srgbClr val="FFFF00"/>
+                </a:highlight>
+              </a:rPr>
+              <a:t>#run container locally</a:t>
+            </a:r>
+          </a:p>
+          <a:p>
+            <a:r>
+              <a:rPr lang="en-CA" dirty="0"/>
+              <a:t>docker run -d -p 5000:5000 tdbank.azurecr.io/pycaret-insurance</a:t>
+            </a:r>
+          </a:p>
+          <a:p>
+            <a:endParaRPr lang="en-CA" dirty="0"/>
+          </a:p>
+          <a:p>
+            <a:r>
+              <a:rPr lang="en-CA" b="1" dirty="0">
+                <a:highlight>
+                  <a:srgbClr val="FFFF00"/>
+                </a:highlight>
+              </a:rPr>
+              <a:t>#authenticate registry (one-time)</a:t>
+            </a:r>
+          </a:p>
+          <a:p>
+            <a:r>
+              <a:rPr lang="en-CA" dirty="0"/>
+              <a:t>docker login tdbank.azurecr.io</a:t>
+            </a:r>
+          </a:p>
+          <a:p>
+            <a:endParaRPr lang="en-CA" dirty="0"/>
+          </a:p>
+          <a:p>
+            <a:r>
+              <a:rPr lang="en-CA" b="1" dirty="0">
+                <a:highlight>
+                  <a:srgbClr val="FFFF00"/>
+                </a:highlight>
+              </a:rPr>
+              <a:t>#push image to registry</a:t>
+            </a:r>
+          </a:p>
+          <a:p>
+            <a:r>
+              <a:rPr lang="en-CA" dirty="0"/>
+              <a:t>docker push tdbank.azurecr.io/</a:t>
+            </a:r>
+            <a:r>
+              <a:rPr lang="en-CA" dirty="0" err="1"/>
+              <a:t>pycaret-insurance:latest</a:t>
+            </a:r>
+            <a:endParaRPr lang="en-CA" dirty="0"/>
+          </a:p>
+        </p:txBody>
+      </p:sp>
+    </p:spTree>
+    <p:extLst>
+      <p:ext uri="{BB962C8B-B14F-4D97-AF65-F5344CB8AC3E}">
+        <p14:creationId xmlns:p14="http://schemas.microsoft.com/office/powerpoint/2010/main" val="512953923"/>
+      </p:ext>
+    </p:extLst>
+  </p:cSld>
+  <p:clrMapOvr>
+    <a:masterClrMapping/>
+  </p:clrMapOvr>
+</p:sld>
+</file>
+
+<file path=ppt/slides/slide28.xml><?xml version="1.0" encoding="utf-8"?>
 <p:sld xmlns:a="http://schemas.openxmlformats.org/drawingml/2006/main" xmlns:r="http://schemas.openxmlformats.org/officeDocument/2006/relationships" xmlns:p="http://schemas.openxmlformats.org/presentationml/2006/main">
   <p:cSld>
     <p:spTree>
@@ -8361,510 +14062,6 @@
         </p:spPr>
       </p:pic>
     </p:spTree>
-  </p:cSld>
-  <p:clrMapOvr>
-    <a:masterClrMapping/>
-  </p:clrMapOvr>
-</p:sld>
-</file>
-
-<file path=ppt/slides/slide2.xml><?xml version="1.0" encoding="utf-8"?>
-<p:sld xmlns:a="http://schemas.openxmlformats.org/drawingml/2006/main" xmlns:r="http://schemas.openxmlformats.org/officeDocument/2006/relationships" xmlns:p="http://schemas.openxmlformats.org/presentationml/2006/main">
-  <p:cSld>
-    <p:spTree>
-      <p:nvGrpSpPr>
-        <p:cNvPr id="1" name=""/>
-        <p:cNvGrpSpPr/>
-        <p:nvPr/>
-      </p:nvGrpSpPr>
-      <p:grpSpPr>
-        <a:xfrm>
-          <a:off x="0" y="0"/>
-          <a:ext cx="0" cy="0"/>
-          <a:chOff x="0" y="0"/>
-          <a:chExt cx="0" cy="0"/>
-        </a:xfrm>
-      </p:grpSpPr>
-      <p:sp>
-        <p:nvSpPr>
-          <p:cNvPr id="2" name="Title 1">
-            <a:extLst>
-              <a:ext uri="{FF2B5EF4-FFF2-40B4-BE49-F238E27FC236}">
-                <a16:creationId xmlns:a16="http://schemas.microsoft.com/office/drawing/2014/main" id="{A45770D7-6431-455D-B9AE-FD211518C400}"/>
-              </a:ext>
-            </a:extLst>
-          </p:cNvPr>
-          <p:cNvSpPr>
-            <a:spLocks noGrp="1"/>
-          </p:cNvSpPr>
-          <p:nvPr>
-            <p:ph type="title"/>
-          </p:nvPr>
-        </p:nvSpPr>
-        <p:spPr>
-          <a:xfrm>
-            <a:off x="977227" y="272413"/>
-            <a:ext cx="2587504" cy="628068"/>
-          </a:xfrm>
-        </p:spPr>
-        <p:txBody>
-          <a:bodyPr/>
-          <a:lstStyle/>
-          <a:p>
-            <a:pPr algn="l"/>
-            <a:r>
-              <a:rPr lang="en-CA" sz="2800" dirty="0"/>
-              <a:t>About me</a:t>
-            </a:r>
-          </a:p>
-        </p:txBody>
-      </p:sp>
-      <p:pic>
-        <p:nvPicPr>
-          <p:cNvPr id="7" name="Picture 6">
-            <a:extLst>
-              <a:ext uri="{FF2B5EF4-FFF2-40B4-BE49-F238E27FC236}">
-                <a16:creationId xmlns:a16="http://schemas.microsoft.com/office/drawing/2014/main" id="{89A4A56F-0271-41A9-9063-C674F37103AB}"/>
-              </a:ext>
-            </a:extLst>
-          </p:cNvPr>
-          <p:cNvPicPr>
-            <a:picLocks noChangeAspect="1"/>
-          </p:cNvPicPr>
-          <p:nvPr/>
-        </p:nvPicPr>
-        <p:blipFill>
-          <a:blip r:embed="rId2"/>
-          <a:srcRect/>
-          <a:stretch/>
-        </p:blipFill>
-        <p:spPr>
-          <a:xfrm>
-            <a:off x="132519" y="150392"/>
-            <a:ext cx="753080" cy="753080"/>
-          </a:xfrm>
-          <a:prstGeom prst="rect">
-            <a:avLst/>
-          </a:prstGeom>
-        </p:spPr>
-      </p:pic>
-      <p:sp>
-        <p:nvSpPr>
-          <p:cNvPr id="8" name="TextBox 7">
-            <a:extLst>
-              <a:ext uri="{FF2B5EF4-FFF2-40B4-BE49-F238E27FC236}">
-                <a16:creationId xmlns:a16="http://schemas.microsoft.com/office/drawing/2014/main" id="{A0C2AC5B-CD16-4FBB-8763-2EB9B4D781FE}"/>
-              </a:ext>
-            </a:extLst>
-          </p:cNvPr>
-          <p:cNvSpPr txBox="1"/>
-          <p:nvPr/>
-        </p:nvSpPr>
-        <p:spPr>
-          <a:xfrm>
-            <a:off x="233119" y="1304643"/>
-            <a:ext cx="7486650" cy="1969770"/>
-          </a:xfrm>
-          <a:prstGeom prst="rect">
-            <a:avLst/>
-          </a:prstGeom>
-          <a:noFill/>
-        </p:spPr>
-        <p:txBody>
-          <a:bodyPr wrap="square" rtlCol="0">
-            <a:spAutoFit/>
-          </a:bodyPr>
-          <a:lstStyle/>
-          <a:p>
-            <a:pPr marL="285750" indent="-285750">
-              <a:buFont typeface="Arial" panose="020B0604020202020204" pitchFamily="34" charset="0"/>
-              <a:buChar char="•"/>
-            </a:pPr>
-            <a:r>
-              <a:rPr lang="en-CA" sz="1200" dirty="0"/>
-              <a:t>Data Analytics Leader by day and passionate Data Scientist by night</a:t>
-            </a:r>
-          </a:p>
-          <a:p>
-            <a:pPr marL="285750" indent="-285750">
-              <a:buFont typeface="Arial" panose="020B0604020202020204" pitchFamily="34" charset="0"/>
-              <a:buChar char="•"/>
-            </a:pPr>
-            <a:endParaRPr lang="en-CA" sz="1200" dirty="0"/>
-          </a:p>
-          <a:p>
-            <a:pPr marL="285750" indent="-285750">
-              <a:buFont typeface="Arial" panose="020B0604020202020204" pitchFamily="34" charset="0"/>
-              <a:buChar char="•"/>
-            </a:pPr>
-            <a:r>
-              <a:rPr lang="en-CA" sz="1200" dirty="0"/>
-              <a:t>Active open-source contributor</a:t>
-            </a:r>
-          </a:p>
-          <a:p>
-            <a:pPr marL="285750" indent="-285750">
-              <a:buFont typeface="Arial" panose="020B0604020202020204" pitchFamily="34" charset="0"/>
-              <a:buChar char="•"/>
-            </a:pPr>
-            <a:endParaRPr lang="en-CA" sz="1200" dirty="0"/>
-          </a:p>
-          <a:p>
-            <a:pPr marL="285750" indent="-285750">
-              <a:buFont typeface="Arial" panose="020B0604020202020204" pitchFamily="34" charset="0"/>
-              <a:buChar char="•"/>
-            </a:pPr>
-            <a:r>
-              <a:rPr lang="en-CA" sz="1200" dirty="0"/>
-              <a:t>Member of CPA, CMA, Canada and ACMA, UK, CGMA </a:t>
-            </a:r>
-          </a:p>
-          <a:p>
-            <a:pPr marL="285750" indent="-285750">
-              <a:buFont typeface="Arial" panose="020B0604020202020204" pitchFamily="34" charset="0"/>
-              <a:buChar char="•"/>
-            </a:pPr>
-            <a:endParaRPr lang="en-CA" sz="1200" dirty="0"/>
-          </a:p>
-          <a:p>
-            <a:pPr marL="285750" indent="-285750">
-              <a:buFont typeface="Arial" panose="020B0604020202020204" pitchFamily="34" charset="0"/>
-              <a:buChar char="•"/>
-            </a:pPr>
-            <a:r>
-              <a:rPr lang="en-CA" sz="1200" dirty="0"/>
-              <a:t>Lived and worked in Asia, Middle East, East Africa, North America</a:t>
-            </a:r>
-          </a:p>
-          <a:p>
-            <a:pPr marL="285750" indent="-285750">
-              <a:buFont typeface="Arial" panose="020B0604020202020204" pitchFamily="34" charset="0"/>
-              <a:buChar char="•"/>
-            </a:pPr>
-            <a:endParaRPr lang="en-CA" sz="1200" dirty="0"/>
-          </a:p>
-          <a:p>
-            <a:pPr marL="285750" indent="-285750">
-              <a:buFont typeface="Arial" panose="020B0604020202020204" pitchFamily="34" charset="0"/>
-              <a:buChar char="•"/>
-            </a:pPr>
-            <a:r>
-              <a:rPr lang="en-CA" sz="1200" dirty="0"/>
-              <a:t>Currently based in Toronto, Canada</a:t>
-            </a:r>
-          </a:p>
-          <a:p>
-            <a:endParaRPr lang="en-CA" dirty="0"/>
-          </a:p>
-        </p:txBody>
-      </p:sp>
-      <p:sp>
-        <p:nvSpPr>
-          <p:cNvPr id="9" name="Rectangle 8">
-            <a:extLst>
-              <a:ext uri="{FF2B5EF4-FFF2-40B4-BE49-F238E27FC236}">
-                <a16:creationId xmlns:a16="http://schemas.microsoft.com/office/drawing/2014/main" id="{963ED692-BFED-43BE-8C81-1974DF099332}"/>
-              </a:ext>
-            </a:extLst>
-          </p:cNvPr>
-          <p:cNvSpPr/>
-          <p:nvPr/>
-        </p:nvSpPr>
-        <p:spPr>
-          <a:xfrm>
-            <a:off x="885599" y="3482685"/>
-            <a:ext cx="2965877" cy="276999"/>
-          </a:xfrm>
-          <a:prstGeom prst="rect">
-            <a:avLst/>
-          </a:prstGeom>
-        </p:spPr>
-        <p:txBody>
-          <a:bodyPr wrap="none">
-            <a:spAutoFit/>
-          </a:bodyPr>
-          <a:lstStyle/>
-          <a:p>
-            <a:r>
-              <a:rPr lang="en-CA" sz="1200" dirty="0">
-                <a:hlinkClick r:id="rId3"/>
-              </a:rPr>
-              <a:t>https://www.linkedin.com/in/profile-moez/</a:t>
-            </a:r>
-            <a:endParaRPr lang="en-CA" sz="1200" dirty="0"/>
-          </a:p>
-        </p:txBody>
-      </p:sp>
-      <p:pic>
-        <p:nvPicPr>
-          <p:cNvPr id="11" name="Picture 10" descr="A picture containing drawing&#10;&#10;Description automatically generated">
-            <a:extLst>
-              <a:ext uri="{FF2B5EF4-FFF2-40B4-BE49-F238E27FC236}">
-                <a16:creationId xmlns:a16="http://schemas.microsoft.com/office/drawing/2014/main" id="{B86475EB-F33B-4A3F-B8D3-A8FD751278E0}"/>
-              </a:ext>
-            </a:extLst>
-          </p:cNvPr>
-          <p:cNvPicPr>
-            <a:picLocks noChangeAspect="1"/>
-          </p:cNvPicPr>
-          <p:nvPr/>
-        </p:nvPicPr>
-        <p:blipFill>
-          <a:blip r:embed="rId4"/>
-          <a:stretch>
-            <a:fillRect/>
-          </a:stretch>
-        </p:blipFill>
-        <p:spPr>
-          <a:xfrm>
-            <a:off x="233119" y="3474442"/>
-            <a:ext cx="586242" cy="307777"/>
-          </a:xfrm>
-          <a:prstGeom prst="rect">
-            <a:avLst/>
-          </a:prstGeom>
-        </p:spPr>
-      </p:pic>
-      <p:pic>
-        <p:nvPicPr>
-          <p:cNvPr id="13" name="Picture 12">
-            <a:extLst>
-              <a:ext uri="{FF2B5EF4-FFF2-40B4-BE49-F238E27FC236}">
-                <a16:creationId xmlns:a16="http://schemas.microsoft.com/office/drawing/2014/main" id="{E1636C95-F555-466D-9ECF-054D162971C8}"/>
-              </a:ext>
-            </a:extLst>
-          </p:cNvPr>
-          <p:cNvPicPr>
-            <a:picLocks noChangeAspect="1"/>
-          </p:cNvPicPr>
-          <p:nvPr/>
-        </p:nvPicPr>
-        <p:blipFill>
-          <a:blip r:embed="rId5"/>
-          <a:srcRect/>
-          <a:stretch/>
-        </p:blipFill>
-        <p:spPr>
-          <a:xfrm flipH="1">
-            <a:off x="346560" y="3886801"/>
-            <a:ext cx="359359" cy="358640"/>
-          </a:xfrm>
-          <a:prstGeom prst="rect">
-            <a:avLst/>
-          </a:prstGeom>
-        </p:spPr>
-      </p:pic>
-      <p:sp>
-        <p:nvSpPr>
-          <p:cNvPr id="14" name="Rectangle 13">
-            <a:extLst>
-              <a:ext uri="{FF2B5EF4-FFF2-40B4-BE49-F238E27FC236}">
-                <a16:creationId xmlns:a16="http://schemas.microsoft.com/office/drawing/2014/main" id="{61AD6D18-6B39-4821-969E-CBD54FF2EE22}"/>
-              </a:ext>
-            </a:extLst>
-          </p:cNvPr>
-          <p:cNvSpPr/>
-          <p:nvPr/>
-        </p:nvSpPr>
-        <p:spPr>
-          <a:xfrm>
-            <a:off x="885599" y="3912233"/>
-            <a:ext cx="2619628" cy="276999"/>
-          </a:xfrm>
-          <a:prstGeom prst="rect">
-            <a:avLst/>
-          </a:prstGeom>
-        </p:spPr>
-        <p:txBody>
-          <a:bodyPr wrap="none">
-            <a:spAutoFit/>
-          </a:bodyPr>
-          <a:lstStyle/>
-          <a:p>
-            <a:r>
-              <a:rPr lang="en-CA" sz="1200" dirty="0">
-                <a:hlinkClick r:id="rId6"/>
-              </a:rPr>
-              <a:t>https://twitter.com/moezpycaretorg1</a:t>
-            </a:r>
-            <a:endParaRPr lang="en-CA" sz="1200" dirty="0"/>
-          </a:p>
-        </p:txBody>
-      </p:sp>
-      <p:pic>
-        <p:nvPicPr>
-          <p:cNvPr id="17" name="Picture 16">
-            <a:extLst>
-              <a:ext uri="{FF2B5EF4-FFF2-40B4-BE49-F238E27FC236}">
-                <a16:creationId xmlns:a16="http://schemas.microsoft.com/office/drawing/2014/main" id="{ED7E2016-CDC3-427A-97F1-87FFA46165A1}"/>
-              </a:ext>
-            </a:extLst>
-          </p:cNvPr>
-          <p:cNvPicPr>
-            <a:picLocks noChangeAspect="1"/>
-          </p:cNvPicPr>
-          <p:nvPr/>
-        </p:nvPicPr>
-        <p:blipFill>
-          <a:blip r:embed="rId7"/>
-          <a:stretch>
-            <a:fillRect/>
-          </a:stretch>
-        </p:blipFill>
-        <p:spPr>
-          <a:xfrm>
-            <a:off x="4577377" y="3569638"/>
-            <a:ext cx="586242" cy="163257"/>
-          </a:xfrm>
-          <a:prstGeom prst="rect">
-            <a:avLst/>
-          </a:prstGeom>
-        </p:spPr>
-      </p:pic>
-      <p:sp>
-        <p:nvSpPr>
-          <p:cNvPr id="18" name="Rectangle 17">
-            <a:extLst>
-              <a:ext uri="{FF2B5EF4-FFF2-40B4-BE49-F238E27FC236}">
-                <a16:creationId xmlns:a16="http://schemas.microsoft.com/office/drawing/2014/main" id="{2001313C-376C-44E9-8B0D-8E76E7E6E94F}"/>
-              </a:ext>
-            </a:extLst>
-          </p:cNvPr>
-          <p:cNvSpPr/>
-          <p:nvPr/>
-        </p:nvSpPr>
-        <p:spPr>
-          <a:xfrm>
-            <a:off x="5343299" y="3474442"/>
-            <a:ext cx="2653290" cy="276999"/>
-          </a:xfrm>
-          <a:prstGeom prst="rect">
-            <a:avLst/>
-          </a:prstGeom>
-        </p:spPr>
-        <p:txBody>
-          <a:bodyPr wrap="none">
-            <a:spAutoFit/>
-          </a:bodyPr>
-          <a:lstStyle/>
-          <a:p>
-            <a:r>
-              <a:rPr lang="en-CA" sz="1200" dirty="0">
-                <a:hlinkClick r:id="rId8"/>
-              </a:rPr>
-              <a:t>https://medium.com/@moez_62905/</a:t>
-            </a:r>
-            <a:endParaRPr lang="en-CA" sz="1200" dirty="0"/>
-          </a:p>
-        </p:txBody>
-      </p:sp>
-      <p:pic>
-        <p:nvPicPr>
-          <p:cNvPr id="20" name="Picture 19" descr="A picture containing clock&#10;&#10;Description automatically generated">
-            <a:extLst>
-              <a:ext uri="{FF2B5EF4-FFF2-40B4-BE49-F238E27FC236}">
-                <a16:creationId xmlns:a16="http://schemas.microsoft.com/office/drawing/2014/main" id="{C8CD2394-B976-4F83-8B85-2FA9951C8B3F}"/>
-              </a:ext>
-            </a:extLst>
-          </p:cNvPr>
-          <p:cNvPicPr>
-            <a:picLocks noChangeAspect="1"/>
-          </p:cNvPicPr>
-          <p:nvPr/>
-        </p:nvPicPr>
-        <p:blipFill>
-          <a:blip r:embed="rId9"/>
-          <a:stretch>
-            <a:fillRect/>
-          </a:stretch>
-        </p:blipFill>
-        <p:spPr>
-          <a:xfrm>
-            <a:off x="4624580" y="3851420"/>
-            <a:ext cx="335756" cy="335756"/>
-          </a:xfrm>
-          <a:prstGeom prst="rect">
-            <a:avLst/>
-          </a:prstGeom>
-        </p:spPr>
-      </p:pic>
-      <p:sp>
-        <p:nvSpPr>
-          <p:cNvPr id="22" name="Rectangle 21">
-            <a:extLst>
-              <a:ext uri="{FF2B5EF4-FFF2-40B4-BE49-F238E27FC236}">
-                <a16:creationId xmlns:a16="http://schemas.microsoft.com/office/drawing/2014/main" id="{BDA01FB2-E014-42AE-AE53-DEE6022F4DFA}"/>
-              </a:ext>
-            </a:extLst>
-          </p:cNvPr>
-          <p:cNvSpPr/>
-          <p:nvPr/>
-        </p:nvSpPr>
-        <p:spPr>
-          <a:xfrm>
-            <a:off x="5343299" y="3889020"/>
-            <a:ext cx="1483098" cy="276999"/>
-          </a:xfrm>
-          <a:prstGeom prst="rect">
-            <a:avLst/>
-          </a:prstGeom>
-        </p:spPr>
-        <p:txBody>
-          <a:bodyPr wrap="none">
-            <a:spAutoFit/>
-          </a:bodyPr>
-          <a:lstStyle/>
-          <a:p>
-            <a:r>
-              <a:rPr lang="en-CA" sz="1200" dirty="0">
-                <a:hlinkClick r:id="rId10"/>
-              </a:rPr>
-              <a:t>moez@pycaret.org</a:t>
-            </a:r>
-            <a:endParaRPr lang="en-CA" sz="1200" dirty="0"/>
-          </a:p>
-        </p:txBody>
-      </p:sp>
-      <p:pic>
-        <p:nvPicPr>
-          <p:cNvPr id="15" name="Google Shape;150;p23">
-            <a:extLst>
-              <a:ext uri="{FF2B5EF4-FFF2-40B4-BE49-F238E27FC236}">
-                <a16:creationId xmlns:a16="http://schemas.microsoft.com/office/drawing/2014/main" id="{61E0399A-65C4-4AF2-8A96-D6286A5CF82B}"/>
-              </a:ext>
-            </a:extLst>
-          </p:cNvPr>
-          <p:cNvPicPr preferRelativeResize="0"/>
-          <p:nvPr/>
-        </p:nvPicPr>
-        <p:blipFill>
-          <a:blip r:embed="rId11">
-            <a:alphaModFix/>
-          </a:blip>
-          <a:stretch>
-            <a:fillRect/>
-          </a:stretch>
-        </p:blipFill>
-        <p:spPr>
-          <a:xfrm>
-            <a:off x="7585712" y="127725"/>
-            <a:ext cx="1415413" cy="172500"/>
-          </a:xfrm>
-          <a:prstGeom prst="rect">
-            <a:avLst/>
-          </a:prstGeom>
-          <a:noFill/>
-          <a:ln>
-            <a:noFill/>
-          </a:ln>
-        </p:spPr>
-      </p:pic>
-    </p:spTree>
-    <p:extLst>
-      <p:ext uri="{BB962C8B-B14F-4D97-AF65-F5344CB8AC3E}">
-        <p14:creationId xmlns:p14="http://schemas.microsoft.com/office/powerpoint/2010/main" val="3936167577"/>
-      </p:ext>
-    </p:extLst>
   </p:cSld>
   <p:clrMapOvr>
     <a:masterClrMapping/>
